--- a/Documentação/Single_Tec.pptx
+++ b/Documentação/Single_Tec.pptx
@@ -2,15 +2,28 @@
 <file path=ppt/presentation.xml><?xml version="1.0" encoding="utf-8"?>
 <p:presentation xmlns:a="http://schemas.openxmlformats.org/drawingml/2006/main" xmlns:r="http://schemas.openxmlformats.org/officeDocument/2006/relationships" xmlns:p="http://schemas.openxmlformats.org/presentationml/2006/main" saveSubsetFonts="1">
   <p:sldMasterIdLst>
-    <p:sldMasterId id="2147483648" r:id="rId1"/>
+    <p:sldMasterId id="2147483672" r:id="rId1"/>
   </p:sldMasterIdLst>
+  <p:notesMasterIdLst>
+    <p:notesMasterId r:id="rId18"/>
+  </p:notesMasterIdLst>
   <p:sldIdLst>
     <p:sldId id="256" r:id="rId2"/>
     <p:sldId id="257" r:id="rId3"/>
     <p:sldId id="261" r:id="rId4"/>
-    <p:sldId id="258" r:id="rId5"/>
-    <p:sldId id="259" r:id="rId6"/>
-    <p:sldId id="260" r:id="rId7"/>
+    <p:sldId id="271" r:id="rId5"/>
+    <p:sldId id="268" r:id="rId6"/>
+    <p:sldId id="269" r:id="rId7"/>
+    <p:sldId id="270" r:id="rId8"/>
+    <p:sldId id="258" r:id="rId9"/>
+    <p:sldId id="272" r:id="rId10"/>
+    <p:sldId id="264" r:id="rId11"/>
+    <p:sldId id="265" r:id="rId12"/>
+    <p:sldId id="259" r:id="rId13"/>
+    <p:sldId id="273" r:id="rId14"/>
+    <p:sldId id="262" r:id="rId15"/>
+    <p:sldId id="266" r:id="rId16"/>
+    <p:sldId id="267" r:id="rId17"/>
   </p:sldIdLst>
   <p:sldSz cx="12192000" cy="6858000"/>
   <p:notesSz cx="6858000" cy="9144000"/>
@@ -117,6 +130,1747 @@
 </p:presentation>
 </file>
 
+<file path=ppt/notesMasters/notesMaster1.xml><?xml version="1.0" encoding="utf-8"?>
+<p:notesMaster xmlns:a="http://schemas.openxmlformats.org/drawingml/2006/main" xmlns:r="http://schemas.openxmlformats.org/officeDocument/2006/relationships" xmlns:p="http://schemas.openxmlformats.org/presentationml/2006/main">
+  <p:cSld>
+    <p:bg>
+      <p:bgRef idx="1001">
+        <a:schemeClr val="bg1"/>
+      </p:bgRef>
+    </p:bg>
+    <p:spTree>
+      <p:nvGrpSpPr>
+        <p:cNvPr id="1" name=""/>
+        <p:cNvGrpSpPr/>
+        <p:nvPr/>
+      </p:nvGrpSpPr>
+      <p:grpSpPr>
+        <a:xfrm>
+          <a:off x="0" y="0"/>
+          <a:ext cx="0" cy="0"/>
+          <a:chOff x="0" y="0"/>
+          <a:chExt cx="0" cy="0"/>
+        </a:xfrm>
+      </p:grpSpPr>
+      <p:sp>
+        <p:nvSpPr>
+          <p:cNvPr id="2" name="Espaço Reservado para Cabeçalho 1"/>
+          <p:cNvSpPr>
+            <a:spLocks noGrp="1"/>
+          </p:cNvSpPr>
+          <p:nvPr>
+            <p:ph type="hdr" sz="quarter"/>
+          </p:nvPr>
+        </p:nvSpPr>
+        <p:spPr>
+          <a:xfrm>
+            <a:off x="0" y="0"/>
+            <a:ext cx="2971800" cy="458788"/>
+          </a:xfrm>
+          <a:prstGeom prst="rect">
+            <a:avLst/>
+          </a:prstGeom>
+        </p:spPr>
+        <p:txBody>
+          <a:bodyPr vert="horz" lIns="91440" tIns="45720" rIns="91440" bIns="45720" rtlCol="0"/>
+          <a:lstStyle>
+            <a:lvl1pPr algn="l">
+              <a:defRPr sz="1200"/>
+            </a:lvl1pPr>
+          </a:lstStyle>
+          <a:p>
+            <a:endParaRPr lang="pt-BR" dirty="0"/>
+          </a:p>
+        </p:txBody>
+      </p:sp>
+      <p:sp>
+        <p:nvSpPr>
+          <p:cNvPr id="3" name="Espaço Reservado para Data 2"/>
+          <p:cNvSpPr>
+            <a:spLocks noGrp="1"/>
+          </p:cNvSpPr>
+          <p:nvPr>
+            <p:ph type="dt" idx="1"/>
+          </p:nvPr>
+        </p:nvSpPr>
+        <p:spPr>
+          <a:xfrm>
+            <a:off x="3884613" y="0"/>
+            <a:ext cx="2971800" cy="458788"/>
+          </a:xfrm>
+          <a:prstGeom prst="rect">
+            <a:avLst/>
+          </a:prstGeom>
+        </p:spPr>
+        <p:txBody>
+          <a:bodyPr vert="horz" lIns="91440" tIns="45720" rIns="91440" bIns="45720" rtlCol="0"/>
+          <a:lstStyle>
+            <a:lvl1pPr algn="r">
+              <a:defRPr sz="1200"/>
+            </a:lvl1pPr>
+          </a:lstStyle>
+          <a:p>
+            <a:fld id="{82EFFEBB-C4AD-4246-BEF2-8DE48386F743}" type="datetimeFigureOut">
+              <a:rPr lang="pt-BR" smtClean="0"/>
+              <a:t>03/05/2020</a:t>
+            </a:fld>
+            <a:endParaRPr lang="pt-BR" dirty="0"/>
+          </a:p>
+        </p:txBody>
+      </p:sp>
+      <p:sp>
+        <p:nvSpPr>
+          <p:cNvPr id="4" name="Espaço Reservado para Imagem de Slide 3"/>
+          <p:cNvSpPr>
+            <a:spLocks noGrp="1" noRot="1" noChangeAspect="1"/>
+          </p:cNvSpPr>
+          <p:nvPr>
+            <p:ph type="sldImg" idx="2"/>
+          </p:nvPr>
+        </p:nvSpPr>
+        <p:spPr>
+          <a:xfrm>
+            <a:off x="685800" y="1143000"/>
+            <a:ext cx="5486400" cy="3086100"/>
+          </a:xfrm>
+          <a:prstGeom prst="rect">
+            <a:avLst/>
+          </a:prstGeom>
+          <a:noFill/>
+          <a:ln w="12700">
+            <a:solidFill>
+              <a:prstClr val="black"/>
+            </a:solidFill>
+          </a:ln>
+        </p:spPr>
+        <p:txBody>
+          <a:bodyPr vert="horz" lIns="91440" tIns="45720" rIns="91440" bIns="45720" rtlCol="0" anchor="ctr"/>
+          <a:lstStyle/>
+          <a:p>
+            <a:endParaRPr lang="pt-BR" dirty="0"/>
+          </a:p>
+        </p:txBody>
+      </p:sp>
+      <p:sp>
+        <p:nvSpPr>
+          <p:cNvPr id="5" name="Espaço Reservado para Anotações 4"/>
+          <p:cNvSpPr>
+            <a:spLocks noGrp="1"/>
+          </p:cNvSpPr>
+          <p:nvPr>
+            <p:ph type="body" sz="quarter" idx="3"/>
+          </p:nvPr>
+        </p:nvSpPr>
+        <p:spPr>
+          <a:xfrm>
+            <a:off x="685800" y="4400550"/>
+            <a:ext cx="5486400" cy="3600450"/>
+          </a:xfrm>
+          <a:prstGeom prst="rect">
+            <a:avLst/>
+          </a:prstGeom>
+        </p:spPr>
+        <p:txBody>
+          <a:bodyPr vert="horz" lIns="91440" tIns="45720" rIns="91440" bIns="45720" rtlCol="0"/>
+          <a:lstStyle/>
+          <a:p>
+            <a:pPr lvl="0"/>
+            <a:r>
+              <a:rPr lang="pt-BR"/>
+              <a:t>Clique para editar os estilos de texto Mestres</a:t>
+            </a:r>
+          </a:p>
+          <a:p>
+            <a:pPr lvl="1"/>
+            <a:r>
+              <a:rPr lang="pt-BR"/>
+              <a:t>Segundo nível</a:t>
+            </a:r>
+          </a:p>
+          <a:p>
+            <a:pPr lvl="2"/>
+            <a:r>
+              <a:rPr lang="pt-BR"/>
+              <a:t>Terceiro nível</a:t>
+            </a:r>
+          </a:p>
+          <a:p>
+            <a:pPr lvl="3"/>
+            <a:r>
+              <a:rPr lang="pt-BR"/>
+              <a:t>Quarto nível</a:t>
+            </a:r>
+          </a:p>
+          <a:p>
+            <a:pPr lvl="4"/>
+            <a:r>
+              <a:rPr lang="pt-BR"/>
+              <a:t>Quinto nível</a:t>
+            </a:r>
+          </a:p>
+        </p:txBody>
+      </p:sp>
+      <p:sp>
+        <p:nvSpPr>
+          <p:cNvPr id="6" name="Espaço Reservado para Rodapé 5"/>
+          <p:cNvSpPr>
+            <a:spLocks noGrp="1"/>
+          </p:cNvSpPr>
+          <p:nvPr>
+            <p:ph type="ftr" sz="quarter" idx="4"/>
+          </p:nvPr>
+        </p:nvSpPr>
+        <p:spPr>
+          <a:xfrm>
+            <a:off x="0" y="8685213"/>
+            <a:ext cx="2971800" cy="458787"/>
+          </a:xfrm>
+          <a:prstGeom prst="rect">
+            <a:avLst/>
+          </a:prstGeom>
+        </p:spPr>
+        <p:txBody>
+          <a:bodyPr vert="horz" lIns="91440" tIns="45720" rIns="91440" bIns="45720" rtlCol="0" anchor="b"/>
+          <a:lstStyle>
+            <a:lvl1pPr algn="l">
+              <a:defRPr sz="1200"/>
+            </a:lvl1pPr>
+          </a:lstStyle>
+          <a:p>
+            <a:endParaRPr lang="pt-BR" dirty="0"/>
+          </a:p>
+        </p:txBody>
+      </p:sp>
+      <p:sp>
+        <p:nvSpPr>
+          <p:cNvPr id="7" name="Espaço Reservado para Número de Slide 6"/>
+          <p:cNvSpPr>
+            <a:spLocks noGrp="1"/>
+          </p:cNvSpPr>
+          <p:nvPr>
+            <p:ph type="sldNum" sz="quarter" idx="5"/>
+          </p:nvPr>
+        </p:nvSpPr>
+        <p:spPr>
+          <a:xfrm>
+            <a:off x="3884613" y="8685213"/>
+            <a:ext cx="2971800" cy="458787"/>
+          </a:xfrm>
+          <a:prstGeom prst="rect">
+            <a:avLst/>
+          </a:prstGeom>
+        </p:spPr>
+        <p:txBody>
+          <a:bodyPr vert="horz" lIns="91440" tIns="45720" rIns="91440" bIns="45720" rtlCol="0" anchor="b"/>
+          <a:lstStyle>
+            <a:lvl1pPr algn="r">
+              <a:defRPr sz="1200"/>
+            </a:lvl1pPr>
+          </a:lstStyle>
+          <a:p>
+            <a:fld id="{5FBB3448-1125-4B09-8952-3CA12106E010}" type="slidenum">
+              <a:rPr lang="pt-BR" smtClean="0"/>
+              <a:t>‹nº›</a:t>
+            </a:fld>
+            <a:endParaRPr lang="pt-BR" dirty="0"/>
+          </a:p>
+        </p:txBody>
+      </p:sp>
+    </p:spTree>
+    <p:extLst>
+      <p:ext uri="{BB962C8B-B14F-4D97-AF65-F5344CB8AC3E}">
+        <p14:creationId xmlns:p14="http://schemas.microsoft.com/office/powerpoint/2010/main" val="4062639621"/>
+      </p:ext>
+    </p:extLst>
+  </p:cSld>
+  <p:clrMap bg1="lt1" tx1="dk1" bg2="lt2" tx2="dk2" accent1="accent1" accent2="accent2" accent3="accent3" accent4="accent4" accent5="accent5" accent6="accent6" hlink="hlink" folHlink="folHlink"/>
+  <p:notesStyle>
+    <a:lvl1pPr marL="0" algn="l" defTabSz="914400" rtl="0" eaLnBrk="1" latinLnBrk="0" hangingPunct="1">
+      <a:defRPr sz="1200" kern="1200">
+        <a:solidFill>
+          <a:schemeClr val="tx1"/>
+        </a:solidFill>
+        <a:latin typeface="+mn-lt"/>
+        <a:ea typeface="+mn-ea"/>
+        <a:cs typeface="+mn-cs"/>
+      </a:defRPr>
+    </a:lvl1pPr>
+    <a:lvl2pPr marL="457200" algn="l" defTabSz="914400" rtl="0" eaLnBrk="1" latinLnBrk="0" hangingPunct="1">
+      <a:defRPr sz="1200" kern="1200">
+        <a:solidFill>
+          <a:schemeClr val="tx1"/>
+        </a:solidFill>
+        <a:latin typeface="+mn-lt"/>
+        <a:ea typeface="+mn-ea"/>
+        <a:cs typeface="+mn-cs"/>
+      </a:defRPr>
+    </a:lvl2pPr>
+    <a:lvl3pPr marL="914400" algn="l" defTabSz="914400" rtl="0" eaLnBrk="1" latinLnBrk="0" hangingPunct="1">
+      <a:defRPr sz="1200" kern="1200">
+        <a:solidFill>
+          <a:schemeClr val="tx1"/>
+        </a:solidFill>
+        <a:latin typeface="+mn-lt"/>
+        <a:ea typeface="+mn-ea"/>
+        <a:cs typeface="+mn-cs"/>
+      </a:defRPr>
+    </a:lvl3pPr>
+    <a:lvl4pPr marL="1371600" algn="l" defTabSz="914400" rtl="0" eaLnBrk="1" latinLnBrk="0" hangingPunct="1">
+      <a:defRPr sz="1200" kern="1200">
+        <a:solidFill>
+          <a:schemeClr val="tx1"/>
+        </a:solidFill>
+        <a:latin typeface="+mn-lt"/>
+        <a:ea typeface="+mn-ea"/>
+        <a:cs typeface="+mn-cs"/>
+      </a:defRPr>
+    </a:lvl4pPr>
+    <a:lvl5pPr marL="1828800" algn="l" defTabSz="914400" rtl="0" eaLnBrk="1" latinLnBrk="0" hangingPunct="1">
+      <a:defRPr sz="1200" kern="1200">
+        <a:solidFill>
+          <a:schemeClr val="tx1"/>
+        </a:solidFill>
+        <a:latin typeface="+mn-lt"/>
+        <a:ea typeface="+mn-ea"/>
+        <a:cs typeface="+mn-cs"/>
+      </a:defRPr>
+    </a:lvl5pPr>
+    <a:lvl6pPr marL="2286000" algn="l" defTabSz="914400" rtl="0" eaLnBrk="1" latinLnBrk="0" hangingPunct="1">
+      <a:defRPr sz="1200" kern="1200">
+        <a:solidFill>
+          <a:schemeClr val="tx1"/>
+        </a:solidFill>
+        <a:latin typeface="+mn-lt"/>
+        <a:ea typeface="+mn-ea"/>
+        <a:cs typeface="+mn-cs"/>
+      </a:defRPr>
+    </a:lvl6pPr>
+    <a:lvl7pPr marL="2743200" algn="l" defTabSz="914400" rtl="0" eaLnBrk="1" latinLnBrk="0" hangingPunct="1">
+      <a:defRPr sz="1200" kern="1200">
+        <a:solidFill>
+          <a:schemeClr val="tx1"/>
+        </a:solidFill>
+        <a:latin typeface="+mn-lt"/>
+        <a:ea typeface="+mn-ea"/>
+        <a:cs typeface="+mn-cs"/>
+      </a:defRPr>
+    </a:lvl7pPr>
+    <a:lvl8pPr marL="3200400" algn="l" defTabSz="914400" rtl="0" eaLnBrk="1" latinLnBrk="0" hangingPunct="1">
+      <a:defRPr sz="1200" kern="1200">
+        <a:solidFill>
+          <a:schemeClr val="tx1"/>
+        </a:solidFill>
+        <a:latin typeface="+mn-lt"/>
+        <a:ea typeface="+mn-ea"/>
+        <a:cs typeface="+mn-cs"/>
+      </a:defRPr>
+    </a:lvl8pPr>
+    <a:lvl9pPr marL="3657600" algn="l" defTabSz="914400" rtl="0" eaLnBrk="1" latinLnBrk="0" hangingPunct="1">
+      <a:defRPr sz="1200" kern="1200">
+        <a:solidFill>
+          <a:schemeClr val="tx1"/>
+        </a:solidFill>
+        <a:latin typeface="+mn-lt"/>
+        <a:ea typeface="+mn-ea"/>
+        <a:cs typeface="+mn-cs"/>
+      </a:defRPr>
+    </a:lvl9pPr>
+  </p:notesStyle>
+</p:notesMaster>
+</file>
+
+<file path=ppt/notesSlides/notesSlide1.xml><?xml version="1.0" encoding="utf-8"?>
+<p:notes xmlns:a="http://schemas.openxmlformats.org/drawingml/2006/main" xmlns:r="http://schemas.openxmlformats.org/officeDocument/2006/relationships" xmlns:p="http://schemas.openxmlformats.org/presentationml/2006/main">
+  <p:cSld>
+    <p:spTree>
+      <p:nvGrpSpPr>
+        <p:cNvPr id="1" name=""/>
+        <p:cNvGrpSpPr/>
+        <p:nvPr/>
+      </p:nvGrpSpPr>
+      <p:grpSpPr>
+        <a:xfrm>
+          <a:off x="0" y="0"/>
+          <a:ext cx="0" cy="0"/>
+          <a:chOff x="0" y="0"/>
+          <a:chExt cx="0" cy="0"/>
+        </a:xfrm>
+      </p:grpSpPr>
+      <p:sp>
+        <p:nvSpPr>
+          <p:cNvPr id="2" name="Espaço Reservado para Imagem de Slide 1"/>
+          <p:cNvSpPr>
+            <a:spLocks noGrp="1" noRot="1" noChangeAspect="1"/>
+          </p:cNvSpPr>
+          <p:nvPr>
+            <p:ph type="sldImg"/>
+          </p:nvPr>
+        </p:nvSpPr>
+        <p:spPr/>
+      </p:sp>
+      <p:sp>
+        <p:nvSpPr>
+          <p:cNvPr id="3" name="Espaço Reservado para Anotações 2"/>
+          <p:cNvSpPr>
+            <a:spLocks noGrp="1"/>
+          </p:cNvSpPr>
+          <p:nvPr>
+            <p:ph type="body" idx="1"/>
+          </p:nvPr>
+        </p:nvSpPr>
+        <p:spPr/>
+        <p:txBody>
+          <a:bodyPr/>
+          <a:lstStyle/>
+          <a:p>
+            <a:r>
+              <a:rPr lang="pt-BR" dirty="0"/>
+              <a:t>Isabella</a:t>
+            </a:r>
+          </a:p>
+        </p:txBody>
+      </p:sp>
+      <p:sp>
+        <p:nvSpPr>
+          <p:cNvPr id="4" name="Espaço Reservado para Número de Slide 3"/>
+          <p:cNvSpPr>
+            <a:spLocks noGrp="1"/>
+          </p:cNvSpPr>
+          <p:nvPr>
+            <p:ph type="sldNum" sz="quarter" idx="5"/>
+          </p:nvPr>
+        </p:nvSpPr>
+        <p:spPr/>
+        <p:txBody>
+          <a:bodyPr/>
+          <a:lstStyle/>
+          <a:p>
+            <a:fld id="{5FBB3448-1125-4B09-8952-3CA12106E010}" type="slidenum">
+              <a:rPr lang="pt-BR" smtClean="0"/>
+              <a:t>1</a:t>
+            </a:fld>
+            <a:endParaRPr lang="pt-BR" dirty="0"/>
+          </a:p>
+        </p:txBody>
+      </p:sp>
+    </p:spTree>
+    <p:extLst>
+      <p:ext uri="{BB962C8B-B14F-4D97-AF65-F5344CB8AC3E}">
+        <p14:creationId xmlns:p14="http://schemas.microsoft.com/office/powerpoint/2010/main" val="252383657"/>
+      </p:ext>
+    </p:extLst>
+  </p:cSld>
+  <p:clrMapOvr>
+    <a:masterClrMapping/>
+  </p:clrMapOvr>
+</p:notes>
+</file>
+
+<file path=ppt/notesSlides/notesSlide10.xml><?xml version="1.0" encoding="utf-8"?>
+<p:notes xmlns:a="http://schemas.openxmlformats.org/drawingml/2006/main" xmlns:r="http://schemas.openxmlformats.org/officeDocument/2006/relationships" xmlns:p="http://schemas.openxmlformats.org/presentationml/2006/main">
+  <p:cSld>
+    <p:spTree>
+      <p:nvGrpSpPr>
+        <p:cNvPr id="1" name=""/>
+        <p:cNvGrpSpPr/>
+        <p:nvPr/>
+      </p:nvGrpSpPr>
+      <p:grpSpPr>
+        <a:xfrm>
+          <a:off x="0" y="0"/>
+          <a:ext cx="0" cy="0"/>
+          <a:chOff x="0" y="0"/>
+          <a:chExt cx="0" cy="0"/>
+        </a:xfrm>
+      </p:grpSpPr>
+      <p:sp>
+        <p:nvSpPr>
+          <p:cNvPr id="2" name="Espaço Reservado para Imagem de Slide 1"/>
+          <p:cNvSpPr>
+            <a:spLocks noGrp="1" noRot="1" noChangeAspect="1"/>
+          </p:cNvSpPr>
+          <p:nvPr>
+            <p:ph type="sldImg"/>
+          </p:nvPr>
+        </p:nvSpPr>
+        <p:spPr/>
+      </p:sp>
+      <p:sp>
+        <p:nvSpPr>
+          <p:cNvPr id="3" name="Espaço Reservado para Anotações 2"/>
+          <p:cNvSpPr>
+            <a:spLocks noGrp="1"/>
+          </p:cNvSpPr>
+          <p:nvPr>
+            <p:ph type="body" idx="1"/>
+          </p:nvPr>
+        </p:nvSpPr>
+        <p:spPr/>
+        <p:txBody>
+          <a:bodyPr/>
+          <a:lstStyle/>
+          <a:p>
+            <a:r>
+              <a:rPr lang="pt-BR" dirty="0"/>
+              <a:t>Miguel</a:t>
+            </a:r>
+          </a:p>
+        </p:txBody>
+      </p:sp>
+      <p:sp>
+        <p:nvSpPr>
+          <p:cNvPr id="4" name="Espaço Reservado para Número de Slide 3"/>
+          <p:cNvSpPr>
+            <a:spLocks noGrp="1"/>
+          </p:cNvSpPr>
+          <p:nvPr>
+            <p:ph type="sldNum" sz="quarter" idx="5"/>
+          </p:nvPr>
+        </p:nvSpPr>
+        <p:spPr/>
+        <p:txBody>
+          <a:bodyPr/>
+          <a:lstStyle/>
+          <a:p>
+            <a:fld id="{5FBB3448-1125-4B09-8952-3CA12106E010}" type="slidenum">
+              <a:rPr lang="pt-BR" smtClean="0"/>
+              <a:t>10</a:t>
+            </a:fld>
+            <a:endParaRPr lang="pt-BR" dirty="0"/>
+          </a:p>
+        </p:txBody>
+      </p:sp>
+    </p:spTree>
+    <p:extLst>
+      <p:ext uri="{BB962C8B-B14F-4D97-AF65-F5344CB8AC3E}">
+        <p14:creationId xmlns:p14="http://schemas.microsoft.com/office/powerpoint/2010/main" val="1216764800"/>
+      </p:ext>
+    </p:extLst>
+  </p:cSld>
+  <p:clrMapOvr>
+    <a:masterClrMapping/>
+  </p:clrMapOvr>
+</p:notes>
+</file>
+
+<file path=ppt/notesSlides/notesSlide11.xml><?xml version="1.0" encoding="utf-8"?>
+<p:notes xmlns:a="http://schemas.openxmlformats.org/drawingml/2006/main" xmlns:r="http://schemas.openxmlformats.org/officeDocument/2006/relationships" xmlns:p="http://schemas.openxmlformats.org/presentationml/2006/main">
+  <p:cSld>
+    <p:spTree>
+      <p:nvGrpSpPr>
+        <p:cNvPr id="1" name=""/>
+        <p:cNvGrpSpPr/>
+        <p:nvPr/>
+      </p:nvGrpSpPr>
+      <p:grpSpPr>
+        <a:xfrm>
+          <a:off x="0" y="0"/>
+          <a:ext cx="0" cy="0"/>
+          <a:chOff x="0" y="0"/>
+          <a:chExt cx="0" cy="0"/>
+        </a:xfrm>
+      </p:grpSpPr>
+      <p:sp>
+        <p:nvSpPr>
+          <p:cNvPr id="2" name="Espaço Reservado para Imagem de Slide 1"/>
+          <p:cNvSpPr>
+            <a:spLocks noGrp="1" noRot="1" noChangeAspect="1"/>
+          </p:cNvSpPr>
+          <p:nvPr>
+            <p:ph type="sldImg"/>
+          </p:nvPr>
+        </p:nvSpPr>
+        <p:spPr/>
+      </p:sp>
+      <p:sp>
+        <p:nvSpPr>
+          <p:cNvPr id="3" name="Espaço Reservado para Anotações 2"/>
+          <p:cNvSpPr>
+            <a:spLocks noGrp="1"/>
+          </p:cNvSpPr>
+          <p:nvPr>
+            <p:ph type="body" idx="1"/>
+          </p:nvPr>
+        </p:nvSpPr>
+        <p:spPr/>
+        <p:txBody>
+          <a:bodyPr/>
+          <a:lstStyle/>
+          <a:p>
+            <a:r>
+              <a:rPr lang="pt-BR" dirty="0"/>
+              <a:t>Miguel</a:t>
+            </a:r>
+          </a:p>
+        </p:txBody>
+      </p:sp>
+      <p:sp>
+        <p:nvSpPr>
+          <p:cNvPr id="4" name="Espaço Reservado para Número de Slide 3"/>
+          <p:cNvSpPr>
+            <a:spLocks noGrp="1"/>
+          </p:cNvSpPr>
+          <p:nvPr>
+            <p:ph type="sldNum" sz="quarter" idx="5"/>
+          </p:nvPr>
+        </p:nvSpPr>
+        <p:spPr/>
+        <p:txBody>
+          <a:bodyPr/>
+          <a:lstStyle/>
+          <a:p>
+            <a:fld id="{5FBB3448-1125-4B09-8952-3CA12106E010}" type="slidenum">
+              <a:rPr lang="pt-BR" smtClean="0"/>
+              <a:t>11</a:t>
+            </a:fld>
+            <a:endParaRPr lang="pt-BR" dirty="0"/>
+          </a:p>
+        </p:txBody>
+      </p:sp>
+    </p:spTree>
+    <p:extLst>
+      <p:ext uri="{BB962C8B-B14F-4D97-AF65-F5344CB8AC3E}">
+        <p14:creationId xmlns:p14="http://schemas.microsoft.com/office/powerpoint/2010/main" val="3151123213"/>
+      </p:ext>
+    </p:extLst>
+  </p:cSld>
+  <p:clrMapOvr>
+    <a:masterClrMapping/>
+  </p:clrMapOvr>
+</p:notes>
+</file>
+
+<file path=ppt/notesSlides/notesSlide12.xml><?xml version="1.0" encoding="utf-8"?>
+<p:notes xmlns:a="http://schemas.openxmlformats.org/drawingml/2006/main" xmlns:r="http://schemas.openxmlformats.org/officeDocument/2006/relationships" xmlns:p="http://schemas.openxmlformats.org/presentationml/2006/main">
+  <p:cSld>
+    <p:spTree>
+      <p:nvGrpSpPr>
+        <p:cNvPr id="1" name=""/>
+        <p:cNvGrpSpPr/>
+        <p:nvPr/>
+      </p:nvGrpSpPr>
+      <p:grpSpPr>
+        <a:xfrm>
+          <a:off x="0" y="0"/>
+          <a:ext cx="0" cy="0"/>
+          <a:chOff x="0" y="0"/>
+          <a:chExt cx="0" cy="0"/>
+        </a:xfrm>
+      </p:grpSpPr>
+      <p:sp>
+        <p:nvSpPr>
+          <p:cNvPr id="2" name="Espaço Reservado para Imagem de Slide 1"/>
+          <p:cNvSpPr>
+            <a:spLocks noGrp="1" noRot="1" noChangeAspect="1"/>
+          </p:cNvSpPr>
+          <p:nvPr>
+            <p:ph type="sldImg"/>
+          </p:nvPr>
+        </p:nvSpPr>
+        <p:spPr/>
+      </p:sp>
+      <p:sp>
+        <p:nvSpPr>
+          <p:cNvPr id="3" name="Espaço Reservado para Anotações 2"/>
+          <p:cNvSpPr>
+            <a:spLocks noGrp="1"/>
+          </p:cNvSpPr>
+          <p:nvPr>
+            <p:ph type="body" idx="1"/>
+          </p:nvPr>
+        </p:nvSpPr>
+        <p:spPr/>
+        <p:txBody>
+          <a:bodyPr/>
+          <a:lstStyle/>
+          <a:p>
+            <a:r>
+              <a:rPr lang="pt-BR" dirty="0"/>
+              <a:t>Miguel</a:t>
+            </a:r>
+          </a:p>
+        </p:txBody>
+      </p:sp>
+      <p:sp>
+        <p:nvSpPr>
+          <p:cNvPr id="4" name="Espaço Reservado para Número de Slide 3"/>
+          <p:cNvSpPr>
+            <a:spLocks noGrp="1"/>
+          </p:cNvSpPr>
+          <p:nvPr>
+            <p:ph type="sldNum" sz="quarter" idx="5"/>
+          </p:nvPr>
+        </p:nvSpPr>
+        <p:spPr/>
+        <p:txBody>
+          <a:bodyPr/>
+          <a:lstStyle/>
+          <a:p>
+            <a:fld id="{5FBB3448-1125-4B09-8952-3CA12106E010}" type="slidenum">
+              <a:rPr lang="pt-BR" smtClean="0"/>
+              <a:t>12</a:t>
+            </a:fld>
+            <a:endParaRPr lang="pt-BR" dirty="0"/>
+          </a:p>
+        </p:txBody>
+      </p:sp>
+    </p:spTree>
+    <p:extLst>
+      <p:ext uri="{BB962C8B-B14F-4D97-AF65-F5344CB8AC3E}">
+        <p14:creationId xmlns:p14="http://schemas.microsoft.com/office/powerpoint/2010/main" val="995304493"/>
+      </p:ext>
+    </p:extLst>
+  </p:cSld>
+  <p:clrMapOvr>
+    <a:masterClrMapping/>
+  </p:clrMapOvr>
+</p:notes>
+</file>
+
+<file path=ppt/notesSlides/notesSlide13.xml><?xml version="1.0" encoding="utf-8"?>
+<p:notes xmlns:a="http://schemas.openxmlformats.org/drawingml/2006/main" xmlns:r="http://schemas.openxmlformats.org/officeDocument/2006/relationships" xmlns:p="http://schemas.openxmlformats.org/presentationml/2006/main">
+  <p:cSld>
+    <p:spTree>
+      <p:nvGrpSpPr>
+        <p:cNvPr id="1" name=""/>
+        <p:cNvGrpSpPr/>
+        <p:nvPr/>
+      </p:nvGrpSpPr>
+      <p:grpSpPr>
+        <a:xfrm>
+          <a:off x="0" y="0"/>
+          <a:ext cx="0" cy="0"/>
+          <a:chOff x="0" y="0"/>
+          <a:chExt cx="0" cy="0"/>
+        </a:xfrm>
+      </p:grpSpPr>
+      <p:sp>
+        <p:nvSpPr>
+          <p:cNvPr id="2" name="Espaço Reservado para Imagem de Slide 1"/>
+          <p:cNvSpPr>
+            <a:spLocks noGrp="1" noRot="1" noChangeAspect="1"/>
+          </p:cNvSpPr>
+          <p:nvPr>
+            <p:ph type="sldImg"/>
+          </p:nvPr>
+        </p:nvSpPr>
+        <p:spPr/>
+      </p:sp>
+      <p:sp>
+        <p:nvSpPr>
+          <p:cNvPr id="3" name="Espaço Reservado para Anotações 2"/>
+          <p:cNvSpPr>
+            <a:spLocks noGrp="1"/>
+          </p:cNvSpPr>
+          <p:nvPr>
+            <p:ph type="body" idx="1"/>
+          </p:nvPr>
+        </p:nvSpPr>
+        <p:spPr/>
+        <p:txBody>
+          <a:bodyPr/>
+          <a:lstStyle/>
+          <a:p>
+            <a:r>
+              <a:rPr lang="pt-BR" dirty="0"/>
+              <a:t>Miguel</a:t>
+            </a:r>
+          </a:p>
+        </p:txBody>
+      </p:sp>
+      <p:sp>
+        <p:nvSpPr>
+          <p:cNvPr id="4" name="Espaço Reservado para Número de Slide 3"/>
+          <p:cNvSpPr>
+            <a:spLocks noGrp="1"/>
+          </p:cNvSpPr>
+          <p:nvPr>
+            <p:ph type="sldNum" sz="quarter" idx="5"/>
+          </p:nvPr>
+        </p:nvSpPr>
+        <p:spPr/>
+        <p:txBody>
+          <a:bodyPr/>
+          <a:lstStyle/>
+          <a:p>
+            <a:fld id="{5FBB3448-1125-4B09-8952-3CA12106E010}" type="slidenum">
+              <a:rPr lang="pt-BR" smtClean="0"/>
+              <a:t>13</a:t>
+            </a:fld>
+            <a:endParaRPr lang="pt-BR" dirty="0"/>
+          </a:p>
+        </p:txBody>
+      </p:sp>
+    </p:spTree>
+    <p:extLst>
+      <p:ext uri="{BB962C8B-B14F-4D97-AF65-F5344CB8AC3E}">
+        <p14:creationId xmlns:p14="http://schemas.microsoft.com/office/powerpoint/2010/main" val="2471303001"/>
+      </p:ext>
+    </p:extLst>
+  </p:cSld>
+  <p:clrMapOvr>
+    <a:masterClrMapping/>
+  </p:clrMapOvr>
+</p:notes>
+</file>
+
+<file path=ppt/notesSlides/notesSlide14.xml><?xml version="1.0" encoding="utf-8"?>
+<p:notes xmlns:a="http://schemas.openxmlformats.org/drawingml/2006/main" xmlns:r="http://schemas.openxmlformats.org/officeDocument/2006/relationships" xmlns:p="http://schemas.openxmlformats.org/presentationml/2006/main">
+  <p:cSld>
+    <p:spTree>
+      <p:nvGrpSpPr>
+        <p:cNvPr id="1" name=""/>
+        <p:cNvGrpSpPr/>
+        <p:nvPr/>
+      </p:nvGrpSpPr>
+      <p:grpSpPr>
+        <a:xfrm>
+          <a:off x="0" y="0"/>
+          <a:ext cx="0" cy="0"/>
+          <a:chOff x="0" y="0"/>
+          <a:chExt cx="0" cy="0"/>
+        </a:xfrm>
+      </p:grpSpPr>
+      <p:sp>
+        <p:nvSpPr>
+          <p:cNvPr id="2" name="Espaço Reservado para Imagem de Slide 1"/>
+          <p:cNvSpPr>
+            <a:spLocks noGrp="1" noRot="1" noChangeAspect="1"/>
+          </p:cNvSpPr>
+          <p:nvPr>
+            <p:ph type="sldImg"/>
+          </p:nvPr>
+        </p:nvSpPr>
+        <p:spPr/>
+      </p:sp>
+      <p:sp>
+        <p:nvSpPr>
+          <p:cNvPr id="3" name="Espaço Reservado para Anotações 2"/>
+          <p:cNvSpPr>
+            <a:spLocks noGrp="1"/>
+          </p:cNvSpPr>
+          <p:nvPr>
+            <p:ph type="body" idx="1"/>
+          </p:nvPr>
+        </p:nvSpPr>
+        <p:spPr/>
+        <p:txBody>
+          <a:bodyPr/>
+          <a:lstStyle/>
+          <a:p>
+            <a:r>
+              <a:rPr lang="pt-BR" dirty="0"/>
+              <a:t>André</a:t>
+            </a:r>
+          </a:p>
+        </p:txBody>
+      </p:sp>
+      <p:sp>
+        <p:nvSpPr>
+          <p:cNvPr id="4" name="Espaço Reservado para Número de Slide 3"/>
+          <p:cNvSpPr>
+            <a:spLocks noGrp="1"/>
+          </p:cNvSpPr>
+          <p:nvPr>
+            <p:ph type="sldNum" sz="quarter" idx="5"/>
+          </p:nvPr>
+        </p:nvSpPr>
+        <p:spPr/>
+        <p:txBody>
+          <a:bodyPr/>
+          <a:lstStyle/>
+          <a:p>
+            <a:fld id="{5FBB3448-1125-4B09-8952-3CA12106E010}" type="slidenum">
+              <a:rPr lang="pt-BR" smtClean="0"/>
+              <a:t>14</a:t>
+            </a:fld>
+            <a:endParaRPr lang="pt-BR" dirty="0"/>
+          </a:p>
+        </p:txBody>
+      </p:sp>
+    </p:spTree>
+    <p:extLst>
+      <p:ext uri="{BB962C8B-B14F-4D97-AF65-F5344CB8AC3E}">
+        <p14:creationId xmlns:p14="http://schemas.microsoft.com/office/powerpoint/2010/main" val="2273769027"/>
+      </p:ext>
+    </p:extLst>
+  </p:cSld>
+  <p:clrMapOvr>
+    <a:masterClrMapping/>
+  </p:clrMapOvr>
+</p:notes>
+</file>
+
+<file path=ppt/notesSlides/notesSlide15.xml><?xml version="1.0" encoding="utf-8"?>
+<p:notes xmlns:a="http://schemas.openxmlformats.org/drawingml/2006/main" xmlns:r="http://schemas.openxmlformats.org/officeDocument/2006/relationships" xmlns:p="http://schemas.openxmlformats.org/presentationml/2006/main">
+  <p:cSld>
+    <p:spTree>
+      <p:nvGrpSpPr>
+        <p:cNvPr id="1" name=""/>
+        <p:cNvGrpSpPr/>
+        <p:nvPr/>
+      </p:nvGrpSpPr>
+      <p:grpSpPr>
+        <a:xfrm>
+          <a:off x="0" y="0"/>
+          <a:ext cx="0" cy="0"/>
+          <a:chOff x="0" y="0"/>
+          <a:chExt cx="0" cy="0"/>
+        </a:xfrm>
+      </p:grpSpPr>
+      <p:sp>
+        <p:nvSpPr>
+          <p:cNvPr id="2" name="Espaço Reservado para Imagem de Slide 1"/>
+          <p:cNvSpPr>
+            <a:spLocks noGrp="1" noRot="1" noChangeAspect="1"/>
+          </p:cNvSpPr>
+          <p:nvPr>
+            <p:ph type="sldImg"/>
+          </p:nvPr>
+        </p:nvSpPr>
+        <p:spPr/>
+      </p:sp>
+      <p:sp>
+        <p:nvSpPr>
+          <p:cNvPr id="3" name="Espaço Reservado para Anotações 2"/>
+          <p:cNvSpPr>
+            <a:spLocks noGrp="1"/>
+          </p:cNvSpPr>
+          <p:nvPr>
+            <p:ph type="body" idx="1"/>
+          </p:nvPr>
+        </p:nvSpPr>
+        <p:spPr/>
+        <p:txBody>
+          <a:bodyPr/>
+          <a:lstStyle/>
+          <a:p>
+            <a:r>
+              <a:rPr lang="pt-BR" dirty="0"/>
+              <a:t>Miguel</a:t>
+            </a:r>
+          </a:p>
+        </p:txBody>
+      </p:sp>
+      <p:sp>
+        <p:nvSpPr>
+          <p:cNvPr id="4" name="Espaço Reservado para Número de Slide 3"/>
+          <p:cNvSpPr>
+            <a:spLocks noGrp="1"/>
+          </p:cNvSpPr>
+          <p:nvPr>
+            <p:ph type="sldNum" sz="quarter" idx="5"/>
+          </p:nvPr>
+        </p:nvSpPr>
+        <p:spPr/>
+        <p:txBody>
+          <a:bodyPr/>
+          <a:lstStyle/>
+          <a:p>
+            <a:fld id="{5FBB3448-1125-4B09-8952-3CA12106E010}" type="slidenum">
+              <a:rPr lang="pt-BR" smtClean="0"/>
+              <a:t>15</a:t>
+            </a:fld>
+            <a:endParaRPr lang="pt-BR" dirty="0"/>
+          </a:p>
+        </p:txBody>
+      </p:sp>
+    </p:spTree>
+    <p:extLst>
+      <p:ext uri="{BB962C8B-B14F-4D97-AF65-F5344CB8AC3E}">
+        <p14:creationId xmlns:p14="http://schemas.microsoft.com/office/powerpoint/2010/main" val="313466447"/>
+      </p:ext>
+    </p:extLst>
+  </p:cSld>
+  <p:clrMapOvr>
+    <a:masterClrMapping/>
+  </p:clrMapOvr>
+</p:notes>
+</file>
+
+<file path=ppt/notesSlides/notesSlide16.xml><?xml version="1.0" encoding="utf-8"?>
+<p:notes xmlns:a="http://schemas.openxmlformats.org/drawingml/2006/main" xmlns:r="http://schemas.openxmlformats.org/officeDocument/2006/relationships" xmlns:p="http://schemas.openxmlformats.org/presentationml/2006/main">
+  <p:cSld>
+    <p:spTree>
+      <p:nvGrpSpPr>
+        <p:cNvPr id="1" name=""/>
+        <p:cNvGrpSpPr/>
+        <p:nvPr/>
+      </p:nvGrpSpPr>
+      <p:grpSpPr>
+        <a:xfrm>
+          <a:off x="0" y="0"/>
+          <a:ext cx="0" cy="0"/>
+          <a:chOff x="0" y="0"/>
+          <a:chExt cx="0" cy="0"/>
+        </a:xfrm>
+      </p:grpSpPr>
+      <p:sp>
+        <p:nvSpPr>
+          <p:cNvPr id="2" name="Espaço Reservado para Imagem de Slide 1"/>
+          <p:cNvSpPr>
+            <a:spLocks noGrp="1" noRot="1" noChangeAspect="1"/>
+          </p:cNvSpPr>
+          <p:nvPr>
+            <p:ph type="sldImg"/>
+          </p:nvPr>
+        </p:nvSpPr>
+        <p:spPr/>
+      </p:sp>
+      <p:sp>
+        <p:nvSpPr>
+          <p:cNvPr id="3" name="Espaço Reservado para Anotações 2"/>
+          <p:cNvSpPr>
+            <a:spLocks noGrp="1"/>
+          </p:cNvSpPr>
+          <p:nvPr>
+            <p:ph type="body" idx="1"/>
+          </p:nvPr>
+        </p:nvSpPr>
+        <p:spPr/>
+        <p:txBody>
+          <a:bodyPr/>
+          <a:lstStyle/>
+          <a:p>
+            <a:r>
+              <a:rPr lang="pt-BR" dirty="0"/>
+              <a:t>Miguel</a:t>
+            </a:r>
+          </a:p>
+        </p:txBody>
+      </p:sp>
+      <p:sp>
+        <p:nvSpPr>
+          <p:cNvPr id="4" name="Espaço Reservado para Número de Slide 3"/>
+          <p:cNvSpPr>
+            <a:spLocks noGrp="1"/>
+          </p:cNvSpPr>
+          <p:nvPr>
+            <p:ph type="sldNum" sz="quarter" idx="5"/>
+          </p:nvPr>
+        </p:nvSpPr>
+        <p:spPr/>
+        <p:txBody>
+          <a:bodyPr/>
+          <a:lstStyle/>
+          <a:p>
+            <a:fld id="{5FBB3448-1125-4B09-8952-3CA12106E010}" type="slidenum">
+              <a:rPr lang="pt-BR" smtClean="0"/>
+              <a:t>16</a:t>
+            </a:fld>
+            <a:endParaRPr lang="pt-BR" dirty="0"/>
+          </a:p>
+        </p:txBody>
+      </p:sp>
+    </p:spTree>
+    <p:extLst>
+      <p:ext uri="{BB962C8B-B14F-4D97-AF65-F5344CB8AC3E}">
+        <p14:creationId xmlns:p14="http://schemas.microsoft.com/office/powerpoint/2010/main" val="4235625213"/>
+      </p:ext>
+    </p:extLst>
+  </p:cSld>
+  <p:clrMapOvr>
+    <a:masterClrMapping/>
+  </p:clrMapOvr>
+</p:notes>
+</file>
+
+<file path=ppt/notesSlides/notesSlide2.xml><?xml version="1.0" encoding="utf-8"?>
+<p:notes xmlns:a="http://schemas.openxmlformats.org/drawingml/2006/main" xmlns:r="http://schemas.openxmlformats.org/officeDocument/2006/relationships" xmlns:p="http://schemas.openxmlformats.org/presentationml/2006/main">
+  <p:cSld>
+    <p:spTree>
+      <p:nvGrpSpPr>
+        <p:cNvPr id="1" name=""/>
+        <p:cNvGrpSpPr/>
+        <p:nvPr/>
+      </p:nvGrpSpPr>
+      <p:grpSpPr>
+        <a:xfrm>
+          <a:off x="0" y="0"/>
+          <a:ext cx="0" cy="0"/>
+          <a:chOff x="0" y="0"/>
+          <a:chExt cx="0" cy="0"/>
+        </a:xfrm>
+      </p:grpSpPr>
+      <p:sp>
+        <p:nvSpPr>
+          <p:cNvPr id="2" name="Espaço Reservado para Imagem de Slide 1"/>
+          <p:cNvSpPr>
+            <a:spLocks noGrp="1" noRot="1" noChangeAspect="1"/>
+          </p:cNvSpPr>
+          <p:nvPr>
+            <p:ph type="sldImg"/>
+          </p:nvPr>
+        </p:nvSpPr>
+        <p:spPr/>
+      </p:sp>
+      <p:sp>
+        <p:nvSpPr>
+          <p:cNvPr id="3" name="Espaço Reservado para Anotações 2"/>
+          <p:cNvSpPr>
+            <a:spLocks noGrp="1"/>
+          </p:cNvSpPr>
+          <p:nvPr>
+            <p:ph type="body" idx="1"/>
+          </p:nvPr>
+        </p:nvSpPr>
+        <p:spPr/>
+        <p:txBody>
+          <a:bodyPr/>
+          <a:lstStyle/>
+          <a:p>
+            <a:r>
+              <a:rPr lang="pt-BR" dirty="0"/>
+              <a:t>Isabella</a:t>
+            </a:r>
+          </a:p>
+        </p:txBody>
+      </p:sp>
+      <p:sp>
+        <p:nvSpPr>
+          <p:cNvPr id="4" name="Espaço Reservado para Número de Slide 3"/>
+          <p:cNvSpPr>
+            <a:spLocks noGrp="1"/>
+          </p:cNvSpPr>
+          <p:nvPr>
+            <p:ph type="sldNum" sz="quarter" idx="5"/>
+          </p:nvPr>
+        </p:nvSpPr>
+        <p:spPr/>
+        <p:txBody>
+          <a:bodyPr/>
+          <a:lstStyle/>
+          <a:p>
+            <a:fld id="{5FBB3448-1125-4B09-8952-3CA12106E010}" type="slidenum">
+              <a:rPr lang="pt-BR" smtClean="0"/>
+              <a:t>2</a:t>
+            </a:fld>
+            <a:endParaRPr lang="pt-BR" dirty="0"/>
+          </a:p>
+        </p:txBody>
+      </p:sp>
+    </p:spTree>
+    <p:extLst>
+      <p:ext uri="{BB962C8B-B14F-4D97-AF65-F5344CB8AC3E}">
+        <p14:creationId xmlns:p14="http://schemas.microsoft.com/office/powerpoint/2010/main" val="3114251447"/>
+      </p:ext>
+    </p:extLst>
+  </p:cSld>
+  <p:clrMapOvr>
+    <a:masterClrMapping/>
+  </p:clrMapOvr>
+</p:notes>
+</file>
+
+<file path=ppt/notesSlides/notesSlide3.xml><?xml version="1.0" encoding="utf-8"?>
+<p:notes xmlns:a="http://schemas.openxmlformats.org/drawingml/2006/main" xmlns:r="http://schemas.openxmlformats.org/officeDocument/2006/relationships" xmlns:p="http://schemas.openxmlformats.org/presentationml/2006/main">
+  <p:cSld>
+    <p:spTree>
+      <p:nvGrpSpPr>
+        <p:cNvPr id="1" name=""/>
+        <p:cNvGrpSpPr/>
+        <p:nvPr/>
+      </p:nvGrpSpPr>
+      <p:grpSpPr>
+        <a:xfrm>
+          <a:off x="0" y="0"/>
+          <a:ext cx="0" cy="0"/>
+          <a:chOff x="0" y="0"/>
+          <a:chExt cx="0" cy="0"/>
+        </a:xfrm>
+      </p:grpSpPr>
+      <p:sp>
+        <p:nvSpPr>
+          <p:cNvPr id="2" name="Espaço Reservado para Imagem de Slide 1"/>
+          <p:cNvSpPr>
+            <a:spLocks noGrp="1" noRot="1" noChangeAspect="1"/>
+          </p:cNvSpPr>
+          <p:nvPr>
+            <p:ph type="sldImg"/>
+          </p:nvPr>
+        </p:nvSpPr>
+        <p:spPr/>
+      </p:sp>
+      <p:sp>
+        <p:nvSpPr>
+          <p:cNvPr id="3" name="Espaço Reservado para Anotações 2"/>
+          <p:cNvSpPr>
+            <a:spLocks noGrp="1"/>
+          </p:cNvSpPr>
+          <p:nvPr>
+            <p:ph type="body" idx="1"/>
+          </p:nvPr>
+        </p:nvSpPr>
+        <p:spPr/>
+        <p:txBody>
+          <a:bodyPr/>
+          <a:lstStyle/>
+          <a:p>
+            <a:r>
+              <a:rPr lang="pt-BR" dirty="0"/>
+              <a:t>Isabella</a:t>
+            </a:r>
+          </a:p>
+        </p:txBody>
+      </p:sp>
+      <p:sp>
+        <p:nvSpPr>
+          <p:cNvPr id="4" name="Espaço Reservado para Número de Slide 3"/>
+          <p:cNvSpPr>
+            <a:spLocks noGrp="1"/>
+          </p:cNvSpPr>
+          <p:nvPr>
+            <p:ph type="sldNum" sz="quarter" idx="5"/>
+          </p:nvPr>
+        </p:nvSpPr>
+        <p:spPr/>
+        <p:txBody>
+          <a:bodyPr/>
+          <a:lstStyle/>
+          <a:p>
+            <a:fld id="{5FBB3448-1125-4B09-8952-3CA12106E010}" type="slidenum">
+              <a:rPr lang="pt-BR" smtClean="0"/>
+              <a:t>3</a:t>
+            </a:fld>
+            <a:endParaRPr lang="pt-BR" dirty="0"/>
+          </a:p>
+        </p:txBody>
+      </p:sp>
+    </p:spTree>
+    <p:extLst>
+      <p:ext uri="{BB962C8B-B14F-4D97-AF65-F5344CB8AC3E}">
+        <p14:creationId xmlns:p14="http://schemas.microsoft.com/office/powerpoint/2010/main" val="1399769881"/>
+      </p:ext>
+    </p:extLst>
+  </p:cSld>
+  <p:clrMapOvr>
+    <a:masterClrMapping/>
+  </p:clrMapOvr>
+</p:notes>
+</file>
+
+<file path=ppt/notesSlides/notesSlide4.xml><?xml version="1.0" encoding="utf-8"?>
+<p:notes xmlns:a="http://schemas.openxmlformats.org/drawingml/2006/main" xmlns:r="http://schemas.openxmlformats.org/officeDocument/2006/relationships" xmlns:p="http://schemas.openxmlformats.org/presentationml/2006/main">
+  <p:cSld>
+    <p:spTree>
+      <p:nvGrpSpPr>
+        <p:cNvPr id="1" name=""/>
+        <p:cNvGrpSpPr/>
+        <p:nvPr/>
+      </p:nvGrpSpPr>
+      <p:grpSpPr>
+        <a:xfrm>
+          <a:off x="0" y="0"/>
+          <a:ext cx="0" cy="0"/>
+          <a:chOff x="0" y="0"/>
+          <a:chExt cx="0" cy="0"/>
+        </a:xfrm>
+      </p:grpSpPr>
+      <p:sp>
+        <p:nvSpPr>
+          <p:cNvPr id="2" name="Espaço Reservado para Imagem de Slide 1"/>
+          <p:cNvSpPr>
+            <a:spLocks noGrp="1" noRot="1" noChangeAspect="1"/>
+          </p:cNvSpPr>
+          <p:nvPr>
+            <p:ph type="sldImg"/>
+          </p:nvPr>
+        </p:nvSpPr>
+        <p:spPr/>
+      </p:sp>
+      <p:sp>
+        <p:nvSpPr>
+          <p:cNvPr id="3" name="Espaço Reservado para Anotações 2"/>
+          <p:cNvSpPr>
+            <a:spLocks noGrp="1"/>
+          </p:cNvSpPr>
+          <p:nvPr>
+            <p:ph type="body" idx="1"/>
+          </p:nvPr>
+        </p:nvSpPr>
+        <p:spPr/>
+        <p:txBody>
+          <a:bodyPr/>
+          <a:lstStyle/>
+          <a:p>
+            <a:r>
+              <a:rPr lang="pt-BR" dirty="0"/>
+              <a:t>Isabella</a:t>
+            </a:r>
+          </a:p>
+        </p:txBody>
+      </p:sp>
+      <p:sp>
+        <p:nvSpPr>
+          <p:cNvPr id="4" name="Espaço Reservado para Número de Slide 3"/>
+          <p:cNvSpPr>
+            <a:spLocks noGrp="1"/>
+          </p:cNvSpPr>
+          <p:nvPr>
+            <p:ph type="sldNum" sz="quarter" idx="5"/>
+          </p:nvPr>
+        </p:nvSpPr>
+        <p:spPr/>
+        <p:txBody>
+          <a:bodyPr/>
+          <a:lstStyle/>
+          <a:p>
+            <a:fld id="{5FBB3448-1125-4B09-8952-3CA12106E010}" type="slidenum">
+              <a:rPr lang="pt-BR" smtClean="0"/>
+              <a:t>4</a:t>
+            </a:fld>
+            <a:endParaRPr lang="pt-BR" dirty="0"/>
+          </a:p>
+        </p:txBody>
+      </p:sp>
+    </p:spTree>
+    <p:extLst>
+      <p:ext uri="{BB962C8B-B14F-4D97-AF65-F5344CB8AC3E}">
+        <p14:creationId xmlns:p14="http://schemas.microsoft.com/office/powerpoint/2010/main" val="1353462306"/>
+      </p:ext>
+    </p:extLst>
+  </p:cSld>
+  <p:clrMapOvr>
+    <a:masterClrMapping/>
+  </p:clrMapOvr>
+</p:notes>
+</file>
+
+<file path=ppt/notesSlides/notesSlide5.xml><?xml version="1.0" encoding="utf-8"?>
+<p:notes xmlns:a="http://schemas.openxmlformats.org/drawingml/2006/main" xmlns:r="http://schemas.openxmlformats.org/officeDocument/2006/relationships" xmlns:p="http://schemas.openxmlformats.org/presentationml/2006/main">
+  <p:cSld>
+    <p:spTree>
+      <p:nvGrpSpPr>
+        <p:cNvPr id="1" name=""/>
+        <p:cNvGrpSpPr/>
+        <p:nvPr/>
+      </p:nvGrpSpPr>
+      <p:grpSpPr>
+        <a:xfrm>
+          <a:off x="0" y="0"/>
+          <a:ext cx="0" cy="0"/>
+          <a:chOff x="0" y="0"/>
+          <a:chExt cx="0" cy="0"/>
+        </a:xfrm>
+      </p:grpSpPr>
+      <p:sp>
+        <p:nvSpPr>
+          <p:cNvPr id="2" name="Espaço Reservado para Imagem de Slide 1"/>
+          <p:cNvSpPr>
+            <a:spLocks noGrp="1" noRot="1" noChangeAspect="1"/>
+          </p:cNvSpPr>
+          <p:nvPr>
+            <p:ph type="sldImg"/>
+          </p:nvPr>
+        </p:nvSpPr>
+        <p:spPr/>
+      </p:sp>
+      <p:sp>
+        <p:nvSpPr>
+          <p:cNvPr id="3" name="Espaço Reservado para Anotações 2"/>
+          <p:cNvSpPr>
+            <a:spLocks noGrp="1"/>
+          </p:cNvSpPr>
+          <p:nvPr>
+            <p:ph type="body" idx="1"/>
+          </p:nvPr>
+        </p:nvSpPr>
+        <p:spPr/>
+        <p:txBody>
+          <a:bodyPr/>
+          <a:lstStyle/>
+          <a:p>
+            <a:r>
+              <a:rPr lang="pt-BR" dirty="0"/>
+              <a:t>Bruno</a:t>
+            </a:r>
+          </a:p>
+        </p:txBody>
+      </p:sp>
+      <p:sp>
+        <p:nvSpPr>
+          <p:cNvPr id="4" name="Espaço Reservado para Número de Slide 3"/>
+          <p:cNvSpPr>
+            <a:spLocks noGrp="1"/>
+          </p:cNvSpPr>
+          <p:nvPr>
+            <p:ph type="sldNum" sz="quarter" idx="5"/>
+          </p:nvPr>
+        </p:nvSpPr>
+        <p:spPr/>
+        <p:txBody>
+          <a:bodyPr/>
+          <a:lstStyle/>
+          <a:p>
+            <a:fld id="{5FBB3448-1125-4B09-8952-3CA12106E010}" type="slidenum">
+              <a:rPr lang="pt-BR" smtClean="0"/>
+              <a:t>5</a:t>
+            </a:fld>
+            <a:endParaRPr lang="pt-BR" dirty="0"/>
+          </a:p>
+        </p:txBody>
+      </p:sp>
+    </p:spTree>
+    <p:extLst>
+      <p:ext uri="{BB962C8B-B14F-4D97-AF65-F5344CB8AC3E}">
+        <p14:creationId xmlns:p14="http://schemas.microsoft.com/office/powerpoint/2010/main" val="74355356"/>
+      </p:ext>
+    </p:extLst>
+  </p:cSld>
+  <p:clrMapOvr>
+    <a:masterClrMapping/>
+  </p:clrMapOvr>
+</p:notes>
+</file>
+
+<file path=ppt/notesSlides/notesSlide6.xml><?xml version="1.0" encoding="utf-8"?>
+<p:notes xmlns:a="http://schemas.openxmlformats.org/drawingml/2006/main" xmlns:r="http://schemas.openxmlformats.org/officeDocument/2006/relationships" xmlns:p="http://schemas.openxmlformats.org/presentationml/2006/main">
+  <p:cSld>
+    <p:spTree>
+      <p:nvGrpSpPr>
+        <p:cNvPr id="1" name=""/>
+        <p:cNvGrpSpPr/>
+        <p:nvPr/>
+      </p:nvGrpSpPr>
+      <p:grpSpPr>
+        <a:xfrm>
+          <a:off x="0" y="0"/>
+          <a:ext cx="0" cy="0"/>
+          <a:chOff x="0" y="0"/>
+          <a:chExt cx="0" cy="0"/>
+        </a:xfrm>
+      </p:grpSpPr>
+      <p:sp>
+        <p:nvSpPr>
+          <p:cNvPr id="2" name="Espaço Reservado para Imagem de Slide 1"/>
+          <p:cNvSpPr>
+            <a:spLocks noGrp="1" noRot="1" noChangeAspect="1"/>
+          </p:cNvSpPr>
+          <p:nvPr>
+            <p:ph type="sldImg"/>
+          </p:nvPr>
+        </p:nvSpPr>
+        <p:spPr/>
+      </p:sp>
+      <p:sp>
+        <p:nvSpPr>
+          <p:cNvPr id="3" name="Espaço Reservado para Anotações 2"/>
+          <p:cNvSpPr>
+            <a:spLocks noGrp="1"/>
+          </p:cNvSpPr>
+          <p:nvPr>
+            <p:ph type="body" idx="1"/>
+          </p:nvPr>
+        </p:nvSpPr>
+        <p:spPr/>
+        <p:txBody>
+          <a:bodyPr/>
+          <a:lstStyle/>
+          <a:p>
+            <a:r>
+              <a:rPr lang="pt-BR" dirty="0"/>
+              <a:t>Bruno</a:t>
+            </a:r>
+          </a:p>
+        </p:txBody>
+      </p:sp>
+      <p:sp>
+        <p:nvSpPr>
+          <p:cNvPr id="4" name="Espaço Reservado para Número de Slide 3"/>
+          <p:cNvSpPr>
+            <a:spLocks noGrp="1"/>
+          </p:cNvSpPr>
+          <p:nvPr>
+            <p:ph type="sldNum" sz="quarter" idx="5"/>
+          </p:nvPr>
+        </p:nvSpPr>
+        <p:spPr/>
+        <p:txBody>
+          <a:bodyPr/>
+          <a:lstStyle/>
+          <a:p>
+            <a:fld id="{5FBB3448-1125-4B09-8952-3CA12106E010}" type="slidenum">
+              <a:rPr lang="pt-BR" smtClean="0"/>
+              <a:t>6</a:t>
+            </a:fld>
+            <a:endParaRPr lang="pt-BR" dirty="0"/>
+          </a:p>
+        </p:txBody>
+      </p:sp>
+    </p:spTree>
+    <p:extLst>
+      <p:ext uri="{BB962C8B-B14F-4D97-AF65-F5344CB8AC3E}">
+        <p14:creationId xmlns:p14="http://schemas.microsoft.com/office/powerpoint/2010/main" val="3906638659"/>
+      </p:ext>
+    </p:extLst>
+  </p:cSld>
+  <p:clrMapOvr>
+    <a:masterClrMapping/>
+  </p:clrMapOvr>
+</p:notes>
+</file>
+
+<file path=ppt/notesSlides/notesSlide7.xml><?xml version="1.0" encoding="utf-8"?>
+<p:notes xmlns:a="http://schemas.openxmlformats.org/drawingml/2006/main" xmlns:r="http://schemas.openxmlformats.org/officeDocument/2006/relationships" xmlns:p="http://schemas.openxmlformats.org/presentationml/2006/main">
+  <p:cSld>
+    <p:spTree>
+      <p:nvGrpSpPr>
+        <p:cNvPr id="1" name=""/>
+        <p:cNvGrpSpPr/>
+        <p:nvPr/>
+      </p:nvGrpSpPr>
+      <p:grpSpPr>
+        <a:xfrm>
+          <a:off x="0" y="0"/>
+          <a:ext cx="0" cy="0"/>
+          <a:chOff x="0" y="0"/>
+          <a:chExt cx="0" cy="0"/>
+        </a:xfrm>
+      </p:grpSpPr>
+      <p:sp>
+        <p:nvSpPr>
+          <p:cNvPr id="2" name="Espaço Reservado para Imagem de Slide 1"/>
+          <p:cNvSpPr>
+            <a:spLocks noGrp="1" noRot="1" noChangeAspect="1"/>
+          </p:cNvSpPr>
+          <p:nvPr>
+            <p:ph type="sldImg"/>
+          </p:nvPr>
+        </p:nvSpPr>
+        <p:spPr/>
+      </p:sp>
+      <p:sp>
+        <p:nvSpPr>
+          <p:cNvPr id="3" name="Espaço Reservado para Anotações 2"/>
+          <p:cNvSpPr>
+            <a:spLocks noGrp="1"/>
+          </p:cNvSpPr>
+          <p:nvPr>
+            <p:ph type="body" idx="1"/>
+          </p:nvPr>
+        </p:nvSpPr>
+        <p:spPr/>
+        <p:txBody>
+          <a:bodyPr/>
+          <a:lstStyle/>
+          <a:p>
+            <a:r>
+              <a:rPr lang="pt-BR" dirty="0"/>
+              <a:t>Vinicius</a:t>
+            </a:r>
+          </a:p>
+        </p:txBody>
+      </p:sp>
+      <p:sp>
+        <p:nvSpPr>
+          <p:cNvPr id="4" name="Espaço Reservado para Número de Slide 3"/>
+          <p:cNvSpPr>
+            <a:spLocks noGrp="1"/>
+          </p:cNvSpPr>
+          <p:nvPr>
+            <p:ph type="sldNum" sz="quarter" idx="5"/>
+          </p:nvPr>
+        </p:nvSpPr>
+        <p:spPr/>
+        <p:txBody>
+          <a:bodyPr/>
+          <a:lstStyle/>
+          <a:p>
+            <a:fld id="{5FBB3448-1125-4B09-8952-3CA12106E010}" type="slidenum">
+              <a:rPr lang="pt-BR" smtClean="0"/>
+              <a:t>7</a:t>
+            </a:fld>
+            <a:endParaRPr lang="pt-BR" dirty="0"/>
+          </a:p>
+        </p:txBody>
+      </p:sp>
+    </p:spTree>
+    <p:extLst>
+      <p:ext uri="{BB962C8B-B14F-4D97-AF65-F5344CB8AC3E}">
+        <p14:creationId xmlns:p14="http://schemas.microsoft.com/office/powerpoint/2010/main" val="3486779002"/>
+      </p:ext>
+    </p:extLst>
+  </p:cSld>
+  <p:clrMapOvr>
+    <a:masterClrMapping/>
+  </p:clrMapOvr>
+</p:notes>
+</file>
+
+<file path=ppt/notesSlides/notesSlide8.xml><?xml version="1.0" encoding="utf-8"?>
+<p:notes xmlns:a="http://schemas.openxmlformats.org/drawingml/2006/main" xmlns:r="http://schemas.openxmlformats.org/officeDocument/2006/relationships" xmlns:p="http://schemas.openxmlformats.org/presentationml/2006/main">
+  <p:cSld>
+    <p:spTree>
+      <p:nvGrpSpPr>
+        <p:cNvPr id="1" name=""/>
+        <p:cNvGrpSpPr/>
+        <p:nvPr/>
+      </p:nvGrpSpPr>
+      <p:grpSpPr>
+        <a:xfrm>
+          <a:off x="0" y="0"/>
+          <a:ext cx="0" cy="0"/>
+          <a:chOff x="0" y="0"/>
+          <a:chExt cx="0" cy="0"/>
+        </a:xfrm>
+      </p:grpSpPr>
+      <p:sp>
+        <p:nvSpPr>
+          <p:cNvPr id="2" name="Espaço Reservado para Imagem de Slide 1"/>
+          <p:cNvSpPr>
+            <a:spLocks noGrp="1" noRot="1" noChangeAspect="1"/>
+          </p:cNvSpPr>
+          <p:nvPr>
+            <p:ph type="sldImg"/>
+          </p:nvPr>
+        </p:nvSpPr>
+        <p:spPr/>
+      </p:sp>
+      <p:sp>
+        <p:nvSpPr>
+          <p:cNvPr id="3" name="Espaço Reservado para Anotações 2"/>
+          <p:cNvSpPr>
+            <a:spLocks noGrp="1"/>
+          </p:cNvSpPr>
+          <p:nvPr>
+            <p:ph type="body" idx="1"/>
+          </p:nvPr>
+        </p:nvSpPr>
+        <p:spPr/>
+        <p:txBody>
+          <a:bodyPr/>
+          <a:lstStyle/>
+          <a:p>
+            <a:r>
+              <a:rPr lang="pt-BR" dirty="0"/>
+              <a:t>Lucas</a:t>
+            </a:r>
+          </a:p>
+        </p:txBody>
+      </p:sp>
+      <p:sp>
+        <p:nvSpPr>
+          <p:cNvPr id="4" name="Espaço Reservado para Número de Slide 3"/>
+          <p:cNvSpPr>
+            <a:spLocks noGrp="1"/>
+          </p:cNvSpPr>
+          <p:nvPr>
+            <p:ph type="sldNum" sz="quarter" idx="5"/>
+          </p:nvPr>
+        </p:nvSpPr>
+        <p:spPr/>
+        <p:txBody>
+          <a:bodyPr/>
+          <a:lstStyle/>
+          <a:p>
+            <a:fld id="{5FBB3448-1125-4B09-8952-3CA12106E010}" type="slidenum">
+              <a:rPr lang="pt-BR" smtClean="0"/>
+              <a:t>8</a:t>
+            </a:fld>
+            <a:endParaRPr lang="pt-BR" dirty="0"/>
+          </a:p>
+        </p:txBody>
+      </p:sp>
+    </p:spTree>
+    <p:extLst>
+      <p:ext uri="{BB962C8B-B14F-4D97-AF65-F5344CB8AC3E}">
+        <p14:creationId xmlns:p14="http://schemas.microsoft.com/office/powerpoint/2010/main" val="429933390"/>
+      </p:ext>
+    </p:extLst>
+  </p:cSld>
+  <p:clrMapOvr>
+    <a:masterClrMapping/>
+  </p:clrMapOvr>
+</p:notes>
+</file>
+
+<file path=ppt/notesSlides/notesSlide9.xml><?xml version="1.0" encoding="utf-8"?>
+<p:notes xmlns:a="http://schemas.openxmlformats.org/drawingml/2006/main" xmlns:r="http://schemas.openxmlformats.org/officeDocument/2006/relationships" xmlns:p="http://schemas.openxmlformats.org/presentationml/2006/main">
+  <p:cSld>
+    <p:spTree>
+      <p:nvGrpSpPr>
+        <p:cNvPr id="1" name=""/>
+        <p:cNvGrpSpPr/>
+        <p:nvPr/>
+      </p:nvGrpSpPr>
+      <p:grpSpPr>
+        <a:xfrm>
+          <a:off x="0" y="0"/>
+          <a:ext cx="0" cy="0"/>
+          <a:chOff x="0" y="0"/>
+          <a:chExt cx="0" cy="0"/>
+        </a:xfrm>
+      </p:grpSpPr>
+      <p:sp>
+        <p:nvSpPr>
+          <p:cNvPr id="2" name="Espaço Reservado para Imagem de Slide 1"/>
+          <p:cNvSpPr>
+            <a:spLocks noGrp="1" noRot="1" noChangeAspect="1"/>
+          </p:cNvSpPr>
+          <p:nvPr>
+            <p:ph type="sldImg"/>
+          </p:nvPr>
+        </p:nvSpPr>
+        <p:spPr/>
+      </p:sp>
+      <p:sp>
+        <p:nvSpPr>
+          <p:cNvPr id="3" name="Espaço Reservado para Anotações 2"/>
+          <p:cNvSpPr>
+            <a:spLocks noGrp="1"/>
+          </p:cNvSpPr>
+          <p:nvPr>
+            <p:ph type="body" idx="1"/>
+          </p:nvPr>
+        </p:nvSpPr>
+        <p:spPr/>
+        <p:txBody>
+          <a:bodyPr/>
+          <a:lstStyle/>
+          <a:p>
+            <a:r>
+              <a:rPr lang="pt-BR" dirty="0"/>
+              <a:t>Lucas</a:t>
+            </a:r>
+          </a:p>
+        </p:txBody>
+      </p:sp>
+      <p:sp>
+        <p:nvSpPr>
+          <p:cNvPr id="4" name="Espaço Reservado para Número de Slide 3"/>
+          <p:cNvSpPr>
+            <a:spLocks noGrp="1"/>
+          </p:cNvSpPr>
+          <p:nvPr>
+            <p:ph type="sldNum" sz="quarter" idx="5"/>
+          </p:nvPr>
+        </p:nvSpPr>
+        <p:spPr/>
+        <p:txBody>
+          <a:bodyPr/>
+          <a:lstStyle/>
+          <a:p>
+            <a:fld id="{5FBB3448-1125-4B09-8952-3CA12106E010}" type="slidenum">
+              <a:rPr lang="pt-BR" smtClean="0"/>
+              <a:t>9</a:t>
+            </a:fld>
+            <a:endParaRPr lang="pt-BR" dirty="0"/>
+          </a:p>
+        </p:txBody>
+      </p:sp>
+    </p:spTree>
+    <p:extLst>
+      <p:ext uri="{BB962C8B-B14F-4D97-AF65-F5344CB8AC3E}">
+        <p14:creationId xmlns:p14="http://schemas.microsoft.com/office/powerpoint/2010/main" val="2085742871"/>
+      </p:ext>
+    </p:extLst>
+  </p:cSld>
+  <p:clrMapOvr>
+    <a:masterClrMapping/>
+  </p:clrMapOvr>
+</p:notes>
+</file>
+
 <file path=ppt/slideLayouts/slideLayout1.xml><?xml version="1.0" encoding="utf-8"?>
 <p:sldLayout xmlns:a="http://schemas.openxmlformats.org/drawingml/2006/main" xmlns:r="http://schemas.openxmlformats.org/officeDocument/2006/relationships" xmlns:p="http://schemas.openxmlformats.org/presentationml/2006/main" type="title" preserve="1">
   <p:cSld name="Slide de Título">
@@ -139,7 +1893,7 @@
           <p:cNvPr id="2" name="Título 1">
             <a:extLst>
               <a:ext uri="{FF2B5EF4-FFF2-40B4-BE49-F238E27FC236}">
-                <a16:creationId xmlns:a16="http://schemas.microsoft.com/office/drawing/2014/main" id="{29245DAE-4AE0-421B-A1D6-C776F9C8CE61}"/>
+                <a16:creationId xmlns:a16="http://schemas.microsoft.com/office/drawing/2014/main" id="{5A9B4581-15F4-4914-B4AA-CB865CFA34FD}"/>
               </a:ext>
             </a:extLst>
           </p:cNvPr>
@@ -176,7 +1930,7 @@
           <p:cNvPr id="3" name="Subtítulo 2">
             <a:extLst>
               <a:ext uri="{FF2B5EF4-FFF2-40B4-BE49-F238E27FC236}">
-                <a16:creationId xmlns:a16="http://schemas.microsoft.com/office/drawing/2014/main" id="{2AB93A39-EDB5-4548-835D-C12E1025BF17}"/>
+                <a16:creationId xmlns:a16="http://schemas.microsoft.com/office/drawing/2014/main" id="{651455F5-5284-4477-83F1-927E13F9AA6B}"/>
               </a:ext>
             </a:extLst>
           </p:cNvPr>
@@ -246,7 +2000,7 @@
           <p:cNvPr id="4" name="Espaço Reservado para Data 3">
             <a:extLst>
               <a:ext uri="{FF2B5EF4-FFF2-40B4-BE49-F238E27FC236}">
-                <a16:creationId xmlns:a16="http://schemas.microsoft.com/office/drawing/2014/main" id="{C0F6A92B-9A7B-41D6-AF38-6055172E04A0}"/>
+                <a16:creationId xmlns:a16="http://schemas.microsoft.com/office/drawing/2014/main" id="{23A5242A-030C-4B73-AA9B-7947FC397527}"/>
               </a:ext>
             </a:extLst>
           </p:cNvPr>
@@ -264,9 +2018,9 @@
           <a:p>
             <a:fld id="{9E7FAAA7-F35C-41EE-A763-62F3C9661D26}" type="datetimeFigureOut">
               <a:rPr lang="pt-BR" smtClean="0"/>
-              <a:t>15/03/2020</a:t>
+              <a:t>03/05/2020</a:t>
             </a:fld>
-            <a:endParaRPr lang="pt-BR"/>
+            <a:endParaRPr lang="pt-BR" dirty="0"/>
           </a:p>
         </p:txBody>
       </p:sp>
@@ -275,7 +2029,7 @@
           <p:cNvPr id="5" name="Espaço Reservado para Rodapé 4">
             <a:extLst>
               <a:ext uri="{FF2B5EF4-FFF2-40B4-BE49-F238E27FC236}">
-                <a16:creationId xmlns:a16="http://schemas.microsoft.com/office/drawing/2014/main" id="{E0746F40-B8B2-4AE0-8912-06C13500CC46}"/>
+                <a16:creationId xmlns:a16="http://schemas.microsoft.com/office/drawing/2014/main" id="{E3749009-D94D-4576-B72B-C7FEDF546686}"/>
               </a:ext>
             </a:extLst>
           </p:cNvPr>
@@ -291,7 +2045,7 @@
           <a:bodyPr/>
           <a:lstStyle/>
           <a:p>
-            <a:endParaRPr lang="pt-BR"/>
+            <a:endParaRPr lang="pt-BR" dirty="0"/>
           </a:p>
         </p:txBody>
       </p:sp>
@@ -300,7 +2054,7 @@
           <p:cNvPr id="6" name="Espaço Reservado para Número de Slide 5">
             <a:extLst>
               <a:ext uri="{FF2B5EF4-FFF2-40B4-BE49-F238E27FC236}">
-                <a16:creationId xmlns:a16="http://schemas.microsoft.com/office/drawing/2014/main" id="{BABA9424-DC93-4967-9B8E-8730D9E9D177}"/>
+                <a16:creationId xmlns:a16="http://schemas.microsoft.com/office/drawing/2014/main" id="{0945CB69-5E2C-4E71-8008-82B68C15211D}"/>
               </a:ext>
             </a:extLst>
           </p:cNvPr>
@@ -320,14 +2074,14 @@
               <a:rPr lang="pt-BR" smtClean="0"/>
               <a:t>‹nº›</a:t>
             </a:fld>
-            <a:endParaRPr lang="pt-BR"/>
+            <a:endParaRPr lang="pt-BR" dirty="0"/>
           </a:p>
         </p:txBody>
       </p:sp>
     </p:spTree>
     <p:extLst>
       <p:ext uri="{BB962C8B-B14F-4D97-AF65-F5344CB8AC3E}">
-        <p14:creationId xmlns:p14="http://schemas.microsoft.com/office/powerpoint/2010/main" val="2047869537"/>
+        <p14:creationId xmlns:p14="http://schemas.microsoft.com/office/powerpoint/2010/main" val="3861478780"/>
       </p:ext>
     </p:extLst>
   </p:cSld>
@@ -359,7 +2113,7 @@
           <p:cNvPr id="2" name="Título 1">
             <a:extLst>
               <a:ext uri="{FF2B5EF4-FFF2-40B4-BE49-F238E27FC236}">
-                <a16:creationId xmlns:a16="http://schemas.microsoft.com/office/drawing/2014/main" id="{79E9AF7D-BA4E-4693-B57D-7F73263A9BE5}"/>
+                <a16:creationId xmlns:a16="http://schemas.microsoft.com/office/drawing/2014/main" id="{D423321E-BC7C-453D-A205-5E9FD3875A23}"/>
               </a:ext>
             </a:extLst>
           </p:cNvPr>
@@ -387,7 +2141,7 @@
           <p:cNvPr id="3" name="Espaço Reservado para Texto Vertical 2">
             <a:extLst>
               <a:ext uri="{FF2B5EF4-FFF2-40B4-BE49-F238E27FC236}">
-                <a16:creationId xmlns:a16="http://schemas.microsoft.com/office/drawing/2014/main" id="{B4E2908B-DBA3-4579-8286-D5D2E0839DB3}"/>
+                <a16:creationId xmlns:a16="http://schemas.microsoft.com/office/drawing/2014/main" id="{79F77D48-C4FF-42C0-9949-207B35F59269}"/>
               </a:ext>
             </a:extLst>
           </p:cNvPr>
@@ -444,7 +2198,7 @@
           <p:cNvPr id="4" name="Espaço Reservado para Data 3">
             <a:extLst>
               <a:ext uri="{FF2B5EF4-FFF2-40B4-BE49-F238E27FC236}">
-                <a16:creationId xmlns:a16="http://schemas.microsoft.com/office/drawing/2014/main" id="{54602E1A-E640-4D0C-A516-147EAF83FF3B}"/>
+                <a16:creationId xmlns:a16="http://schemas.microsoft.com/office/drawing/2014/main" id="{54BBAA88-EB74-4685-BB62-4ADA3B8D2835}"/>
               </a:ext>
             </a:extLst>
           </p:cNvPr>
@@ -462,9 +2216,9 @@
           <a:p>
             <a:fld id="{9E7FAAA7-F35C-41EE-A763-62F3C9661D26}" type="datetimeFigureOut">
               <a:rPr lang="pt-BR" smtClean="0"/>
-              <a:t>15/03/2020</a:t>
+              <a:t>03/05/2020</a:t>
             </a:fld>
-            <a:endParaRPr lang="pt-BR"/>
+            <a:endParaRPr lang="pt-BR" dirty="0"/>
           </a:p>
         </p:txBody>
       </p:sp>
@@ -473,7 +2227,7 @@
           <p:cNvPr id="5" name="Espaço Reservado para Rodapé 4">
             <a:extLst>
               <a:ext uri="{FF2B5EF4-FFF2-40B4-BE49-F238E27FC236}">
-                <a16:creationId xmlns:a16="http://schemas.microsoft.com/office/drawing/2014/main" id="{3E92149F-1C00-40DB-8F53-3E9AB71FC38E}"/>
+                <a16:creationId xmlns:a16="http://schemas.microsoft.com/office/drawing/2014/main" id="{FC77B24D-990F-4B28-B5DE-44276DC213C2}"/>
               </a:ext>
             </a:extLst>
           </p:cNvPr>
@@ -489,7 +2243,7 @@
           <a:bodyPr/>
           <a:lstStyle/>
           <a:p>
-            <a:endParaRPr lang="pt-BR"/>
+            <a:endParaRPr lang="pt-BR" dirty="0"/>
           </a:p>
         </p:txBody>
       </p:sp>
@@ -498,7 +2252,7 @@
           <p:cNvPr id="6" name="Espaço Reservado para Número de Slide 5">
             <a:extLst>
               <a:ext uri="{FF2B5EF4-FFF2-40B4-BE49-F238E27FC236}">
-                <a16:creationId xmlns:a16="http://schemas.microsoft.com/office/drawing/2014/main" id="{9BA528B1-2948-4784-BE14-65E1D737610E}"/>
+                <a16:creationId xmlns:a16="http://schemas.microsoft.com/office/drawing/2014/main" id="{23010886-C142-474B-8923-BDADB78E72C7}"/>
               </a:ext>
             </a:extLst>
           </p:cNvPr>
@@ -518,14 +2272,14 @@
               <a:rPr lang="pt-BR" smtClean="0"/>
               <a:t>‹nº›</a:t>
             </a:fld>
-            <a:endParaRPr lang="pt-BR"/>
+            <a:endParaRPr lang="pt-BR" dirty="0"/>
           </a:p>
         </p:txBody>
       </p:sp>
     </p:spTree>
     <p:extLst>
       <p:ext uri="{BB962C8B-B14F-4D97-AF65-F5344CB8AC3E}">
-        <p14:creationId xmlns:p14="http://schemas.microsoft.com/office/powerpoint/2010/main" val="2876241094"/>
+        <p14:creationId xmlns:p14="http://schemas.microsoft.com/office/powerpoint/2010/main" val="97977156"/>
       </p:ext>
     </p:extLst>
   </p:cSld>
@@ -557,7 +2311,7 @@
           <p:cNvPr id="2" name="Título Vertical 1">
             <a:extLst>
               <a:ext uri="{FF2B5EF4-FFF2-40B4-BE49-F238E27FC236}">
-                <a16:creationId xmlns:a16="http://schemas.microsoft.com/office/drawing/2014/main" id="{3F371DE6-B2C8-465F-889A-2649A3D3FE3E}"/>
+                <a16:creationId xmlns:a16="http://schemas.microsoft.com/office/drawing/2014/main" id="{D445D402-8DC3-4F90-A89D-C1D2ACEDF6FA}"/>
               </a:ext>
             </a:extLst>
           </p:cNvPr>
@@ -590,7 +2344,7 @@
           <p:cNvPr id="3" name="Espaço Reservado para Texto Vertical 2">
             <a:extLst>
               <a:ext uri="{FF2B5EF4-FFF2-40B4-BE49-F238E27FC236}">
-                <a16:creationId xmlns:a16="http://schemas.microsoft.com/office/drawing/2014/main" id="{5A56EA0E-DDAA-4184-92AD-2678499FD1F0}"/>
+                <a16:creationId xmlns:a16="http://schemas.microsoft.com/office/drawing/2014/main" id="{8AE51251-9865-485A-8040-E3F0BC117FFB}"/>
               </a:ext>
             </a:extLst>
           </p:cNvPr>
@@ -652,7 +2406,7 @@
           <p:cNvPr id="4" name="Espaço Reservado para Data 3">
             <a:extLst>
               <a:ext uri="{FF2B5EF4-FFF2-40B4-BE49-F238E27FC236}">
-                <a16:creationId xmlns:a16="http://schemas.microsoft.com/office/drawing/2014/main" id="{EC915973-AF41-4EED-A400-365EB505BDA2}"/>
+                <a16:creationId xmlns:a16="http://schemas.microsoft.com/office/drawing/2014/main" id="{94F40C75-045D-4E9D-9583-6476FE4954F7}"/>
               </a:ext>
             </a:extLst>
           </p:cNvPr>
@@ -670,9 +2424,9 @@
           <a:p>
             <a:fld id="{9E7FAAA7-F35C-41EE-A763-62F3C9661D26}" type="datetimeFigureOut">
               <a:rPr lang="pt-BR" smtClean="0"/>
-              <a:t>15/03/2020</a:t>
+              <a:t>03/05/2020</a:t>
             </a:fld>
-            <a:endParaRPr lang="pt-BR"/>
+            <a:endParaRPr lang="pt-BR" dirty="0"/>
           </a:p>
         </p:txBody>
       </p:sp>
@@ -681,7 +2435,7 @@
           <p:cNvPr id="5" name="Espaço Reservado para Rodapé 4">
             <a:extLst>
               <a:ext uri="{FF2B5EF4-FFF2-40B4-BE49-F238E27FC236}">
-                <a16:creationId xmlns:a16="http://schemas.microsoft.com/office/drawing/2014/main" id="{9E1BF10D-AB38-49EB-B406-1D1CC8E2CF62}"/>
+                <a16:creationId xmlns:a16="http://schemas.microsoft.com/office/drawing/2014/main" id="{525958CD-1606-423A-B0A2-EBC30BB1898B}"/>
               </a:ext>
             </a:extLst>
           </p:cNvPr>
@@ -697,7 +2451,7 @@
           <a:bodyPr/>
           <a:lstStyle/>
           <a:p>
-            <a:endParaRPr lang="pt-BR"/>
+            <a:endParaRPr lang="pt-BR" dirty="0"/>
           </a:p>
         </p:txBody>
       </p:sp>
@@ -706,7 +2460,7 @@
           <p:cNvPr id="6" name="Espaço Reservado para Número de Slide 5">
             <a:extLst>
               <a:ext uri="{FF2B5EF4-FFF2-40B4-BE49-F238E27FC236}">
-                <a16:creationId xmlns:a16="http://schemas.microsoft.com/office/drawing/2014/main" id="{6763CBD4-44D7-4DEA-B752-4AD70F63BC06}"/>
+                <a16:creationId xmlns:a16="http://schemas.microsoft.com/office/drawing/2014/main" id="{E5CBF002-9721-4600-9AB0-D82F9091C6A0}"/>
               </a:ext>
             </a:extLst>
           </p:cNvPr>
@@ -726,14 +2480,14 @@
               <a:rPr lang="pt-BR" smtClean="0"/>
               <a:t>‹nº›</a:t>
             </a:fld>
-            <a:endParaRPr lang="pt-BR"/>
+            <a:endParaRPr lang="pt-BR" dirty="0"/>
           </a:p>
         </p:txBody>
       </p:sp>
     </p:spTree>
     <p:extLst>
       <p:ext uri="{BB962C8B-B14F-4D97-AF65-F5344CB8AC3E}">
-        <p14:creationId xmlns:p14="http://schemas.microsoft.com/office/powerpoint/2010/main" val="3445815511"/>
+        <p14:creationId xmlns:p14="http://schemas.microsoft.com/office/powerpoint/2010/main" val="2059796685"/>
       </p:ext>
     </p:extLst>
   </p:cSld>
@@ -765,7 +2519,7 @@
           <p:cNvPr id="2" name="Título 1">
             <a:extLst>
               <a:ext uri="{FF2B5EF4-FFF2-40B4-BE49-F238E27FC236}">
-                <a16:creationId xmlns:a16="http://schemas.microsoft.com/office/drawing/2014/main" id="{8799B22A-57CE-493F-9F7C-82D0F1864D0C}"/>
+                <a16:creationId xmlns:a16="http://schemas.microsoft.com/office/drawing/2014/main" id="{D85E19B5-4C93-4127-929D-37B66FA395EF}"/>
               </a:ext>
             </a:extLst>
           </p:cNvPr>
@@ -793,7 +2547,7 @@
           <p:cNvPr id="3" name="Espaço Reservado para Conteúdo 2">
             <a:extLst>
               <a:ext uri="{FF2B5EF4-FFF2-40B4-BE49-F238E27FC236}">
-                <a16:creationId xmlns:a16="http://schemas.microsoft.com/office/drawing/2014/main" id="{BACEC3F0-5700-4CE6-B2DE-47312B441494}"/>
+                <a16:creationId xmlns:a16="http://schemas.microsoft.com/office/drawing/2014/main" id="{4EC070B4-94F8-47D9-8377-1CB77C89D7A5}"/>
               </a:ext>
             </a:extLst>
           </p:cNvPr>
@@ -850,7 +2604,7 @@
           <p:cNvPr id="4" name="Espaço Reservado para Data 3">
             <a:extLst>
               <a:ext uri="{FF2B5EF4-FFF2-40B4-BE49-F238E27FC236}">
-                <a16:creationId xmlns:a16="http://schemas.microsoft.com/office/drawing/2014/main" id="{89712226-DFF5-4F03-A731-F22F8B35E8AB}"/>
+                <a16:creationId xmlns:a16="http://schemas.microsoft.com/office/drawing/2014/main" id="{3D7227EA-65AB-49A2-9B61-AADBED6E4764}"/>
               </a:ext>
             </a:extLst>
           </p:cNvPr>
@@ -868,9 +2622,9 @@
           <a:p>
             <a:fld id="{9E7FAAA7-F35C-41EE-A763-62F3C9661D26}" type="datetimeFigureOut">
               <a:rPr lang="pt-BR" smtClean="0"/>
-              <a:t>15/03/2020</a:t>
+              <a:t>03/05/2020</a:t>
             </a:fld>
-            <a:endParaRPr lang="pt-BR"/>
+            <a:endParaRPr lang="pt-BR" dirty="0"/>
           </a:p>
         </p:txBody>
       </p:sp>
@@ -879,7 +2633,7 @@
           <p:cNvPr id="5" name="Espaço Reservado para Rodapé 4">
             <a:extLst>
               <a:ext uri="{FF2B5EF4-FFF2-40B4-BE49-F238E27FC236}">
-                <a16:creationId xmlns:a16="http://schemas.microsoft.com/office/drawing/2014/main" id="{769AA8E8-B03D-4DDD-BF72-E0D2F10EBEBD}"/>
+                <a16:creationId xmlns:a16="http://schemas.microsoft.com/office/drawing/2014/main" id="{03F647C3-9DF3-4B08-9AD5-A9C2DBCFC6FC}"/>
               </a:ext>
             </a:extLst>
           </p:cNvPr>
@@ -895,7 +2649,7 @@
           <a:bodyPr/>
           <a:lstStyle/>
           <a:p>
-            <a:endParaRPr lang="pt-BR"/>
+            <a:endParaRPr lang="pt-BR" dirty="0"/>
           </a:p>
         </p:txBody>
       </p:sp>
@@ -904,7 +2658,7 @@
           <p:cNvPr id="6" name="Espaço Reservado para Número de Slide 5">
             <a:extLst>
               <a:ext uri="{FF2B5EF4-FFF2-40B4-BE49-F238E27FC236}">
-                <a16:creationId xmlns:a16="http://schemas.microsoft.com/office/drawing/2014/main" id="{3D0A21F0-9749-4802-A6B3-BC8D4CAEDF62}"/>
+                <a16:creationId xmlns:a16="http://schemas.microsoft.com/office/drawing/2014/main" id="{7C003430-48D7-414B-8F1D-9D55D050B4D2}"/>
               </a:ext>
             </a:extLst>
           </p:cNvPr>
@@ -924,14 +2678,14 @@
               <a:rPr lang="pt-BR" smtClean="0"/>
               <a:t>‹nº›</a:t>
             </a:fld>
-            <a:endParaRPr lang="pt-BR"/>
+            <a:endParaRPr lang="pt-BR" dirty="0"/>
           </a:p>
         </p:txBody>
       </p:sp>
     </p:spTree>
     <p:extLst>
       <p:ext uri="{BB962C8B-B14F-4D97-AF65-F5344CB8AC3E}">
-        <p14:creationId xmlns:p14="http://schemas.microsoft.com/office/powerpoint/2010/main" val="362628152"/>
+        <p14:creationId xmlns:p14="http://schemas.microsoft.com/office/powerpoint/2010/main" val="3775421882"/>
       </p:ext>
     </p:extLst>
   </p:cSld>
@@ -963,7 +2717,7 @@
           <p:cNvPr id="2" name="Título 1">
             <a:extLst>
               <a:ext uri="{FF2B5EF4-FFF2-40B4-BE49-F238E27FC236}">
-                <a16:creationId xmlns:a16="http://schemas.microsoft.com/office/drawing/2014/main" id="{0A9F5680-46C7-47DD-8030-B0D0600F1B9A}"/>
+                <a16:creationId xmlns:a16="http://schemas.microsoft.com/office/drawing/2014/main" id="{20B0F928-A425-4744-BD27-6AC5A5367E60}"/>
               </a:ext>
             </a:extLst>
           </p:cNvPr>
@@ -1000,7 +2754,7 @@
           <p:cNvPr id="3" name="Espaço Reservado para Texto 2">
             <a:extLst>
               <a:ext uri="{FF2B5EF4-FFF2-40B4-BE49-F238E27FC236}">
-                <a16:creationId xmlns:a16="http://schemas.microsoft.com/office/drawing/2014/main" id="{0BBAF3AA-3FC1-42A9-8BF0-329FE8A9F2AE}"/>
+                <a16:creationId xmlns:a16="http://schemas.microsoft.com/office/drawing/2014/main" id="{5A4F1B79-6B49-4E00-81E3-66E7EA52FAD5}"/>
               </a:ext>
             </a:extLst>
           </p:cNvPr>
@@ -1125,7 +2879,7 @@
           <p:cNvPr id="4" name="Espaço Reservado para Data 3">
             <a:extLst>
               <a:ext uri="{FF2B5EF4-FFF2-40B4-BE49-F238E27FC236}">
-                <a16:creationId xmlns:a16="http://schemas.microsoft.com/office/drawing/2014/main" id="{1001F719-D93F-46D5-80B7-FAC328463BB4}"/>
+                <a16:creationId xmlns:a16="http://schemas.microsoft.com/office/drawing/2014/main" id="{7F116740-75D4-44EF-B686-6A10F87CD000}"/>
               </a:ext>
             </a:extLst>
           </p:cNvPr>
@@ -1143,9 +2897,9 @@
           <a:p>
             <a:fld id="{9E7FAAA7-F35C-41EE-A763-62F3C9661D26}" type="datetimeFigureOut">
               <a:rPr lang="pt-BR" smtClean="0"/>
-              <a:t>15/03/2020</a:t>
+              <a:t>03/05/2020</a:t>
             </a:fld>
-            <a:endParaRPr lang="pt-BR"/>
+            <a:endParaRPr lang="pt-BR" dirty="0"/>
           </a:p>
         </p:txBody>
       </p:sp>
@@ -1154,7 +2908,7 @@
           <p:cNvPr id="5" name="Espaço Reservado para Rodapé 4">
             <a:extLst>
               <a:ext uri="{FF2B5EF4-FFF2-40B4-BE49-F238E27FC236}">
-                <a16:creationId xmlns:a16="http://schemas.microsoft.com/office/drawing/2014/main" id="{5181808C-945C-45D3-A39C-05C18A0BB923}"/>
+                <a16:creationId xmlns:a16="http://schemas.microsoft.com/office/drawing/2014/main" id="{A2482CF9-0622-4D18-8FE6-F52E99684C17}"/>
               </a:ext>
             </a:extLst>
           </p:cNvPr>
@@ -1170,7 +2924,7 @@
           <a:bodyPr/>
           <a:lstStyle/>
           <a:p>
-            <a:endParaRPr lang="pt-BR"/>
+            <a:endParaRPr lang="pt-BR" dirty="0"/>
           </a:p>
         </p:txBody>
       </p:sp>
@@ -1179,7 +2933,7 @@
           <p:cNvPr id="6" name="Espaço Reservado para Número de Slide 5">
             <a:extLst>
               <a:ext uri="{FF2B5EF4-FFF2-40B4-BE49-F238E27FC236}">
-                <a16:creationId xmlns:a16="http://schemas.microsoft.com/office/drawing/2014/main" id="{5F58ACCE-F663-41D3-8B2A-87990C835241}"/>
+                <a16:creationId xmlns:a16="http://schemas.microsoft.com/office/drawing/2014/main" id="{229987F0-5B5D-49C5-AD69-23C33AD3AEBE}"/>
               </a:ext>
             </a:extLst>
           </p:cNvPr>
@@ -1199,14 +2953,14 @@
               <a:rPr lang="pt-BR" smtClean="0"/>
               <a:t>‹nº›</a:t>
             </a:fld>
-            <a:endParaRPr lang="pt-BR"/>
+            <a:endParaRPr lang="pt-BR" dirty="0"/>
           </a:p>
         </p:txBody>
       </p:sp>
     </p:spTree>
     <p:extLst>
       <p:ext uri="{BB962C8B-B14F-4D97-AF65-F5344CB8AC3E}">
-        <p14:creationId xmlns:p14="http://schemas.microsoft.com/office/powerpoint/2010/main" val="991339989"/>
+        <p14:creationId xmlns:p14="http://schemas.microsoft.com/office/powerpoint/2010/main" val="3753070362"/>
       </p:ext>
     </p:extLst>
   </p:cSld>
@@ -1238,7 +2992,7 @@
           <p:cNvPr id="2" name="Título 1">
             <a:extLst>
               <a:ext uri="{FF2B5EF4-FFF2-40B4-BE49-F238E27FC236}">
-                <a16:creationId xmlns:a16="http://schemas.microsoft.com/office/drawing/2014/main" id="{29092994-0597-4B0C-986E-A0B4B187F798}"/>
+                <a16:creationId xmlns:a16="http://schemas.microsoft.com/office/drawing/2014/main" id="{0AB5A330-6F58-402B-828C-CAFD8C7D4585}"/>
               </a:ext>
             </a:extLst>
           </p:cNvPr>
@@ -1266,7 +3020,7 @@
           <p:cNvPr id="3" name="Espaço Reservado para Conteúdo 2">
             <a:extLst>
               <a:ext uri="{FF2B5EF4-FFF2-40B4-BE49-F238E27FC236}">
-                <a16:creationId xmlns:a16="http://schemas.microsoft.com/office/drawing/2014/main" id="{B22248A7-C0CA-40D7-B14F-BA5358FB14F2}"/>
+                <a16:creationId xmlns:a16="http://schemas.microsoft.com/office/drawing/2014/main" id="{63E8B029-C3D7-4488-A6C2-8CF6D420A19D}"/>
               </a:ext>
             </a:extLst>
           </p:cNvPr>
@@ -1328,7 +3082,7 @@
           <p:cNvPr id="4" name="Espaço Reservado para Conteúdo 3">
             <a:extLst>
               <a:ext uri="{FF2B5EF4-FFF2-40B4-BE49-F238E27FC236}">
-                <a16:creationId xmlns:a16="http://schemas.microsoft.com/office/drawing/2014/main" id="{C8632601-14C5-4336-94B8-D3AAC3832F43}"/>
+                <a16:creationId xmlns:a16="http://schemas.microsoft.com/office/drawing/2014/main" id="{699B6387-3A88-4F1F-A02A-0EF3CC87ED09}"/>
               </a:ext>
             </a:extLst>
           </p:cNvPr>
@@ -1390,7 +3144,7 @@
           <p:cNvPr id="5" name="Espaço Reservado para Data 4">
             <a:extLst>
               <a:ext uri="{FF2B5EF4-FFF2-40B4-BE49-F238E27FC236}">
-                <a16:creationId xmlns:a16="http://schemas.microsoft.com/office/drawing/2014/main" id="{F9522A5D-41F0-4575-803A-3EAF00DE512C}"/>
+                <a16:creationId xmlns:a16="http://schemas.microsoft.com/office/drawing/2014/main" id="{660BF287-AEEC-44F9-9FD3-C33D56F8F25E}"/>
               </a:ext>
             </a:extLst>
           </p:cNvPr>
@@ -1408,9 +3162,9 @@
           <a:p>
             <a:fld id="{9E7FAAA7-F35C-41EE-A763-62F3C9661D26}" type="datetimeFigureOut">
               <a:rPr lang="pt-BR" smtClean="0"/>
-              <a:t>15/03/2020</a:t>
+              <a:t>03/05/2020</a:t>
             </a:fld>
-            <a:endParaRPr lang="pt-BR"/>
+            <a:endParaRPr lang="pt-BR" dirty="0"/>
           </a:p>
         </p:txBody>
       </p:sp>
@@ -1419,7 +3173,7 @@
           <p:cNvPr id="6" name="Espaço Reservado para Rodapé 5">
             <a:extLst>
               <a:ext uri="{FF2B5EF4-FFF2-40B4-BE49-F238E27FC236}">
-                <a16:creationId xmlns:a16="http://schemas.microsoft.com/office/drawing/2014/main" id="{161FB950-4F27-43ED-8297-DF627BC29713}"/>
+                <a16:creationId xmlns:a16="http://schemas.microsoft.com/office/drawing/2014/main" id="{70D8D938-5A2D-485A-97BC-1A7194DD05C1}"/>
               </a:ext>
             </a:extLst>
           </p:cNvPr>
@@ -1435,7 +3189,7 @@
           <a:bodyPr/>
           <a:lstStyle/>
           <a:p>
-            <a:endParaRPr lang="pt-BR"/>
+            <a:endParaRPr lang="pt-BR" dirty="0"/>
           </a:p>
         </p:txBody>
       </p:sp>
@@ -1444,7 +3198,7 @@
           <p:cNvPr id="7" name="Espaço Reservado para Número de Slide 6">
             <a:extLst>
               <a:ext uri="{FF2B5EF4-FFF2-40B4-BE49-F238E27FC236}">
-                <a16:creationId xmlns:a16="http://schemas.microsoft.com/office/drawing/2014/main" id="{97AD0E9A-50A7-439D-A2DC-93E9AA55E80C}"/>
+                <a16:creationId xmlns:a16="http://schemas.microsoft.com/office/drawing/2014/main" id="{5F33FDC9-3AE9-45B2-93B2-DFC63A577057}"/>
               </a:ext>
             </a:extLst>
           </p:cNvPr>
@@ -1464,14 +3218,14 @@
               <a:rPr lang="pt-BR" smtClean="0"/>
               <a:t>‹nº›</a:t>
             </a:fld>
-            <a:endParaRPr lang="pt-BR"/>
+            <a:endParaRPr lang="pt-BR" dirty="0"/>
           </a:p>
         </p:txBody>
       </p:sp>
     </p:spTree>
     <p:extLst>
       <p:ext uri="{BB962C8B-B14F-4D97-AF65-F5344CB8AC3E}">
-        <p14:creationId xmlns:p14="http://schemas.microsoft.com/office/powerpoint/2010/main" val="1203132603"/>
+        <p14:creationId xmlns:p14="http://schemas.microsoft.com/office/powerpoint/2010/main" val="1357373305"/>
       </p:ext>
     </p:extLst>
   </p:cSld>
@@ -1503,7 +3257,7 @@
           <p:cNvPr id="2" name="Título 1">
             <a:extLst>
               <a:ext uri="{FF2B5EF4-FFF2-40B4-BE49-F238E27FC236}">
-                <a16:creationId xmlns:a16="http://schemas.microsoft.com/office/drawing/2014/main" id="{4F3F3D1E-FF5B-48F6-8EE3-28C687A07CCB}"/>
+                <a16:creationId xmlns:a16="http://schemas.microsoft.com/office/drawing/2014/main" id="{F7428A39-29A2-44D6-8BFF-477479E2B3BE}"/>
               </a:ext>
             </a:extLst>
           </p:cNvPr>
@@ -1536,7 +3290,7 @@
           <p:cNvPr id="3" name="Espaço Reservado para Texto 2">
             <a:extLst>
               <a:ext uri="{FF2B5EF4-FFF2-40B4-BE49-F238E27FC236}">
-                <a16:creationId xmlns:a16="http://schemas.microsoft.com/office/drawing/2014/main" id="{C76D7987-8166-4F23-BA56-98DD8BDED8C1}"/>
+                <a16:creationId xmlns:a16="http://schemas.microsoft.com/office/drawing/2014/main" id="{8639BDC9-1875-46A3-9FC2-5E1A126B5FA9}"/>
               </a:ext>
             </a:extLst>
           </p:cNvPr>
@@ -1607,7 +3361,7 @@
           <p:cNvPr id="4" name="Espaço Reservado para Conteúdo 3">
             <a:extLst>
               <a:ext uri="{FF2B5EF4-FFF2-40B4-BE49-F238E27FC236}">
-                <a16:creationId xmlns:a16="http://schemas.microsoft.com/office/drawing/2014/main" id="{8FDE0160-75F0-4A1F-AFD4-8DCD6FFF979F}"/>
+                <a16:creationId xmlns:a16="http://schemas.microsoft.com/office/drawing/2014/main" id="{AD58E697-C795-4AEF-9C87-5BDAD9414039}"/>
               </a:ext>
             </a:extLst>
           </p:cNvPr>
@@ -1669,7 +3423,7 @@
           <p:cNvPr id="5" name="Espaço Reservado para Texto 4">
             <a:extLst>
               <a:ext uri="{FF2B5EF4-FFF2-40B4-BE49-F238E27FC236}">
-                <a16:creationId xmlns:a16="http://schemas.microsoft.com/office/drawing/2014/main" id="{59CD720E-E76D-40EC-A1F7-81151F05D3E9}"/>
+                <a16:creationId xmlns:a16="http://schemas.microsoft.com/office/drawing/2014/main" id="{53F567D5-6F94-44C7-BE9B-33DA6A7FB11A}"/>
               </a:ext>
             </a:extLst>
           </p:cNvPr>
@@ -1740,7 +3494,7 @@
           <p:cNvPr id="6" name="Espaço Reservado para Conteúdo 5">
             <a:extLst>
               <a:ext uri="{FF2B5EF4-FFF2-40B4-BE49-F238E27FC236}">
-                <a16:creationId xmlns:a16="http://schemas.microsoft.com/office/drawing/2014/main" id="{5F1A0E25-E633-40E5-88A5-634EF560B1C6}"/>
+                <a16:creationId xmlns:a16="http://schemas.microsoft.com/office/drawing/2014/main" id="{E0802B93-91E7-40F4-9074-B8722E15A177}"/>
               </a:ext>
             </a:extLst>
           </p:cNvPr>
@@ -1802,7 +3556,7 @@
           <p:cNvPr id="7" name="Espaço Reservado para Data 6">
             <a:extLst>
               <a:ext uri="{FF2B5EF4-FFF2-40B4-BE49-F238E27FC236}">
-                <a16:creationId xmlns:a16="http://schemas.microsoft.com/office/drawing/2014/main" id="{53B8B08A-0777-4121-95B8-50920E7B1A2E}"/>
+                <a16:creationId xmlns:a16="http://schemas.microsoft.com/office/drawing/2014/main" id="{C60EBE4B-53EF-431C-A3E4-C915A1EA9C47}"/>
               </a:ext>
             </a:extLst>
           </p:cNvPr>
@@ -1820,9 +3574,9 @@
           <a:p>
             <a:fld id="{9E7FAAA7-F35C-41EE-A763-62F3C9661D26}" type="datetimeFigureOut">
               <a:rPr lang="pt-BR" smtClean="0"/>
-              <a:t>15/03/2020</a:t>
+              <a:t>03/05/2020</a:t>
             </a:fld>
-            <a:endParaRPr lang="pt-BR"/>
+            <a:endParaRPr lang="pt-BR" dirty="0"/>
           </a:p>
         </p:txBody>
       </p:sp>
@@ -1831,7 +3585,7 @@
           <p:cNvPr id="8" name="Espaço Reservado para Rodapé 7">
             <a:extLst>
               <a:ext uri="{FF2B5EF4-FFF2-40B4-BE49-F238E27FC236}">
-                <a16:creationId xmlns:a16="http://schemas.microsoft.com/office/drawing/2014/main" id="{68CF481A-1BC3-4CF7-BE02-53C6BA1C4D56}"/>
+                <a16:creationId xmlns:a16="http://schemas.microsoft.com/office/drawing/2014/main" id="{654BE840-E60B-40D0-A9D2-3C4A925D829C}"/>
               </a:ext>
             </a:extLst>
           </p:cNvPr>
@@ -1847,7 +3601,7 @@
           <a:bodyPr/>
           <a:lstStyle/>
           <a:p>
-            <a:endParaRPr lang="pt-BR"/>
+            <a:endParaRPr lang="pt-BR" dirty="0"/>
           </a:p>
         </p:txBody>
       </p:sp>
@@ -1856,7 +3610,7 @@
           <p:cNvPr id="9" name="Espaço Reservado para Número de Slide 8">
             <a:extLst>
               <a:ext uri="{FF2B5EF4-FFF2-40B4-BE49-F238E27FC236}">
-                <a16:creationId xmlns:a16="http://schemas.microsoft.com/office/drawing/2014/main" id="{79FFF4B2-5DCE-425C-A7D0-6A051BD215BC}"/>
+                <a16:creationId xmlns:a16="http://schemas.microsoft.com/office/drawing/2014/main" id="{A55BB6F1-35F8-4CE5-984C-0B374281E433}"/>
               </a:ext>
             </a:extLst>
           </p:cNvPr>
@@ -1876,14 +3630,14 @@
               <a:rPr lang="pt-BR" smtClean="0"/>
               <a:t>‹nº›</a:t>
             </a:fld>
-            <a:endParaRPr lang="pt-BR"/>
+            <a:endParaRPr lang="pt-BR" dirty="0"/>
           </a:p>
         </p:txBody>
       </p:sp>
     </p:spTree>
     <p:extLst>
       <p:ext uri="{BB962C8B-B14F-4D97-AF65-F5344CB8AC3E}">
-        <p14:creationId xmlns:p14="http://schemas.microsoft.com/office/powerpoint/2010/main" val="1860557369"/>
+        <p14:creationId xmlns:p14="http://schemas.microsoft.com/office/powerpoint/2010/main" val="1460476846"/>
       </p:ext>
     </p:extLst>
   </p:cSld>
@@ -1915,7 +3669,7 @@
           <p:cNvPr id="2" name="Título 1">
             <a:extLst>
               <a:ext uri="{FF2B5EF4-FFF2-40B4-BE49-F238E27FC236}">
-                <a16:creationId xmlns:a16="http://schemas.microsoft.com/office/drawing/2014/main" id="{73B5F6BA-6B34-4EFA-88A5-55FC22886D2C}"/>
+                <a16:creationId xmlns:a16="http://schemas.microsoft.com/office/drawing/2014/main" id="{0B295F31-BC0D-42EB-AED6-BA650C28E10C}"/>
               </a:ext>
             </a:extLst>
           </p:cNvPr>
@@ -1943,7 +3697,7 @@
           <p:cNvPr id="3" name="Espaço Reservado para Data 2">
             <a:extLst>
               <a:ext uri="{FF2B5EF4-FFF2-40B4-BE49-F238E27FC236}">
-                <a16:creationId xmlns:a16="http://schemas.microsoft.com/office/drawing/2014/main" id="{D1AEA063-2A3B-4646-8A2F-B6FA86373FC4}"/>
+                <a16:creationId xmlns:a16="http://schemas.microsoft.com/office/drawing/2014/main" id="{EB465698-99B7-44F1-A10B-0D9809AED377}"/>
               </a:ext>
             </a:extLst>
           </p:cNvPr>
@@ -1961,9 +3715,9 @@
           <a:p>
             <a:fld id="{9E7FAAA7-F35C-41EE-A763-62F3C9661D26}" type="datetimeFigureOut">
               <a:rPr lang="pt-BR" smtClean="0"/>
-              <a:t>15/03/2020</a:t>
+              <a:t>03/05/2020</a:t>
             </a:fld>
-            <a:endParaRPr lang="pt-BR"/>
+            <a:endParaRPr lang="pt-BR" dirty="0"/>
           </a:p>
         </p:txBody>
       </p:sp>
@@ -1972,7 +3726,7 @@
           <p:cNvPr id="4" name="Espaço Reservado para Rodapé 3">
             <a:extLst>
               <a:ext uri="{FF2B5EF4-FFF2-40B4-BE49-F238E27FC236}">
-                <a16:creationId xmlns:a16="http://schemas.microsoft.com/office/drawing/2014/main" id="{CCA3097C-12BF-4DA4-8F23-B99A7C61190D}"/>
+                <a16:creationId xmlns:a16="http://schemas.microsoft.com/office/drawing/2014/main" id="{96E9F8A9-4B64-496E-9879-37E6223C8D11}"/>
               </a:ext>
             </a:extLst>
           </p:cNvPr>
@@ -1988,7 +3742,7 @@
           <a:bodyPr/>
           <a:lstStyle/>
           <a:p>
-            <a:endParaRPr lang="pt-BR"/>
+            <a:endParaRPr lang="pt-BR" dirty="0"/>
           </a:p>
         </p:txBody>
       </p:sp>
@@ -1997,7 +3751,7 @@
           <p:cNvPr id="5" name="Espaço Reservado para Número de Slide 4">
             <a:extLst>
               <a:ext uri="{FF2B5EF4-FFF2-40B4-BE49-F238E27FC236}">
-                <a16:creationId xmlns:a16="http://schemas.microsoft.com/office/drawing/2014/main" id="{B73A7DC2-1905-442A-9F13-52FEFCA894D3}"/>
+                <a16:creationId xmlns:a16="http://schemas.microsoft.com/office/drawing/2014/main" id="{E4A95DF9-6BC0-405B-B31C-C55F2A8326C0}"/>
               </a:ext>
             </a:extLst>
           </p:cNvPr>
@@ -2017,14 +3771,14 @@
               <a:rPr lang="pt-BR" smtClean="0"/>
               <a:t>‹nº›</a:t>
             </a:fld>
-            <a:endParaRPr lang="pt-BR"/>
+            <a:endParaRPr lang="pt-BR" dirty="0"/>
           </a:p>
         </p:txBody>
       </p:sp>
     </p:spTree>
     <p:extLst>
       <p:ext uri="{BB962C8B-B14F-4D97-AF65-F5344CB8AC3E}">
-        <p14:creationId xmlns:p14="http://schemas.microsoft.com/office/powerpoint/2010/main" val="2695104202"/>
+        <p14:creationId xmlns:p14="http://schemas.microsoft.com/office/powerpoint/2010/main" val="2330807596"/>
       </p:ext>
     </p:extLst>
   </p:cSld>
@@ -2056,7 +3810,7 @@
           <p:cNvPr id="2" name="Espaço Reservado para Data 1">
             <a:extLst>
               <a:ext uri="{FF2B5EF4-FFF2-40B4-BE49-F238E27FC236}">
-                <a16:creationId xmlns:a16="http://schemas.microsoft.com/office/drawing/2014/main" id="{6FD40E46-B731-4300-A0DE-2AB87A27B130}"/>
+                <a16:creationId xmlns:a16="http://schemas.microsoft.com/office/drawing/2014/main" id="{9ABF52BC-CBAD-4277-9629-ADA70A77F641}"/>
               </a:ext>
             </a:extLst>
           </p:cNvPr>
@@ -2074,9 +3828,9 @@
           <a:p>
             <a:fld id="{9E7FAAA7-F35C-41EE-A763-62F3C9661D26}" type="datetimeFigureOut">
               <a:rPr lang="pt-BR" smtClean="0"/>
-              <a:t>15/03/2020</a:t>
+              <a:t>03/05/2020</a:t>
             </a:fld>
-            <a:endParaRPr lang="pt-BR"/>
+            <a:endParaRPr lang="pt-BR" dirty="0"/>
           </a:p>
         </p:txBody>
       </p:sp>
@@ -2085,7 +3839,7 @@
           <p:cNvPr id="3" name="Espaço Reservado para Rodapé 2">
             <a:extLst>
               <a:ext uri="{FF2B5EF4-FFF2-40B4-BE49-F238E27FC236}">
-                <a16:creationId xmlns:a16="http://schemas.microsoft.com/office/drawing/2014/main" id="{E1C2181C-2603-494D-89AF-D7AF538C3E42}"/>
+                <a16:creationId xmlns:a16="http://schemas.microsoft.com/office/drawing/2014/main" id="{4B924F1A-585A-4F12-AE09-C1FC208BA8E6}"/>
               </a:ext>
             </a:extLst>
           </p:cNvPr>
@@ -2101,7 +3855,7 @@
           <a:bodyPr/>
           <a:lstStyle/>
           <a:p>
-            <a:endParaRPr lang="pt-BR"/>
+            <a:endParaRPr lang="pt-BR" dirty="0"/>
           </a:p>
         </p:txBody>
       </p:sp>
@@ -2110,7 +3864,7 @@
           <p:cNvPr id="4" name="Espaço Reservado para Número de Slide 3">
             <a:extLst>
               <a:ext uri="{FF2B5EF4-FFF2-40B4-BE49-F238E27FC236}">
-                <a16:creationId xmlns:a16="http://schemas.microsoft.com/office/drawing/2014/main" id="{7A32A57C-C363-4D03-AE93-EE30BDFFEA1F}"/>
+                <a16:creationId xmlns:a16="http://schemas.microsoft.com/office/drawing/2014/main" id="{0089B1C0-9E7E-4768-AE33-6FDC2171757D}"/>
               </a:ext>
             </a:extLst>
           </p:cNvPr>
@@ -2130,14 +3884,14 @@
               <a:rPr lang="pt-BR" smtClean="0"/>
               <a:t>‹nº›</a:t>
             </a:fld>
-            <a:endParaRPr lang="pt-BR"/>
+            <a:endParaRPr lang="pt-BR" dirty="0"/>
           </a:p>
         </p:txBody>
       </p:sp>
     </p:spTree>
     <p:extLst>
       <p:ext uri="{BB962C8B-B14F-4D97-AF65-F5344CB8AC3E}">
-        <p14:creationId xmlns:p14="http://schemas.microsoft.com/office/powerpoint/2010/main" val="2965520130"/>
+        <p14:creationId xmlns:p14="http://schemas.microsoft.com/office/powerpoint/2010/main" val="3232976916"/>
       </p:ext>
     </p:extLst>
   </p:cSld>
@@ -2169,7 +3923,7 @@
           <p:cNvPr id="2" name="Título 1">
             <a:extLst>
               <a:ext uri="{FF2B5EF4-FFF2-40B4-BE49-F238E27FC236}">
-                <a16:creationId xmlns:a16="http://schemas.microsoft.com/office/drawing/2014/main" id="{B04B165A-B021-4E0F-BBCB-838DF4F754A5}"/>
+                <a16:creationId xmlns:a16="http://schemas.microsoft.com/office/drawing/2014/main" id="{8F0082D8-8102-49DB-8569-CF2A9034D062}"/>
               </a:ext>
             </a:extLst>
           </p:cNvPr>
@@ -2206,7 +3960,7 @@
           <p:cNvPr id="3" name="Espaço Reservado para Conteúdo 2">
             <a:extLst>
               <a:ext uri="{FF2B5EF4-FFF2-40B4-BE49-F238E27FC236}">
-                <a16:creationId xmlns:a16="http://schemas.microsoft.com/office/drawing/2014/main" id="{708DC45A-1710-4848-8FD2-6A71C1D30271}"/>
+                <a16:creationId xmlns:a16="http://schemas.microsoft.com/office/drawing/2014/main" id="{E480C33F-DCCB-4422-99A8-B46B8DFE116A}"/>
               </a:ext>
             </a:extLst>
           </p:cNvPr>
@@ -2296,7 +4050,7 @@
           <p:cNvPr id="4" name="Espaço Reservado para Texto 3">
             <a:extLst>
               <a:ext uri="{FF2B5EF4-FFF2-40B4-BE49-F238E27FC236}">
-                <a16:creationId xmlns:a16="http://schemas.microsoft.com/office/drawing/2014/main" id="{C214A05C-FC93-40FA-A5F4-98470D8A9B9B}"/>
+                <a16:creationId xmlns:a16="http://schemas.microsoft.com/office/drawing/2014/main" id="{F87E7859-E05B-4CE0-A78C-587B2E16889E}"/>
               </a:ext>
             </a:extLst>
           </p:cNvPr>
@@ -2367,7 +4121,7 @@
           <p:cNvPr id="5" name="Espaço Reservado para Data 4">
             <a:extLst>
               <a:ext uri="{FF2B5EF4-FFF2-40B4-BE49-F238E27FC236}">
-                <a16:creationId xmlns:a16="http://schemas.microsoft.com/office/drawing/2014/main" id="{E97F7BDD-D2D9-4CD5-96AD-6D071FEBD3F2}"/>
+                <a16:creationId xmlns:a16="http://schemas.microsoft.com/office/drawing/2014/main" id="{1EC8CBE9-C9FE-49A0-B540-F1EEB85E701A}"/>
               </a:ext>
             </a:extLst>
           </p:cNvPr>
@@ -2385,9 +4139,9 @@
           <a:p>
             <a:fld id="{9E7FAAA7-F35C-41EE-A763-62F3C9661D26}" type="datetimeFigureOut">
               <a:rPr lang="pt-BR" smtClean="0"/>
-              <a:t>15/03/2020</a:t>
+              <a:t>03/05/2020</a:t>
             </a:fld>
-            <a:endParaRPr lang="pt-BR"/>
+            <a:endParaRPr lang="pt-BR" dirty="0"/>
           </a:p>
         </p:txBody>
       </p:sp>
@@ -2396,7 +4150,7 @@
           <p:cNvPr id="6" name="Espaço Reservado para Rodapé 5">
             <a:extLst>
               <a:ext uri="{FF2B5EF4-FFF2-40B4-BE49-F238E27FC236}">
-                <a16:creationId xmlns:a16="http://schemas.microsoft.com/office/drawing/2014/main" id="{A930077C-33D8-4AE4-BAEA-10E6F6895E6F}"/>
+                <a16:creationId xmlns:a16="http://schemas.microsoft.com/office/drawing/2014/main" id="{0C988A8B-B17A-43B3-9C38-5155E323007F}"/>
               </a:ext>
             </a:extLst>
           </p:cNvPr>
@@ -2412,7 +4166,7 @@
           <a:bodyPr/>
           <a:lstStyle/>
           <a:p>
-            <a:endParaRPr lang="pt-BR"/>
+            <a:endParaRPr lang="pt-BR" dirty="0"/>
           </a:p>
         </p:txBody>
       </p:sp>
@@ -2421,7 +4175,7 @@
           <p:cNvPr id="7" name="Espaço Reservado para Número de Slide 6">
             <a:extLst>
               <a:ext uri="{FF2B5EF4-FFF2-40B4-BE49-F238E27FC236}">
-                <a16:creationId xmlns:a16="http://schemas.microsoft.com/office/drawing/2014/main" id="{B4DCF137-B6E0-4318-A432-487549A19E90}"/>
+                <a16:creationId xmlns:a16="http://schemas.microsoft.com/office/drawing/2014/main" id="{A62CF355-6A85-4BF3-9E6D-B9918BE07DD4}"/>
               </a:ext>
             </a:extLst>
           </p:cNvPr>
@@ -2441,14 +4195,14 @@
               <a:rPr lang="pt-BR" smtClean="0"/>
               <a:t>‹nº›</a:t>
             </a:fld>
-            <a:endParaRPr lang="pt-BR"/>
+            <a:endParaRPr lang="pt-BR" dirty="0"/>
           </a:p>
         </p:txBody>
       </p:sp>
     </p:spTree>
     <p:extLst>
       <p:ext uri="{BB962C8B-B14F-4D97-AF65-F5344CB8AC3E}">
-        <p14:creationId xmlns:p14="http://schemas.microsoft.com/office/powerpoint/2010/main" val="2174507270"/>
+        <p14:creationId xmlns:p14="http://schemas.microsoft.com/office/powerpoint/2010/main" val="1052637507"/>
       </p:ext>
     </p:extLst>
   </p:cSld>
@@ -2480,7 +4234,7 @@
           <p:cNvPr id="2" name="Título 1">
             <a:extLst>
               <a:ext uri="{FF2B5EF4-FFF2-40B4-BE49-F238E27FC236}">
-                <a16:creationId xmlns:a16="http://schemas.microsoft.com/office/drawing/2014/main" id="{D151AC28-D320-4495-B625-07B1E6012C1A}"/>
+                <a16:creationId xmlns:a16="http://schemas.microsoft.com/office/drawing/2014/main" id="{48F2516E-A167-4A11-940B-94E20EA45C91}"/>
               </a:ext>
             </a:extLst>
           </p:cNvPr>
@@ -2517,7 +4271,7 @@
           <p:cNvPr id="3" name="Espaço Reservado para Imagem 2">
             <a:extLst>
               <a:ext uri="{FF2B5EF4-FFF2-40B4-BE49-F238E27FC236}">
-                <a16:creationId xmlns:a16="http://schemas.microsoft.com/office/drawing/2014/main" id="{65B303A6-C060-4DAB-AC1B-046D584C5228}"/>
+                <a16:creationId xmlns:a16="http://schemas.microsoft.com/office/drawing/2014/main" id="{8942C1D8-BFE2-4798-B55D-98F3E0D53459}"/>
               </a:ext>
             </a:extLst>
           </p:cNvPr>
@@ -2575,7 +4329,7 @@
             </a:lvl9pPr>
           </a:lstStyle>
           <a:p>
-            <a:endParaRPr lang="pt-BR"/>
+            <a:endParaRPr lang="pt-BR" dirty="0"/>
           </a:p>
         </p:txBody>
       </p:sp>
@@ -2584,7 +4338,7 @@
           <p:cNvPr id="4" name="Espaço Reservado para Texto 3">
             <a:extLst>
               <a:ext uri="{FF2B5EF4-FFF2-40B4-BE49-F238E27FC236}">
-                <a16:creationId xmlns:a16="http://schemas.microsoft.com/office/drawing/2014/main" id="{A9CBEC63-40AE-4C99-AC0A-66A4F99A2226}"/>
+                <a16:creationId xmlns:a16="http://schemas.microsoft.com/office/drawing/2014/main" id="{8424C778-7197-4F5F-BFC5-73D1BED9A326}"/>
               </a:ext>
             </a:extLst>
           </p:cNvPr>
@@ -2655,7 +4409,7 @@
           <p:cNvPr id="5" name="Espaço Reservado para Data 4">
             <a:extLst>
               <a:ext uri="{FF2B5EF4-FFF2-40B4-BE49-F238E27FC236}">
-                <a16:creationId xmlns:a16="http://schemas.microsoft.com/office/drawing/2014/main" id="{E10F3762-759F-4357-9225-831E2C41CF21}"/>
+                <a16:creationId xmlns:a16="http://schemas.microsoft.com/office/drawing/2014/main" id="{3E007863-4BD4-4764-A7E8-529A86190562}"/>
               </a:ext>
             </a:extLst>
           </p:cNvPr>
@@ -2673,9 +4427,9 @@
           <a:p>
             <a:fld id="{9E7FAAA7-F35C-41EE-A763-62F3C9661D26}" type="datetimeFigureOut">
               <a:rPr lang="pt-BR" smtClean="0"/>
-              <a:t>15/03/2020</a:t>
+              <a:t>03/05/2020</a:t>
             </a:fld>
-            <a:endParaRPr lang="pt-BR"/>
+            <a:endParaRPr lang="pt-BR" dirty="0"/>
           </a:p>
         </p:txBody>
       </p:sp>
@@ -2684,7 +4438,7 @@
           <p:cNvPr id="6" name="Espaço Reservado para Rodapé 5">
             <a:extLst>
               <a:ext uri="{FF2B5EF4-FFF2-40B4-BE49-F238E27FC236}">
-                <a16:creationId xmlns:a16="http://schemas.microsoft.com/office/drawing/2014/main" id="{0BB2452B-927F-4C99-BF6A-DB692B7166DA}"/>
+                <a16:creationId xmlns:a16="http://schemas.microsoft.com/office/drawing/2014/main" id="{FD328A33-E2EB-4804-9FF1-FF677D9FCD78}"/>
               </a:ext>
             </a:extLst>
           </p:cNvPr>
@@ -2700,7 +4454,7 @@
           <a:bodyPr/>
           <a:lstStyle/>
           <a:p>
-            <a:endParaRPr lang="pt-BR"/>
+            <a:endParaRPr lang="pt-BR" dirty="0"/>
           </a:p>
         </p:txBody>
       </p:sp>
@@ -2709,7 +4463,7 @@
           <p:cNvPr id="7" name="Espaço Reservado para Número de Slide 6">
             <a:extLst>
               <a:ext uri="{FF2B5EF4-FFF2-40B4-BE49-F238E27FC236}">
-                <a16:creationId xmlns:a16="http://schemas.microsoft.com/office/drawing/2014/main" id="{634C78F9-F685-4699-9231-FA3E02EE180E}"/>
+                <a16:creationId xmlns:a16="http://schemas.microsoft.com/office/drawing/2014/main" id="{D71AE3DD-BA36-4A13-9226-E4A6FF5ED3B3}"/>
               </a:ext>
             </a:extLst>
           </p:cNvPr>
@@ -2729,14 +4483,14 @@
               <a:rPr lang="pt-BR" smtClean="0"/>
               <a:t>‹nº›</a:t>
             </a:fld>
-            <a:endParaRPr lang="pt-BR"/>
+            <a:endParaRPr lang="pt-BR" dirty="0"/>
           </a:p>
         </p:txBody>
       </p:sp>
     </p:spTree>
     <p:extLst>
       <p:ext uri="{BB962C8B-B14F-4D97-AF65-F5344CB8AC3E}">
-        <p14:creationId xmlns:p14="http://schemas.microsoft.com/office/powerpoint/2010/main" val="1408183088"/>
+        <p14:creationId xmlns:p14="http://schemas.microsoft.com/office/powerpoint/2010/main" val="3739061381"/>
       </p:ext>
     </p:extLst>
   </p:cSld>
@@ -2773,7 +4527,7 @@
           <p:cNvPr id="2" name="Espaço Reservado para Título 1">
             <a:extLst>
               <a:ext uri="{FF2B5EF4-FFF2-40B4-BE49-F238E27FC236}">
-                <a16:creationId xmlns:a16="http://schemas.microsoft.com/office/drawing/2014/main" id="{0492BE5E-75E8-4D28-885E-CD7EE4837FAA}"/>
+                <a16:creationId xmlns:a16="http://schemas.microsoft.com/office/drawing/2014/main" id="{2C3118DC-63DE-4C6D-BAD5-EBE1CF3CC95A}"/>
               </a:ext>
             </a:extLst>
           </p:cNvPr>
@@ -2811,7 +4565,7 @@
           <p:cNvPr id="3" name="Espaço Reservado para Texto 2">
             <a:extLst>
               <a:ext uri="{FF2B5EF4-FFF2-40B4-BE49-F238E27FC236}">
-                <a16:creationId xmlns:a16="http://schemas.microsoft.com/office/drawing/2014/main" id="{5A24886A-6857-4B59-8A64-2E98BF8555CD}"/>
+                <a16:creationId xmlns:a16="http://schemas.microsoft.com/office/drawing/2014/main" id="{8434089A-AF77-46DF-A346-8DBF42D5B512}"/>
               </a:ext>
             </a:extLst>
           </p:cNvPr>
@@ -2878,7 +4632,7 @@
           <p:cNvPr id="4" name="Espaço Reservado para Data 3">
             <a:extLst>
               <a:ext uri="{FF2B5EF4-FFF2-40B4-BE49-F238E27FC236}">
-                <a16:creationId xmlns:a16="http://schemas.microsoft.com/office/drawing/2014/main" id="{8B39F7C7-C8CE-4438-BA45-DE6A84002582}"/>
+                <a16:creationId xmlns:a16="http://schemas.microsoft.com/office/drawing/2014/main" id="{7FC3AC7F-3F2F-45EB-84FB-DCF1A06D09F3}"/>
               </a:ext>
             </a:extLst>
           </p:cNvPr>
@@ -2914,9 +4668,9 @@
           <a:p>
             <a:fld id="{9E7FAAA7-F35C-41EE-A763-62F3C9661D26}" type="datetimeFigureOut">
               <a:rPr lang="pt-BR" smtClean="0"/>
-              <a:t>15/03/2020</a:t>
+              <a:t>03/05/2020</a:t>
             </a:fld>
-            <a:endParaRPr lang="pt-BR"/>
+            <a:endParaRPr lang="pt-BR" dirty="0"/>
           </a:p>
         </p:txBody>
       </p:sp>
@@ -2925,7 +4679,7 @@
           <p:cNvPr id="5" name="Espaço Reservado para Rodapé 4">
             <a:extLst>
               <a:ext uri="{FF2B5EF4-FFF2-40B4-BE49-F238E27FC236}">
-                <a16:creationId xmlns:a16="http://schemas.microsoft.com/office/drawing/2014/main" id="{CF253750-9730-442D-9459-93A16C42473E}"/>
+                <a16:creationId xmlns:a16="http://schemas.microsoft.com/office/drawing/2014/main" id="{76089CE7-5219-4149-86BB-BCC4AEC831B9}"/>
               </a:ext>
             </a:extLst>
           </p:cNvPr>
@@ -2959,7 +4713,7 @@
             </a:lvl1pPr>
           </a:lstStyle>
           <a:p>
-            <a:endParaRPr lang="pt-BR"/>
+            <a:endParaRPr lang="pt-BR" dirty="0"/>
           </a:p>
         </p:txBody>
       </p:sp>
@@ -2968,7 +4722,7 @@
           <p:cNvPr id="6" name="Espaço Reservado para Número de Slide 5">
             <a:extLst>
               <a:ext uri="{FF2B5EF4-FFF2-40B4-BE49-F238E27FC236}">
-                <a16:creationId xmlns:a16="http://schemas.microsoft.com/office/drawing/2014/main" id="{CDE115B1-55BD-4AD4-B4F2-10265426E601}"/>
+                <a16:creationId xmlns:a16="http://schemas.microsoft.com/office/drawing/2014/main" id="{786623EC-AA85-4130-89AD-7D7A6B01235F}"/>
               </a:ext>
             </a:extLst>
           </p:cNvPr>
@@ -3006,30 +4760,30 @@
               <a:rPr lang="pt-BR" smtClean="0"/>
               <a:t>‹nº›</a:t>
             </a:fld>
-            <a:endParaRPr lang="pt-BR"/>
+            <a:endParaRPr lang="pt-BR" dirty="0"/>
           </a:p>
         </p:txBody>
       </p:sp>
     </p:spTree>
     <p:extLst>
       <p:ext uri="{BB962C8B-B14F-4D97-AF65-F5344CB8AC3E}">
-        <p14:creationId xmlns:p14="http://schemas.microsoft.com/office/powerpoint/2010/main" val="1799785506"/>
+        <p14:creationId xmlns:p14="http://schemas.microsoft.com/office/powerpoint/2010/main" val="967771232"/>
       </p:ext>
     </p:extLst>
   </p:cSld>
   <p:clrMap bg1="lt1" tx1="dk1" bg2="lt2" tx2="dk2" accent1="accent1" accent2="accent2" accent3="accent3" accent4="accent4" accent5="accent5" accent6="accent6" hlink="hlink" folHlink="folHlink"/>
   <p:sldLayoutIdLst>
-    <p:sldLayoutId id="2147483649" r:id="rId1"/>
-    <p:sldLayoutId id="2147483650" r:id="rId2"/>
-    <p:sldLayoutId id="2147483651" r:id="rId3"/>
-    <p:sldLayoutId id="2147483652" r:id="rId4"/>
-    <p:sldLayoutId id="2147483653" r:id="rId5"/>
-    <p:sldLayoutId id="2147483654" r:id="rId6"/>
-    <p:sldLayoutId id="2147483655" r:id="rId7"/>
-    <p:sldLayoutId id="2147483656" r:id="rId8"/>
-    <p:sldLayoutId id="2147483657" r:id="rId9"/>
-    <p:sldLayoutId id="2147483658" r:id="rId10"/>
-    <p:sldLayoutId id="2147483659" r:id="rId11"/>
+    <p:sldLayoutId id="2147483673" r:id="rId1"/>
+    <p:sldLayoutId id="2147483674" r:id="rId2"/>
+    <p:sldLayoutId id="2147483675" r:id="rId3"/>
+    <p:sldLayoutId id="2147483676" r:id="rId4"/>
+    <p:sldLayoutId id="2147483677" r:id="rId5"/>
+    <p:sldLayoutId id="2147483678" r:id="rId6"/>
+    <p:sldLayoutId id="2147483679" r:id="rId7"/>
+    <p:sldLayoutId id="2147483680" r:id="rId8"/>
+    <p:sldLayoutId id="2147483681" r:id="rId9"/>
+    <p:sldLayoutId id="2147483682" r:id="rId10"/>
+    <p:sldLayoutId id="2147483683" r:id="rId11"/>
   </p:sldLayoutIdLst>
   <p:txStyles>
     <p:titleStyle>
@@ -3317,6 +5071,20 @@
 <file path=ppt/slides/slide1.xml><?xml version="1.0" encoding="utf-8"?>
 <p:sld xmlns:a="http://schemas.openxmlformats.org/drawingml/2006/main" xmlns:r="http://schemas.openxmlformats.org/officeDocument/2006/relationships" xmlns:p="http://schemas.openxmlformats.org/presentationml/2006/main">
   <p:cSld>
+    <p:bg>
+      <p:bgPr>
+        <a:blipFill dpi="0" rotWithShape="1">
+          <a:blip r:embed="rId3">
+            <a:lum/>
+          </a:blip>
+          <a:srcRect/>
+          <a:stretch>
+            <a:fillRect/>
+          </a:stretch>
+        </a:blipFill>
+        <a:effectLst/>
+      </p:bgPr>
+    </p:bg>
     <p:spTree>
       <p:nvGrpSpPr>
         <p:cNvPr id="1" name=""/>
@@ -3331,62 +5099,53 @@
           <a:chExt cx="0" cy="0"/>
         </a:xfrm>
       </p:grpSpPr>
-      <p:sp>
-        <p:nvSpPr>
-          <p:cNvPr id="2" name="Título 1">
-            <a:extLst>
-              <a:ext uri="{FF2B5EF4-FFF2-40B4-BE49-F238E27FC236}">
-                <a16:creationId xmlns:a16="http://schemas.microsoft.com/office/drawing/2014/main" id="{6E15FC1E-3021-4ECB-820E-DED6B388C316}"/>
-              </a:ext>
-            </a:extLst>
-          </p:cNvPr>
-          <p:cNvSpPr>
-            <a:spLocks noGrp="1"/>
-          </p:cNvSpPr>
-          <p:nvPr>
-            <p:ph type="ctrTitle"/>
-          </p:nvPr>
-        </p:nvSpPr>
-        <p:spPr/>
-        <p:txBody>
-          <a:bodyPr/>
-          <a:lstStyle/>
-          <a:p>
-            <a:endParaRPr lang="pt-BR"/>
-          </a:p>
-        </p:txBody>
-      </p:sp>
-      <p:sp>
-        <p:nvSpPr>
-          <p:cNvPr id="3" name="Subtítulo 2">
-            <a:extLst>
-              <a:ext uri="{FF2B5EF4-FFF2-40B4-BE49-F238E27FC236}">
-                <a16:creationId xmlns:a16="http://schemas.microsoft.com/office/drawing/2014/main" id="{D0DD0F23-E01A-4A95-8358-DF4195B11322}"/>
-              </a:ext>
-            </a:extLst>
-          </p:cNvPr>
-          <p:cNvSpPr>
-            <a:spLocks noGrp="1"/>
-          </p:cNvSpPr>
-          <p:nvPr>
-            <p:ph type="subTitle" idx="1"/>
-          </p:nvPr>
-        </p:nvSpPr>
-        <p:spPr/>
-        <p:txBody>
-          <a:bodyPr/>
-          <a:lstStyle/>
-          <a:p>
-            <a:endParaRPr lang="pt-BR"/>
-          </a:p>
-        </p:txBody>
-      </p:sp>
+    </p:spTree>
+    <p:extLst>
+      <p:ext uri="{BB962C8B-B14F-4D97-AF65-F5344CB8AC3E}">
+        <p14:creationId xmlns:p14="http://schemas.microsoft.com/office/powerpoint/2010/main" val="4029740191"/>
+      </p:ext>
+    </p:extLst>
+  </p:cSld>
+  <p:clrMapOvr>
+    <a:masterClrMapping/>
+  </p:clrMapOvr>
+</p:sld>
+</file>
+
+<file path=ppt/slides/slide10.xml><?xml version="1.0" encoding="utf-8"?>
+<p:sld xmlns:a="http://schemas.openxmlformats.org/drawingml/2006/main" xmlns:r="http://schemas.openxmlformats.org/officeDocument/2006/relationships" xmlns:p="http://schemas.openxmlformats.org/presentationml/2006/main">
+  <p:cSld>
+    <p:bg>
+      <p:bgPr>
+        <a:blipFill>
+          <a:blip r:embed="rId3"/>
+          <a:stretch>
+            <a:fillRect/>
+          </a:stretch>
+        </a:blipFill>
+        <a:effectLst/>
+      </p:bgPr>
+    </p:bg>
+    <p:spTree>
+      <p:nvGrpSpPr>
+        <p:cNvPr id="1" name=""/>
+        <p:cNvGrpSpPr/>
+        <p:nvPr/>
+      </p:nvGrpSpPr>
+      <p:grpSpPr>
+        <a:xfrm>
+          <a:off x="0" y="0"/>
+          <a:ext cx="0" cy="0"/>
+          <a:chOff x="0" y="0"/>
+          <a:chExt cx="0" cy="0"/>
+        </a:xfrm>
+      </p:grpSpPr>
       <p:pic>
         <p:nvPicPr>
-          <p:cNvPr id="5" name="Imagem 4" descr="Uma imagem contendo texto, screenshot&#10;&#10;Descrição gerada automaticamente">
-            <a:extLst>
-              <a:ext uri="{FF2B5EF4-FFF2-40B4-BE49-F238E27FC236}">
-                <a16:creationId xmlns:a16="http://schemas.microsoft.com/office/drawing/2014/main" id="{DE3E4C20-0A2E-442B-8EE1-21EC915AB84D}"/>
+          <p:cNvPr id="4" name="Gráfico 3" descr="Monitor">
+            <a:extLst>
+              <a:ext uri="{FF2B5EF4-FFF2-40B4-BE49-F238E27FC236}">
+                <a16:creationId xmlns:a16="http://schemas.microsoft.com/office/drawing/2014/main" id="{A6928064-3A9B-4257-BAAA-CD53C9D493E8}"/>
               </a:ext>
             </a:extLst>
           </p:cNvPr>
@@ -3396,7 +5155,1799 @@
           <p:nvPr/>
         </p:nvPicPr>
         <p:blipFill>
-          <a:blip r:embed="rId2">
+          <a:blip r:embed="rId4">
+            <a:extLst>
+              <a:ext uri="{28A0092B-C50C-407E-A947-70E740481C1C}">
+                <a14:useLocalDpi xmlns:a14="http://schemas.microsoft.com/office/drawing/2010/main" val="0"/>
+              </a:ext>
+              <a:ext uri="{96DAC541-7B7A-43D3-8B79-37D633B846F1}">
+                <asvg:svgBlip xmlns:asvg="http://schemas.microsoft.com/office/drawing/2016/SVG/main" r:embed="rId5"/>
+              </a:ext>
+            </a:extLst>
+          </a:blip>
+          <a:stretch>
+            <a:fillRect/>
+          </a:stretch>
+        </p:blipFill>
+        <p:spPr>
+          <a:xfrm>
+            <a:off x="2419351" y="1098583"/>
+            <a:ext cx="7362824" cy="6256952"/>
+          </a:xfrm>
+          <a:prstGeom prst="rect">
+            <a:avLst/>
+          </a:prstGeom>
+        </p:spPr>
+      </p:pic>
+      <p:sp>
+        <p:nvSpPr>
+          <p:cNvPr id="6" name="Retângulo 5">
+            <a:extLst>
+              <a:ext uri="{FF2B5EF4-FFF2-40B4-BE49-F238E27FC236}">
+                <a16:creationId xmlns:a16="http://schemas.microsoft.com/office/drawing/2014/main" id="{49CF2C44-5C67-4910-9A72-64ACC34FA3CC}"/>
+              </a:ext>
+            </a:extLst>
+          </p:cNvPr>
+          <p:cNvSpPr/>
+          <p:nvPr/>
+        </p:nvSpPr>
+        <p:spPr>
+          <a:xfrm>
+            <a:off x="5480429" y="3127759"/>
+            <a:ext cx="1114425" cy="295276"/>
+          </a:xfrm>
+          <a:prstGeom prst="rect">
+            <a:avLst/>
+          </a:prstGeom>
+          <a:noFill/>
+          <a:ln w="9525" cap="flat" cmpd="sng" algn="ctr">
+            <a:solidFill>
+              <a:schemeClr val="dk1"/>
+            </a:solidFill>
+            <a:prstDash val="solid"/>
+            <a:round/>
+            <a:headEnd type="none" w="med" len="med"/>
+            <a:tailEnd type="none" w="med" len="med"/>
+          </a:ln>
+        </p:spPr>
+        <p:style>
+          <a:lnRef idx="0">
+            <a:scrgbClr r="0" g="0" b="0"/>
+          </a:lnRef>
+          <a:fillRef idx="0">
+            <a:scrgbClr r="0" g="0" b="0"/>
+          </a:fillRef>
+          <a:effectRef idx="0">
+            <a:scrgbClr r="0" g="0" b="0"/>
+          </a:effectRef>
+          <a:fontRef idx="minor">
+            <a:schemeClr val="dk1"/>
+          </a:fontRef>
+        </p:style>
+        <p:txBody>
+          <a:bodyPr rtlCol="0" anchor="ctr"/>
+          <a:lstStyle/>
+          <a:p>
+            <a:pPr algn="ctr"/>
+            <a:r>
+              <a:rPr lang="pt-BR" sz="1600" dirty="0">
+                <a:latin typeface="Agency FB" panose="020B0503020202020204" pitchFamily="34" charset="0"/>
+              </a:rPr>
+              <a:t>E-mail</a:t>
+            </a:r>
+          </a:p>
+        </p:txBody>
+      </p:sp>
+      <p:sp>
+        <p:nvSpPr>
+          <p:cNvPr id="7" name="Retângulo 6">
+            <a:extLst>
+              <a:ext uri="{FF2B5EF4-FFF2-40B4-BE49-F238E27FC236}">
+                <a16:creationId xmlns:a16="http://schemas.microsoft.com/office/drawing/2014/main" id="{0F986796-06B8-48AC-A307-11DF3F1B7854}"/>
+              </a:ext>
+            </a:extLst>
+          </p:cNvPr>
+          <p:cNvSpPr/>
+          <p:nvPr/>
+        </p:nvSpPr>
+        <p:spPr>
+          <a:xfrm>
+            <a:off x="5480428" y="3774434"/>
+            <a:ext cx="1114425" cy="295276"/>
+          </a:xfrm>
+          <a:prstGeom prst="rect">
+            <a:avLst/>
+          </a:prstGeom>
+          <a:noFill/>
+          <a:ln w="9525" cap="flat" cmpd="sng" algn="ctr">
+            <a:solidFill>
+              <a:schemeClr val="dk1"/>
+            </a:solidFill>
+            <a:prstDash val="solid"/>
+            <a:round/>
+            <a:headEnd type="none" w="med" len="med"/>
+            <a:tailEnd type="none" w="med" len="med"/>
+          </a:ln>
+        </p:spPr>
+        <p:style>
+          <a:lnRef idx="0">
+            <a:scrgbClr r="0" g="0" b="0"/>
+          </a:lnRef>
+          <a:fillRef idx="0">
+            <a:scrgbClr r="0" g="0" b="0"/>
+          </a:fillRef>
+          <a:effectRef idx="0">
+            <a:scrgbClr r="0" g="0" b="0"/>
+          </a:effectRef>
+          <a:fontRef idx="minor">
+            <a:schemeClr val="dk1"/>
+          </a:fontRef>
+        </p:style>
+        <p:txBody>
+          <a:bodyPr rtlCol="0" anchor="ctr"/>
+          <a:lstStyle/>
+          <a:p>
+            <a:pPr algn="ctr"/>
+            <a:r>
+              <a:rPr lang="pt-BR" sz="1600" dirty="0">
+                <a:latin typeface="Agency FB" panose="020B0503020202020204" pitchFamily="34" charset="0"/>
+              </a:rPr>
+              <a:t>Senha</a:t>
+            </a:r>
+          </a:p>
+        </p:txBody>
+      </p:sp>
+      <p:sp>
+        <p:nvSpPr>
+          <p:cNvPr id="9" name="CaixaDeTexto 8">
+            <a:extLst>
+              <a:ext uri="{FF2B5EF4-FFF2-40B4-BE49-F238E27FC236}">
+                <a16:creationId xmlns:a16="http://schemas.microsoft.com/office/drawing/2014/main" id="{BA5E1594-C981-42A4-B0E5-8169F95D7144}"/>
+              </a:ext>
+            </a:extLst>
+          </p:cNvPr>
+          <p:cNvSpPr txBox="1"/>
+          <p:nvPr/>
+        </p:nvSpPr>
+        <p:spPr>
+          <a:xfrm>
+            <a:off x="5458379" y="2814193"/>
+            <a:ext cx="503664" cy="276999"/>
+          </a:xfrm>
+          <a:prstGeom prst="rect">
+            <a:avLst/>
+          </a:prstGeom>
+          <a:noFill/>
+        </p:spPr>
+        <p:txBody>
+          <a:bodyPr wrap="none" rtlCol="0">
+            <a:spAutoFit/>
+          </a:bodyPr>
+          <a:lstStyle/>
+          <a:p>
+            <a:r>
+              <a:rPr lang="pt-BR" sz="1200" dirty="0">
+                <a:latin typeface="Agency FB" panose="020B0503020202020204" pitchFamily="34" charset="0"/>
+              </a:rPr>
+              <a:t>E-MAIL</a:t>
+            </a:r>
+          </a:p>
+        </p:txBody>
+      </p:sp>
+      <p:sp>
+        <p:nvSpPr>
+          <p:cNvPr id="10" name="CaixaDeTexto 9">
+            <a:extLst>
+              <a:ext uri="{FF2B5EF4-FFF2-40B4-BE49-F238E27FC236}">
+                <a16:creationId xmlns:a16="http://schemas.microsoft.com/office/drawing/2014/main" id="{78FE970C-7476-4CBD-B0F5-0F34A0BE2BCE}"/>
+              </a:ext>
+            </a:extLst>
+          </p:cNvPr>
+          <p:cNvSpPr txBox="1"/>
+          <p:nvPr/>
+        </p:nvSpPr>
+        <p:spPr>
+          <a:xfrm>
+            <a:off x="5458379" y="3496168"/>
+            <a:ext cx="498855" cy="276999"/>
+          </a:xfrm>
+          <a:prstGeom prst="rect">
+            <a:avLst/>
+          </a:prstGeom>
+          <a:noFill/>
+        </p:spPr>
+        <p:txBody>
+          <a:bodyPr wrap="none" rtlCol="0">
+            <a:spAutoFit/>
+          </a:bodyPr>
+          <a:lstStyle/>
+          <a:p>
+            <a:r>
+              <a:rPr lang="pt-BR" sz="1200" dirty="0">
+                <a:latin typeface="Agency FB" panose="020B0503020202020204" pitchFamily="34" charset="0"/>
+              </a:rPr>
+              <a:t>SENHA</a:t>
+            </a:r>
+          </a:p>
+        </p:txBody>
+      </p:sp>
+      <p:sp>
+        <p:nvSpPr>
+          <p:cNvPr id="11" name="Retângulo: Cantos Arredondados 10">
+            <a:extLst>
+              <a:ext uri="{FF2B5EF4-FFF2-40B4-BE49-F238E27FC236}">
+                <a16:creationId xmlns:a16="http://schemas.microsoft.com/office/drawing/2014/main" id="{6FA3F5F9-02B7-4F1E-9E10-237BEC795D45}"/>
+              </a:ext>
+            </a:extLst>
+          </p:cNvPr>
+          <p:cNvSpPr/>
+          <p:nvPr/>
+        </p:nvSpPr>
+        <p:spPr>
+          <a:xfrm>
+            <a:off x="5480428" y="4550489"/>
+            <a:ext cx="1114424" cy="295276"/>
+          </a:xfrm>
+          <a:prstGeom prst="roundRect">
+            <a:avLst/>
+          </a:prstGeom>
+        </p:spPr>
+        <p:style>
+          <a:lnRef idx="2">
+            <a:schemeClr val="accent1">
+              <a:shade val="50000"/>
+            </a:schemeClr>
+          </a:lnRef>
+          <a:fillRef idx="1">
+            <a:schemeClr val="accent1"/>
+          </a:fillRef>
+          <a:effectRef idx="0">
+            <a:schemeClr val="accent1"/>
+          </a:effectRef>
+          <a:fontRef idx="minor">
+            <a:schemeClr val="lt1"/>
+          </a:fontRef>
+        </p:style>
+        <p:txBody>
+          <a:bodyPr rtlCol="0" anchor="ctr"/>
+          <a:lstStyle/>
+          <a:p>
+            <a:pPr algn="ctr"/>
+            <a:r>
+              <a:rPr lang="pt-BR" dirty="0">
+                <a:latin typeface="Agency FB" panose="020B0503020202020204" pitchFamily="34" charset="0"/>
+              </a:rPr>
+              <a:t>Entrar</a:t>
+            </a:r>
+          </a:p>
+        </p:txBody>
+      </p:sp>
+      <p:sp>
+        <p:nvSpPr>
+          <p:cNvPr id="14" name="Retângulo 13">
+            <a:extLst>
+              <a:ext uri="{FF2B5EF4-FFF2-40B4-BE49-F238E27FC236}">
+                <a16:creationId xmlns:a16="http://schemas.microsoft.com/office/drawing/2014/main" id="{838EBE71-6C2B-44B0-AC54-B7B393B59272}"/>
+              </a:ext>
+            </a:extLst>
+          </p:cNvPr>
+          <p:cNvSpPr/>
+          <p:nvPr/>
+        </p:nvSpPr>
+        <p:spPr>
+          <a:xfrm rot="10800000" flipV="1">
+            <a:off x="3490597" y="2369014"/>
+            <a:ext cx="5215253" cy="348397"/>
+          </a:xfrm>
+          <a:prstGeom prst="rect">
+            <a:avLst/>
+          </a:prstGeom>
+          <a:solidFill>
+            <a:srgbClr val="455CA8"/>
+          </a:solidFill>
+          <a:ln>
+            <a:solidFill>
+              <a:srgbClr val="455CA8"/>
+            </a:solidFill>
+          </a:ln>
+        </p:spPr>
+        <p:style>
+          <a:lnRef idx="2">
+            <a:schemeClr val="accent1">
+              <a:shade val="50000"/>
+            </a:schemeClr>
+          </a:lnRef>
+          <a:fillRef idx="1">
+            <a:schemeClr val="accent1"/>
+          </a:fillRef>
+          <a:effectRef idx="0">
+            <a:schemeClr val="accent1"/>
+          </a:effectRef>
+          <a:fontRef idx="minor">
+            <a:schemeClr val="lt1"/>
+          </a:fontRef>
+        </p:style>
+        <p:txBody>
+          <a:bodyPr rtlCol="0" anchor="ctr"/>
+          <a:lstStyle/>
+          <a:p>
+            <a:r>
+              <a:rPr lang="pt-BR" b="1" dirty="0">
+                <a:solidFill>
+                  <a:schemeClr val="bg1"/>
+                </a:solidFill>
+                <a:latin typeface="Arial Black" panose="020B0A04020102020204" pitchFamily="34" charset="0"/>
+              </a:rPr>
+              <a:t>SingleTec</a:t>
+            </a:r>
+          </a:p>
+        </p:txBody>
+      </p:sp>
+    </p:spTree>
+    <p:extLst>
+      <p:ext uri="{BB962C8B-B14F-4D97-AF65-F5344CB8AC3E}">
+        <p14:creationId xmlns:p14="http://schemas.microsoft.com/office/powerpoint/2010/main" val="3129022673"/>
+      </p:ext>
+    </p:extLst>
+  </p:cSld>
+  <p:clrMapOvr>
+    <a:masterClrMapping/>
+  </p:clrMapOvr>
+  <p:timing>
+    <p:tnLst>
+      <p:par>
+        <p:cTn id="1" dur="indefinite" restart="never" nodeType="tmRoot">
+          <p:childTnLst>
+            <p:seq concurrent="1" nextAc="seek">
+              <p:cTn id="2" dur="indefinite" nodeType="mainSeq">
+                <p:childTnLst>
+                  <p:par>
+                    <p:cTn id="3" fill="hold">
+                      <p:stCondLst>
+                        <p:cond delay="indefinite"/>
+                      </p:stCondLst>
+                      <p:childTnLst>
+                        <p:par>
+                          <p:cTn id="4" fill="hold">
+                            <p:stCondLst>
+                              <p:cond delay="0"/>
+                            </p:stCondLst>
+                            <p:childTnLst>
+                              <p:par>
+                                <p:cTn id="5" presetID="26" presetClass="emph" presetSubtype="0" fill="hold" grpId="0" nodeType="clickEffect">
+                                  <p:stCondLst>
+                                    <p:cond delay="0"/>
+                                  </p:stCondLst>
+                                  <p:childTnLst>
+                                    <p:animEffect transition="out" filter="fade">
+                                      <p:cBhvr>
+                                        <p:cTn id="6" dur="500" tmFilter="0, 0; .2, .5; .8, .5; 1, 0"/>
+                                        <p:tgtEl>
+                                          <p:spTgt spid="11"/>
+                                        </p:tgtEl>
+                                      </p:cBhvr>
+                                    </p:animEffect>
+                                    <p:animScale>
+                                      <p:cBhvr>
+                                        <p:cTn id="7" dur="250" autoRev="1" fill="hold"/>
+                                        <p:tgtEl>
+                                          <p:spTgt spid="11"/>
+                                        </p:tgtEl>
+                                      </p:cBhvr>
+                                      <p:by x="105000" y="105000"/>
+                                    </p:animScale>
+                                  </p:childTnLst>
+                                </p:cTn>
+                              </p:par>
+                            </p:childTnLst>
+                          </p:cTn>
+                        </p:par>
+                      </p:childTnLst>
+                    </p:cTn>
+                  </p:par>
+                </p:childTnLst>
+              </p:cTn>
+              <p:prevCondLst>
+                <p:cond evt="onPrev" delay="0">
+                  <p:tgtEl>
+                    <p:sldTgt/>
+                  </p:tgtEl>
+                </p:cond>
+              </p:prevCondLst>
+              <p:nextCondLst>
+                <p:cond evt="onNext" delay="0">
+                  <p:tgtEl>
+                    <p:sldTgt/>
+                  </p:tgtEl>
+                </p:cond>
+              </p:nextCondLst>
+            </p:seq>
+          </p:childTnLst>
+        </p:cTn>
+      </p:par>
+    </p:tnLst>
+    <p:bldLst>
+      <p:bldP spid="11" grpId="0" animBg="1"/>
+    </p:bldLst>
+  </p:timing>
+</p:sld>
+</file>
+
+<file path=ppt/slides/slide11.xml><?xml version="1.0" encoding="utf-8"?>
+<p:sld xmlns:a="http://schemas.openxmlformats.org/drawingml/2006/main" xmlns:r="http://schemas.openxmlformats.org/officeDocument/2006/relationships" xmlns:p="http://schemas.openxmlformats.org/presentationml/2006/main">
+  <p:cSld>
+    <p:bg>
+      <p:bgPr>
+        <a:blipFill>
+          <a:blip r:embed="rId3"/>
+          <a:stretch>
+            <a:fillRect/>
+          </a:stretch>
+        </a:blipFill>
+        <a:effectLst/>
+      </p:bgPr>
+    </p:bg>
+    <p:spTree>
+      <p:nvGrpSpPr>
+        <p:cNvPr id="1" name=""/>
+        <p:cNvGrpSpPr/>
+        <p:nvPr/>
+      </p:nvGrpSpPr>
+      <p:grpSpPr>
+        <a:xfrm>
+          <a:off x="0" y="0"/>
+          <a:ext cx="0" cy="0"/>
+          <a:chOff x="0" y="0"/>
+          <a:chExt cx="0" cy="0"/>
+        </a:xfrm>
+      </p:grpSpPr>
+      <p:pic>
+        <p:nvPicPr>
+          <p:cNvPr id="4" name="Gráfico 3" descr="Monitor">
+            <a:extLst>
+              <a:ext uri="{FF2B5EF4-FFF2-40B4-BE49-F238E27FC236}">
+                <a16:creationId xmlns:a16="http://schemas.microsoft.com/office/drawing/2014/main" id="{0DD10D59-5745-4D26-A742-E7D2825DB233}"/>
+              </a:ext>
+            </a:extLst>
+          </p:cNvPr>
+          <p:cNvPicPr>
+            <a:picLocks noChangeAspect="1"/>
+          </p:cNvPicPr>
+          <p:nvPr/>
+        </p:nvPicPr>
+        <p:blipFill>
+          <a:blip r:embed="rId4">
+            <a:extLst>
+              <a:ext uri="{28A0092B-C50C-407E-A947-70E740481C1C}">
+                <a14:useLocalDpi xmlns:a14="http://schemas.microsoft.com/office/drawing/2010/main" val="0"/>
+              </a:ext>
+              <a:ext uri="{96DAC541-7B7A-43D3-8B79-37D633B846F1}">
+                <asvg:svgBlip xmlns:asvg="http://schemas.microsoft.com/office/drawing/2016/SVG/main" r:embed="rId5"/>
+              </a:ext>
+            </a:extLst>
+          </a:blip>
+          <a:stretch>
+            <a:fillRect/>
+          </a:stretch>
+        </p:blipFill>
+        <p:spPr>
+          <a:xfrm>
+            <a:off x="2414587" y="1052062"/>
+            <a:ext cx="7362824" cy="6307785"/>
+          </a:xfrm>
+          <a:prstGeom prst="rect">
+            <a:avLst/>
+          </a:prstGeom>
+        </p:spPr>
+      </p:pic>
+      <p:sp>
+        <p:nvSpPr>
+          <p:cNvPr id="5" name="CaixaDeTexto 4">
+            <a:extLst>
+              <a:ext uri="{FF2B5EF4-FFF2-40B4-BE49-F238E27FC236}">
+                <a16:creationId xmlns:a16="http://schemas.microsoft.com/office/drawing/2014/main" id="{74A29E29-156F-4994-91B0-5FC956CE0B96}"/>
+              </a:ext>
+            </a:extLst>
+          </p:cNvPr>
+          <p:cNvSpPr txBox="1"/>
+          <p:nvPr/>
+        </p:nvSpPr>
+        <p:spPr>
+          <a:xfrm>
+            <a:off x="5097077" y="4744152"/>
+            <a:ext cx="478016" cy="369332"/>
+          </a:xfrm>
+          <a:prstGeom prst="rect">
+            <a:avLst/>
+          </a:prstGeom>
+          <a:noFill/>
+        </p:spPr>
+        <p:txBody>
+          <a:bodyPr wrap="none" rtlCol="0">
+            <a:spAutoFit/>
+          </a:bodyPr>
+          <a:lstStyle/>
+          <a:p>
+            <a:r>
+              <a:rPr lang="pt-BR" dirty="0">
+                <a:latin typeface="Agency FB" panose="020B0503020202020204" pitchFamily="34" charset="0"/>
+              </a:rPr>
+              <a:t>CPU</a:t>
+            </a:r>
+          </a:p>
+        </p:txBody>
+      </p:sp>
+      <p:sp>
+        <p:nvSpPr>
+          <p:cNvPr id="10" name="CaixaDeTexto 9">
+            <a:extLst>
+              <a:ext uri="{FF2B5EF4-FFF2-40B4-BE49-F238E27FC236}">
+                <a16:creationId xmlns:a16="http://schemas.microsoft.com/office/drawing/2014/main" id="{BCC77305-15BC-40A9-9CAC-DBFCCB12FC07}"/>
+              </a:ext>
+            </a:extLst>
+          </p:cNvPr>
+          <p:cNvSpPr txBox="1"/>
+          <p:nvPr/>
+        </p:nvSpPr>
+        <p:spPr>
+          <a:xfrm>
+            <a:off x="7054175" y="4746971"/>
+            <a:ext cx="516488" cy="369332"/>
+          </a:xfrm>
+          <a:prstGeom prst="rect">
+            <a:avLst/>
+          </a:prstGeom>
+          <a:noFill/>
+        </p:spPr>
+        <p:txBody>
+          <a:bodyPr wrap="none" rtlCol="0">
+            <a:spAutoFit/>
+          </a:bodyPr>
+          <a:lstStyle/>
+          <a:p>
+            <a:r>
+              <a:rPr lang="pt-BR" dirty="0">
+                <a:latin typeface="Agency FB" panose="020B0503020202020204" pitchFamily="34" charset="0"/>
+              </a:rPr>
+              <a:t>DISK</a:t>
+            </a:r>
+          </a:p>
+        </p:txBody>
+      </p:sp>
+      <p:sp>
+        <p:nvSpPr>
+          <p:cNvPr id="12" name="CaixaDeTexto 11">
+            <a:extLst>
+              <a:ext uri="{FF2B5EF4-FFF2-40B4-BE49-F238E27FC236}">
+                <a16:creationId xmlns:a16="http://schemas.microsoft.com/office/drawing/2014/main" id="{0D21878A-4050-429D-935A-386A4A1D53AD}"/>
+              </a:ext>
+            </a:extLst>
+          </p:cNvPr>
+          <p:cNvSpPr txBox="1"/>
+          <p:nvPr/>
+        </p:nvSpPr>
+        <p:spPr>
+          <a:xfrm>
+            <a:off x="5920936" y="4744152"/>
+            <a:ext cx="787395" cy="369332"/>
+          </a:xfrm>
+          <a:prstGeom prst="rect">
+            <a:avLst/>
+          </a:prstGeom>
+          <a:noFill/>
+        </p:spPr>
+        <p:txBody>
+          <a:bodyPr wrap="none" rtlCol="0">
+            <a:spAutoFit/>
+          </a:bodyPr>
+          <a:lstStyle/>
+          <a:p>
+            <a:r>
+              <a:rPr lang="pt-BR" dirty="0">
+                <a:latin typeface="Agency FB" panose="020B0503020202020204" pitchFamily="34" charset="0"/>
+              </a:rPr>
+              <a:t>MEMORY</a:t>
+            </a:r>
+          </a:p>
+        </p:txBody>
+      </p:sp>
+      <p:sp>
+        <p:nvSpPr>
+          <p:cNvPr id="6" name="Retângulo: Cantos Arredondados 5">
+            <a:extLst>
+              <a:ext uri="{FF2B5EF4-FFF2-40B4-BE49-F238E27FC236}">
+                <a16:creationId xmlns:a16="http://schemas.microsoft.com/office/drawing/2014/main" id="{0476D358-D616-4A0C-A889-5D1D1E2D2BCE}"/>
+              </a:ext>
+            </a:extLst>
+          </p:cNvPr>
+          <p:cNvSpPr/>
+          <p:nvPr/>
+        </p:nvSpPr>
+        <p:spPr>
+          <a:xfrm>
+            <a:off x="4739187" y="3949786"/>
+            <a:ext cx="478016" cy="676303"/>
+          </a:xfrm>
+          <a:prstGeom prst="roundRect">
+            <a:avLst/>
+          </a:prstGeom>
+          <a:ln/>
+        </p:spPr>
+        <p:style>
+          <a:lnRef idx="0">
+            <a:schemeClr val="accent2"/>
+          </a:lnRef>
+          <a:fillRef idx="3">
+            <a:schemeClr val="accent2"/>
+          </a:fillRef>
+          <a:effectRef idx="3">
+            <a:schemeClr val="accent2"/>
+          </a:effectRef>
+          <a:fontRef idx="minor">
+            <a:schemeClr val="lt1"/>
+          </a:fontRef>
+        </p:style>
+        <p:txBody>
+          <a:bodyPr rtlCol="0" anchor="ctr"/>
+          <a:lstStyle/>
+          <a:p>
+            <a:pPr algn="ctr"/>
+            <a:endParaRPr lang="pt-BR" dirty="0"/>
+          </a:p>
+        </p:txBody>
+      </p:sp>
+      <p:sp>
+        <p:nvSpPr>
+          <p:cNvPr id="15" name="Retângulo: Cantos Arredondados 14">
+            <a:extLst>
+              <a:ext uri="{FF2B5EF4-FFF2-40B4-BE49-F238E27FC236}">
+                <a16:creationId xmlns:a16="http://schemas.microsoft.com/office/drawing/2014/main" id="{64828A2E-4434-4C8A-AB83-6FCC2DF65F8E}"/>
+              </a:ext>
+            </a:extLst>
+          </p:cNvPr>
+          <p:cNvSpPr/>
+          <p:nvPr/>
+        </p:nvSpPr>
+        <p:spPr>
+          <a:xfrm>
+            <a:off x="5849988" y="4135932"/>
+            <a:ext cx="478016" cy="490157"/>
+          </a:xfrm>
+          <a:prstGeom prst="roundRect">
+            <a:avLst/>
+          </a:prstGeom>
+          <a:gradFill flip="none" rotWithShape="1">
+            <a:gsLst>
+              <a:gs pos="0">
+                <a:schemeClr val="accent1">
+                  <a:lumMod val="67000"/>
+                </a:schemeClr>
+              </a:gs>
+              <a:gs pos="48000">
+                <a:schemeClr val="accent1">
+                  <a:lumMod val="97000"/>
+                  <a:lumOff val="3000"/>
+                </a:schemeClr>
+              </a:gs>
+              <a:gs pos="100000">
+                <a:schemeClr val="accent1">
+                  <a:lumMod val="60000"/>
+                  <a:lumOff val="40000"/>
+                </a:schemeClr>
+              </a:gs>
+            </a:gsLst>
+            <a:lin ang="16200000" scaled="1"/>
+            <a:tileRect/>
+          </a:gradFill>
+          <a:ln>
+            <a:noFill/>
+          </a:ln>
+        </p:spPr>
+        <p:style>
+          <a:lnRef idx="0">
+            <a:scrgbClr r="0" g="0" b="0"/>
+          </a:lnRef>
+          <a:fillRef idx="0">
+            <a:scrgbClr r="0" g="0" b="0"/>
+          </a:fillRef>
+          <a:effectRef idx="0">
+            <a:scrgbClr r="0" g="0" b="0"/>
+          </a:effectRef>
+          <a:fontRef idx="minor">
+            <a:schemeClr val="lt1"/>
+          </a:fontRef>
+        </p:style>
+        <p:txBody>
+          <a:bodyPr rtlCol="0" anchor="ctr"/>
+          <a:lstStyle/>
+          <a:p>
+            <a:pPr algn="ctr"/>
+            <a:endParaRPr lang="pt-BR" dirty="0"/>
+          </a:p>
+        </p:txBody>
+      </p:sp>
+      <p:sp>
+        <p:nvSpPr>
+          <p:cNvPr id="16" name="Retângulo: Cantos Arredondados 15">
+            <a:extLst>
+              <a:ext uri="{FF2B5EF4-FFF2-40B4-BE49-F238E27FC236}">
+                <a16:creationId xmlns:a16="http://schemas.microsoft.com/office/drawing/2014/main" id="{EC214586-22AD-4014-8B80-F97AF7FD5AD3}"/>
+              </a:ext>
+            </a:extLst>
+          </p:cNvPr>
+          <p:cNvSpPr/>
+          <p:nvPr/>
+        </p:nvSpPr>
+        <p:spPr>
+          <a:xfrm>
+            <a:off x="6902932" y="3748755"/>
+            <a:ext cx="478016" cy="914400"/>
+          </a:xfrm>
+          <a:prstGeom prst="roundRect">
+            <a:avLst/>
+          </a:prstGeom>
+          <a:gradFill flip="none" rotWithShape="1">
+            <a:gsLst>
+              <a:gs pos="0">
+                <a:schemeClr val="accent6">
+                  <a:lumMod val="67000"/>
+                </a:schemeClr>
+              </a:gs>
+              <a:gs pos="48000">
+                <a:schemeClr val="accent6">
+                  <a:lumMod val="97000"/>
+                  <a:lumOff val="3000"/>
+                </a:schemeClr>
+              </a:gs>
+              <a:gs pos="100000">
+                <a:schemeClr val="accent6">
+                  <a:lumMod val="60000"/>
+                  <a:lumOff val="40000"/>
+                </a:schemeClr>
+              </a:gs>
+            </a:gsLst>
+            <a:lin ang="16200000" scaled="1"/>
+            <a:tileRect/>
+          </a:gradFill>
+          <a:ln>
+            <a:noFill/>
+          </a:ln>
+        </p:spPr>
+        <p:style>
+          <a:lnRef idx="0">
+            <a:scrgbClr r="0" g="0" b="0"/>
+          </a:lnRef>
+          <a:fillRef idx="0">
+            <a:scrgbClr r="0" g="0" b="0"/>
+          </a:fillRef>
+          <a:effectRef idx="0">
+            <a:scrgbClr r="0" g="0" b="0"/>
+          </a:effectRef>
+          <a:fontRef idx="minor">
+            <a:schemeClr val="lt1"/>
+          </a:fontRef>
+        </p:style>
+        <p:txBody>
+          <a:bodyPr rtlCol="0" anchor="ctr"/>
+          <a:lstStyle/>
+          <a:p>
+            <a:pPr algn="ctr"/>
+            <a:endParaRPr lang="pt-BR" dirty="0"/>
+          </a:p>
+        </p:txBody>
+      </p:sp>
+      <p:cxnSp>
+        <p:nvCxnSpPr>
+          <p:cNvPr id="17" name="Conector reto 16">
+            <a:extLst>
+              <a:ext uri="{FF2B5EF4-FFF2-40B4-BE49-F238E27FC236}">
+                <a16:creationId xmlns:a16="http://schemas.microsoft.com/office/drawing/2014/main" id="{3EF4FAB0-4A3E-4ADC-BEF9-5E377FD7931A}"/>
+              </a:ext>
+            </a:extLst>
+          </p:cNvPr>
+          <p:cNvCxnSpPr>
+            <a:cxnSpLocks/>
+          </p:cNvCxnSpPr>
+          <p:nvPr/>
+        </p:nvCxnSpPr>
+        <p:spPr>
+          <a:xfrm>
+            <a:off x="4298355" y="2839282"/>
+            <a:ext cx="0" cy="1810182"/>
+          </a:xfrm>
+          <a:prstGeom prst="line">
+            <a:avLst/>
+          </a:prstGeom>
+        </p:spPr>
+        <p:style>
+          <a:lnRef idx="3">
+            <a:schemeClr val="dk1"/>
+          </a:lnRef>
+          <a:fillRef idx="0">
+            <a:schemeClr val="dk1"/>
+          </a:fillRef>
+          <a:effectRef idx="2">
+            <a:schemeClr val="dk1"/>
+          </a:effectRef>
+          <a:fontRef idx="minor">
+            <a:schemeClr val="tx1"/>
+          </a:fontRef>
+        </p:style>
+      </p:cxnSp>
+      <p:cxnSp>
+        <p:nvCxnSpPr>
+          <p:cNvPr id="19" name="Conector reto 18">
+            <a:extLst>
+              <a:ext uri="{FF2B5EF4-FFF2-40B4-BE49-F238E27FC236}">
+                <a16:creationId xmlns:a16="http://schemas.microsoft.com/office/drawing/2014/main" id="{2851DE29-F716-43C5-80C3-89745A39CACD}"/>
+              </a:ext>
+            </a:extLst>
+          </p:cNvPr>
+          <p:cNvCxnSpPr>
+            <a:cxnSpLocks/>
+          </p:cNvCxnSpPr>
+          <p:nvPr/>
+        </p:nvCxnSpPr>
+        <p:spPr>
+          <a:xfrm flipV="1">
+            <a:off x="4298355" y="4652283"/>
+            <a:ext cx="3474045" cy="8053"/>
+          </a:xfrm>
+          <a:prstGeom prst="line">
+            <a:avLst/>
+          </a:prstGeom>
+        </p:spPr>
+        <p:style>
+          <a:lnRef idx="3">
+            <a:schemeClr val="dk1"/>
+          </a:lnRef>
+          <a:fillRef idx="0">
+            <a:schemeClr val="dk1"/>
+          </a:fillRef>
+          <a:effectRef idx="2">
+            <a:schemeClr val="dk1"/>
+          </a:effectRef>
+          <a:fontRef idx="minor">
+            <a:schemeClr val="tx1"/>
+          </a:fontRef>
+        </p:style>
+      </p:cxnSp>
+      <p:sp>
+        <p:nvSpPr>
+          <p:cNvPr id="18" name="Retângulo 17">
+            <a:extLst>
+              <a:ext uri="{FF2B5EF4-FFF2-40B4-BE49-F238E27FC236}">
+                <a16:creationId xmlns:a16="http://schemas.microsoft.com/office/drawing/2014/main" id="{E5F23768-262F-41B4-8EC4-F4EB5C5976D7}"/>
+              </a:ext>
+            </a:extLst>
+          </p:cNvPr>
+          <p:cNvSpPr/>
+          <p:nvPr/>
+        </p:nvSpPr>
+        <p:spPr>
+          <a:xfrm rot="10800000" flipV="1">
+            <a:off x="3463995" y="2344833"/>
+            <a:ext cx="5264007" cy="403427"/>
+          </a:xfrm>
+          <a:prstGeom prst="rect">
+            <a:avLst/>
+          </a:prstGeom>
+          <a:solidFill>
+            <a:srgbClr val="455CA8"/>
+          </a:solidFill>
+          <a:ln>
+            <a:solidFill>
+              <a:srgbClr val="455CA8"/>
+            </a:solidFill>
+          </a:ln>
+        </p:spPr>
+        <p:style>
+          <a:lnRef idx="2">
+            <a:schemeClr val="accent1">
+              <a:shade val="50000"/>
+            </a:schemeClr>
+          </a:lnRef>
+          <a:fillRef idx="1">
+            <a:schemeClr val="accent1"/>
+          </a:fillRef>
+          <a:effectRef idx="0">
+            <a:schemeClr val="accent1"/>
+          </a:effectRef>
+          <a:fontRef idx="minor">
+            <a:schemeClr val="lt1"/>
+          </a:fontRef>
+        </p:style>
+        <p:txBody>
+          <a:bodyPr rtlCol="0" anchor="ctr"/>
+          <a:lstStyle/>
+          <a:p>
+            <a:r>
+              <a:rPr lang="pt-BR" b="1" dirty="0">
+                <a:solidFill>
+                  <a:schemeClr val="bg1"/>
+                </a:solidFill>
+                <a:latin typeface="Arial Black" panose="020B0A04020102020204" pitchFamily="34" charset="0"/>
+              </a:rPr>
+              <a:t>SingleTec</a:t>
+            </a:r>
+          </a:p>
+        </p:txBody>
+      </p:sp>
+      <p:sp>
+        <p:nvSpPr>
+          <p:cNvPr id="22" name="Retângulo 21">
+            <a:extLst>
+              <a:ext uri="{FF2B5EF4-FFF2-40B4-BE49-F238E27FC236}">
+                <a16:creationId xmlns:a16="http://schemas.microsoft.com/office/drawing/2014/main" id="{A21400AC-70D7-4916-8ED5-9AE27A3B96C2}"/>
+              </a:ext>
+            </a:extLst>
+          </p:cNvPr>
+          <p:cNvSpPr/>
+          <p:nvPr/>
+        </p:nvSpPr>
+        <p:spPr>
+          <a:xfrm>
+            <a:off x="4876595" y="4839286"/>
+            <a:ext cx="203200" cy="179064"/>
+          </a:xfrm>
+          <a:prstGeom prst="rect">
+            <a:avLst/>
+          </a:prstGeom>
+        </p:spPr>
+        <p:style>
+          <a:lnRef idx="3">
+            <a:schemeClr val="lt1"/>
+          </a:lnRef>
+          <a:fillRef idx="1">
+            <a:schemeClr val="accent2"/>
+          </a:fillRef>
+          <a:effectRef idx="1">
+            <a:schemeClr val="accent2"/>
+          </a:effectRef>
+          <a:fontRef idx="minor">
+            <a:schemeClr val="lt1"/>
+          </a:fontRef>
+        </p:style>
+        <p:txBody>
+          <a:bodyPr rtlCol="0" anchor="ctr"/>
+          <a:lstStyle/>
+          <a:p>
+            <a:pPr algn="ctr"/>
+            <a:endParaRPr lang="pt-BR" dirty="0"/>
+          </a:p>
+        </p:txBody>
+      </p:sp>
+      <p:sp>
+        <p:nvSpPr>
+          <p:cNvPr id="28" name="Retângulo 27">
+            <a:extLst>
+              <a:ext uri="{FF2B5EF4-FFF2-40B4-BE49-F238E27FC236}">
+                <a16:creationId xmlns:a16="http://schemas.microsoft.com/office/drawing/2014/main" id="{E1C82E7B-93E4-4E57-BB55-70AB85C9EEF6}"/>
+              </a:ext>
+            </a:extLst>
+          </p:cNvPr>
+          <p:cNvSpPr/>
+          <p:nvPr/>
+        </p:nvSpPr>
+        <p:spPr>
+          <a:xfrm>
+            <a:off x="5695302" y="4839286"/>
+            <a:ext cx="203200" cy="179064"/>
+          </a:xfrm>
+          <a:prstGeom prst="rect">
+            <a:avLst/>
+          </a:prstGeom>
+          <a:gradFill flip="none" rotWithShape="1">
+            <a:gsLst>
+              <a:gs pos="0">
+                <a:schemeClr val="accent1">
+                  <a:lumMod val="67000"/>
+                </a:schemeClr>
+              </a:gs>
+              <a:gs pos="48000">
+                <a:schemeClr val="accent1">
+                  <a:lumMod val="97000"/>
+                  <a:lumOff val="3000"/>
+                </a:schemeClr>
+              </a:gs>
+              <a:gs pos="100000">
+                <a:schemeClr val="accent1">
+                  <a:lumMod val="60000"/>
+                  <a:lumOff val="40000"/>
+                </a:schemeClr>
+              </a:gs>
+            </a:gsLst>
+            <a:lin ang="16200000" scaled="1"/>
+            <a:tileRect/>
+          </a:gradFill>
+          <a:ln>
+            <a:noFill/>
+          </a:ln>
+        </p:spPr>
+        <p:style>
+          <a:lnRef idx="0">
+            <a:scrgbClr r="0" g="0" b="0"/>
+          </a:lnRef>
+          <a:fillRef idx="0">
+            <a:scrgbClr r="0" g="0" b="0"/>
+          </a:fillRef>
+          <a:effectRef idx="0">
+            <a:scrgbClr r="0" g="0" b="0"/>
+          </a:effectRef>
+          <a:fontRef idx="minor">
+            <a:schemeClr val="lt1"/>
+          </a:fontRef>
+        </p:style>
+        <p:txBody>
+          <a:bodyPr rtlCol="0" anchor="ctr"/>
+          <a:lstStyle/>
+          <a:p>
+            <a:pPr algn="ctr"/>
+            <a:endParaRPr lang="pt-BR" dirty="0"/>
+          </a:p>
+        </p:txBody>
+      </p:sp>
+      <p:sp>
+        <p:nvSpPr>
+          <p:cNvPr id="29" name="Retângulo 28">
+            <a:extLst>
+              <a:ext uri="{FF2B5EF4-FFF2-40B4-BE49-F238E27FC236}">
+                <a16:creationId xmlns:a16="http://schemas.microsoft.com/office/drawing/2014/main" id="{F9ACD7B5-546B-4BFC-BA5A-24685712036E}"/>
+              </a:ext>
+            </a:extLst>
+          </p:cNvPr>
+          <p:cNvSpPr/>
+          <p:nvPr/>
+        </p:nvSpPr>
+        <p:spPr>
+          <a:xfrm>
+            <a:off x="6801332" y="4839286"/>
+            <a:ext cx="203200" cy="179064"/>
+          </a:xfrm>
+          <a:prstGeom prst="rect">
+            <a:avLst/>
+          </a:prstGeom>
+          <a:gradFill flip="none" rotWithShape="1">
+            <a:gsLst>
+              <a:gs pos="0">
+                <a:schemeClr val="accent6">
+                  <a:lumMod val="67000"/>
+                </a:schemeClr>
+              </a:gs>
+              <a:gs pos="48000">
+                <a:schemeClr val="accent6">
+                  <a:lumMod val="97000"/>
+                  <a:lumOff val="3000"/>
+                </a:schemeClr>
+              </a:gs>
+              <a:gs pos="100000">
+                <a:schemeClr val="accent6">
+                  <a:lumMod val="60000"/>
+                  <a:lumOff val="40000"/>
+                </a:schemeClr>
+              </a:gs>
+            </a:gsLst>
+            <a:lin ang="16200000" scaled="1"/>
+            <a:tileRect/>
+          </a:gradFill>
+          <a:ln>
+            <a:noFill/>
+          </a:ln>
+        </p:spPr>
+        <p:style>
+          <a:lnRef idx="0">
+            <a:scrgbClr r="0" g="0" b="0"/>
+          </a:lnRef>
+          <a:fillRef idx="0">
+            <a:scrgbClr r="0" g="0" b="0"/>
+          </a:fillRef>
+          <a:effectRef idx="0">
+            <a:scrgbClr r="0" g="0" b="0"/>
+          </a:effectRef>
+          <a:fontRef idx="minor">
+            <a:schemeClr val="lt1"/>
+          </a:fontRef>
+        </p:style>
+        <p:txBody>
+          <a:bodyPr rtlCol="0" anchor="ctr"/>
+          <a:lstStyle/>
+          <a:p>
+            <a:pPr algn="ctr"/>
+            <a:endParaRPr lang="pt-BR" dirty="0"/>
+          </a:p>
+        </p:txBody>
+      </p:sp>
+      <p:sp>
+        <p:nvSpPr>
+          <p:cNvPr id="30" name="CaixaDeTexto 29">
+            <a:extLst>
+              <a:ext uri="{FF2B5EF4-FFF2-40B4-BE49-F238E27FC236}">
+                <a16:creationId xmlns:a16="http://schemas.microsoft.com/office/drawing/2014/main" id="{E7AB2C30-2BE5-4D5B-ABDF-CEFFA3E55673}"/>
+              </a:ext>
+            </a:extLst>
+          </p:cNvPr>
+          <p:cNvSpPr txBox="1"/>
+          <p:nvPr/>
+        </p:nvSpPr>
+        <p:spPr>
+          <a:xfrm>
+            <a:off x="3828386" y="2805160"/>
+            <a:ext cx="413895" cy="1938992"/>
+          </a:xfrm>
+          <a:prstGeom prst="rect">
+            <a:avLst/>
+          </a:prstGeom>
+          <a:noFill/>
+        </p:spPr>
+        <p:txBody>
+          <a:bodyPr wrap="none" rtlCol="0">
+            <a:spAutoFit/>
+          </a:bodyPr>
+          <a:lstStyle/>
+          <a:p>
+            <a:pPr algn="ctr"/>
+            <a:r>
+              <a:rPr lang="pt-BR" sz="1200" dirty="0">
+                <a:latin typeface="Agency FB" panose="020B0503020202020204" pitchFamily="34" charset="0"/>
+              </a:rPr>
+              <a:t>90 -</a:t>
+            </a:r>
+          </a:p>
+          <a:p>
+            <a:pPr algn="ctr"/>
+            <a:r>
+              <a:rPr lang="pt-BR" sz="1200" dirty="0">
+                <a:latin typeface="Agency FB" panose="020B0503020202020204" pitchFamily="34" charset="0"/>
+              </a:rPr>
+              <a:t>80 -</a:t>
+            </a:r>
+          </a:p>
+          <a:p>
+            <a:pPr algn="ctr"/>
+            <a:r>
+              <a:rPr lang="pt-BR" sz="1200" dirty="0">
+                <a:latin typeface="Agency FB" panose="020B0503020202020204" pitchFamily="34" charset="0"/>
+              </a:rPr>
+              <a:t>70 -</a:t>
+            </a:r>
+          </a:p>
+          <a:p>
+            <a:pPr algn="ctr"/>
+            <a:r>
+              <a:rPr lang="pt-BR" sz="1200" dirty="0">
+                <a:latin typeface="Agency FB" panose="020B0503020202020204" pitchFamily="34" charset="0"/>
+              </a:rPr>
+              <a:t>60 -</a:t>
+            </a:r>
+          </a:p>
+          <a:p>
+            <a:pPr algn="ctr"/>
+            <a:r>
+              <a:rPr lang="pt-BR" sz="1200" dirty="0">
+                <a:latin typeface="Agency FB" panose="020B0503020202020204" pitchFamily="34" charset="0"/>
+              </a:rPr>
+              <a:t>50 -</a:t>
+            </a:r>
+          </a:p>
+          <a:p>
+            <a:pPr algn="ctr"/>
+            <a:r>
+              <a:rPr lang="pt-BR" sz="1200" dirty="0">
+                <a:latin typeface="Agency FB" panose="020B0503020202020204" pitchFamily="34" charset="0"/>
+              </a:rPr>
+              <a:t>40 -</a:t>
+            </a:r>
+          </a:p>
+          <a:p>
+            <a:pPr algn="ctr"/>
+            <a:r>
+              <a:rPr lang="pt-BR" sz="1200" dirty="0">
+                <a:latin typeface="Agency FB" panose="020B0503020202020204" pitchFamily="34" charset="0"/>
+              </a:rPr>
+              <a:t>30 -</a:t>
+            </a:r>
+          </a:p>
+          <a:p>
+            <a:pPr algn="ctr"/>
+            <a:r>
+              <a:rPr lang="pt-BR" sz="1200" dirty="0">
+                <a:latin typeface="Agency FB" panose="020B0503020202020204" pitchFamily="34" charset="0"/>
+              </a:rPr>
+              <a:t>20 -</a:t>
+            </a:r>
+          </a:p>
+          <a:p>
+            <a:pPr algn="ctr"/>
+            <a:r>
+              <a:rPr lang="pt-BR" sz="1200" dirty="0">
+                <a:latin typeface="Agency FB" panose="020B0503020202020204" pitchFamily="34" charset="0"/>
+              </a:rPr>
+              <a:t>10 –</a:t>
+            </a:r>
+          </a:p>
+          <a:p>
+            <a:pPr algn="r"/>
+            <a:r>
+              <a:rPr lang="pt-BR" sz="1200" dirty="0">
+                <a:latin typeface="Agency FB" panose="020B0503020202020204" pitchFamily="34" charset="0"/>
+              </a:rPr>
+              <a:t>0 </a:t>
+            </a:r>
+            <a:r>
+              <a:rPr lang="pt-BR" sz="1200" dirty="0"/>
+              <a:t>-</a:t>
+            </a:r>
+          </a:p>
+        </p:txBody>
+      </p:sp>
+      <p:sp>
+        <p:nvSpPr>
+          <p:cNvPr id="31" name="CaixaDeTexto 30">
+            <a:extLst>
+              <a:ext uri="{FF2B5EF4-FFF2-40B4-BE49-F238E27FC236}">
+                <a16:creationId xmlns:a16="http://schemas.microsoft.com/office/drawing/2014/main" id="{7516B237-628B-4141-9FDB-BFE0AFB5B364}"/>
+              </a:ext>
+            </a:extLst>
+          </p:cNvPr>
+          <p:cNvSpPr txBox="1"/>
+          <p:nvPr/>
+        </p:nvSpPr>
+        <p:spPr>
+          <a:xfrm>
+            <a:off x="5018621" y="2723548"/>
+            <a:ext cx="2154757" cy="369332"/>
+          </a:xfrm>
+          <a:prstGeom prst="rect">
+            <a:avLst/>
+          </a:prstGeom>
+          <a:noFill/>
+        </p:spPr>
+        <p:txBody>
+          <a:bodyPr wrap="none" rtlCol="0">
+            <a:spAutoFit/>
+          </a:bodyPr>
+          <a:lstStyle/>
+          <a:p>
+            <a:r>
+              <a:rPr lang="pt-BR" dirty="0">
+                <a:latin typeface="Agency FB" panose="020B0503020202020204" pitchFamily="34" charset="0"/>
+              </a:rPr>
+              <a:t>Monitoramento de máquina</a:t>
+            </a:r>
+          </a:p>
+        </p:txBody>
+      </p:sp>
+      <p:sp>
+        <p:nvSpPr>
+          <p:cNvPr id="2" name="Retângulo 1">
+            <a:extLst>
+              <a:ext uri="{FF2B5EF4-FFF2-40B4-BE49-F238E27FC236}">
+                <a16:creationId xmlns:a16="http://schemas.microsoft.com/office/drawing/2014/main" id="{B5FC8B1E-DA1A-4888-8071-276558360106}"/>
+              </a:ext>
+            </a:extLst>
+          </p:cNvPr>
+          <p:cNvSpPr/>
+          <p:nvPr/>
+        </p:nvSpPr>
+        <p:spPr>
+          <a:xfrm>
+            <a:off x="7312419" y="2390016"/>
+            <a:ext cx="645187" cy="271695"/>
+          </a:xfrm>
+          <a:prstGeom prst="rect">
+            <a:avLst/>
+          </a:prstGeom>
+        </p:spPr>
+        <p:style>
+          <a:lnRef idx="2">
+            <a:schemeClr val="dk1"/>
+          </a:lnRef>
+          <a:fillRef idx="1">
+            <a:schemeClr val="lt1"/>
+          </a:fillRef>
+          <a:effectRef idx="0">
+            <a:schemeClr val="dk1"/>
+          </a:effectRef>
+          <a:fontRef idx="minor">
+            <a:schemeClr val="dk1"/>
+          </a:fontRef>
+        </p:style>
+        <p:txBody>
+          <a:bodyPr rtlCol="0" anchor="ctr"/>
+          <a:lstStyle/>
+          <a:p>
+            <a:pPr algn="ctr"/>
+            <a:r>
+              <a:rPr lang="pt-BR" sz="900" dirty="0"/>
+              <a:t>Processos</a:t>
+            </a:r>
+          </a:p>
+        </p:txBody>
+      </p:sp>
+      <p:sp>
+        <p:nvSpPr>
+          <p:cNvPr id="20" name="Retângulo 19">
+            <a:extLst>
+              <a:ext uri="{FF2B5EF4-FFF2-40B4-BE49-F238E27FC236}">
+                <a16:creationId xmlns:a16="http://schemas.microsoft.com/office/drawing/2014/main" id="{15824195-5E92-432B-9C08-256764C812BC}"/>
+              </a:ext>
+            </a:extLst>
+          </p:cNvPr>
+          <p:cNvSpPr/>
+          <p:nvPr/>
+        </p:nvSpPr>
+        <p:spPr>
+          <a:xfrm>
+            <a:off x="7992484" y="2390016"/>
+            <a:ext cx="645187" cy="271695"/>
+          </a:xfrm>
+          <a:prstGeom prst="rect">
+            <a:avLst/>
+          </a:prstGeom>
+        </p:spPr>
+        <p:style>
+          <a:lnRef idx="2">
+            <a:schemeClr val="dk1"/>
+          </a:lnRef>
+          <a:fillRef idx="1">
+            <a:schemeClr val="lt1"/>
+          </a:fillRef>
+          <a:effectRef idx="0">
+            <a:schemeClr val="dk1"/>
+          </a:effectRef>
+          <a:fontRef idx="minor">
+            <a:schemeClr val="dk1"/>
+          </a:fontRef>
+        </p:style>
+        <p:txBody>
+          <a:bodyPr rtlCol="0" anchor="ctr"/>
+          <a:lstStyle/>
+          <a:p>
+            <a:pPr algn="ctr"/>
+            <a:r>
+              <a:rPr lang="pt-BR" sz="900" dirty="0"/>
+              <a:t>Sobre</a:t>
+            </a:r>
+          </a:p>
+        </p:txBody>
+      </p:sp>
+    </p:spTree>
+    <p:extLst>
+      <p:ext uri="{BB962C8B-B14F-4D97-AF65-F5344CB8AC3E}">
+        <p14:creationId xmlns:p14="http://schemas.microsoft.com/office/powerpoint/2010/main" val="246852998"/>
+      </p:ext>
+    </p:extLst>
+  </p:cSld>
+  <p:clrMapOvr>
+    <a:masterClrMapping/>
+  </p:clrMapOvr>
+</p:sld>
+</file>
+
+<file path=ppt/slides/slide12.xml><?xml version="1.0" encoding="utf-8"?>
+<p:sld xmlns:a="http://schemas.openxmlformats.org/drawingml/2006/main" xmlns:r="http://schemas.openxmlformats.org/officeDocument/2006/relationships" xmlns:p="http://schemas.openxmlformats.org/presentationml/2006/main">
+  <p:cSld>
+    <p:bg>
+      <p:bgPr>
+        <a:blipFill dpi="0" rotWithShape="1">
+          <a:blip r:embed="rId3">
+            <a:lum/>
+          </a:blip>
+          <a:srcRect/>
+          <a:stretch>
+            <a:fillRect/>
+          </a:stretch>
+        </a:blipFill>
+        <a:effectLst/>
+      </p:bgPr>
+    </p:bg>
+    <p:spTree>
+      <p:nvGrpSpPr>
+        <p:cNvPr id="1" name=""/>
+        <p:cNvGrpSpPr/>
+        <p:nvPr/>
+      </p:nvGrpSpPr>
+      <p:grpSpPr>
+        <a:xfrm>
+          <a:off x="0" y="0"/>
+          <a:ext cx="0" cy="0"/>
+          <a:chOff x="0" y="0"/>
+          <a:chExt cx="0" cy="0"/>
+        </a:xfrm>
+      </p:grpSpPr>
+      <p:pic>
+        <p:nvPicPr>
+          <p:cNvPr id="5" name="Gráfico 4" descr="Monitor">
+            <a:extLst>
+              <a:ext uri="{FF2B5EF4-FFF2-40B4-BE49-F238E27FC236}">
+                <a16:creationId xmlns:a16="http://schemas.microsoft.com/office/drawing/2014/main" id="{628C4671-C617-4E2F-9EC9-89B0ABC9BBDB}"/>
+              </a:ext>
+            </a:extLst>
+          </p:cNvPr>
+          <p:cNvPicPr>
+            <a:picLocks noChangeAspect="1"/>
+          </p:cNvPicPr>
+          <p:nvPr/>
+        </p:nvPicPr>
+        <p:blipFill>
+          <a:blip r:embed="rId4">
+            <a:extLst>
+              <a:ext uri="{28A0092B-C50C-407E-A947-70E740481C1C}">
+                <a14:useLocalDpi xmlns:a14="http://schemas.microsoft.com/office/drawing/2010/main" val="0"/>
+              </a:ext>
+              <a:ext uri="{96DAC541-7B7A-43D3-8B79-37D633B846F1}">
+                <asvg:svgBlip xmlns:asvg="http://schemas.microsoft.com/office/drawing/2016/SVG/main" r:embed="rId5"/>
+              </a:ext>
+            </a:extLst>
+          </a:blip>
+          <a:stretch>
+            <a:fillRect/>
+          </a:stretch>
+        </p:blipFill>
+        <p:spPr>
+          <a:xfrm>
+            <a:off x="-481012" y="1038225"/>
+            <a:ext cx="7362824" cy="6307785"/>
+          </a:xfrm>
+          <a:prstGeom prst="rect">
+            <a:avLst/>
+          </a:prstGeom>
+        </p:spPr>
+      </p:pic>
+      <p:pic>
+        <p:nvPicPr>
+          <p:cNvPr id="4" name="Imagem 3">
+            <a:extLst>
+              <a:ext uri="{FF2B5EF4-FFF2-40B4-BE49-F238E27FC236}">
+                <a16:creationId xmlns:a16="http://schemas.microsoft.com/office/drawing/2014/main" id="{DF40ADDB-617F-45CB-AF5E-2DB87AA4480D}"/>
+              </a:ext>
+            </a:extLst>
+          </p:cNvPr>
+          <p:cNvPicPr>
+            <a:picLocks noChangeAspect="1"/>
+          </p:cNvPicPr>
+          <p:nvPr/>
+        </p:nvPicPr>
+        <p:blipFill>
+          <a:blip r:embed="rId6"/>
+          <a:stretch>
+            <a:fillRect/>
+          </a:stretch>
+        </p:blipFill>
+        <p:spPr>
+          <a:xfrm>
+            <a:off x="581024" y="2343150"/>
+            <a:ext cx="5267326" cy="2931544"/>
+          </a:xfrm>
+          <a:prstGeom prst="rect">
+            <a:avLst/>
+          </a:prstGeom>
+        </p:spPr>
+      </p:pic>
+      <p:pic>
+        <p:nvPicPr>
+          <p:cNvPr id="18" name="Gráfico 17" descr="Smartphone">
+            <a:extLst>
+              <a:ext uri="{FF2B5EF4-FFF2-40B4-BE49-F238E27FC236}">
+                <a16:creationId xmlns:a16="http://schemas.microsoft.com/office/drawing/2014/main" id="{D9715F03-B862-497F-B4F7-EB7DBAE350D3}"/>
+              </a:ext>
+            </a:extLst>
+          </p:cNvPr>
+          <p:cNvPicPr>
+            <a:picLocks noChangeAspect="1"/>
+          </p:cNvPicPr>
+          <p:nvPr/>
+        </p:nvPicPr>
+        <p:blipFill>
+          <a:blip r:embed="rId7">
+            <a:extLst>
+              <a:ext uri="{28A0092B-C50C-407E-A947-70E740481C1C}">
+                <a14:useLocalDpi xmlns:a14="http://schemas.microsoft.com/office/drawing/2010/main" val="0"/>
+              </a:ext>
+              <a:ext uri="{96DAC541-7B7A-43D3-8B79-37D633B846F1}">
+                <asvg:svgBlip xmlns:asvg="http://schemas.microsoft.com/office/drawing/2016/SVG/main" r:embed="rId8"/>
+              </a:ext>
+            </a:extLst>
+          </a:blip>
+          <a:stretch>
+            <a:fillRect/>
+          </a:stretch>
+        </p:blipFill>
+        <p:spPr>
+          <a:xfrm>
+            <a:off x="7357902" y="2091882"/>
+            <a:ext cx="4722338" cy="4287520"/>
+          </a:xfrm>
+          <a:prstGeom prst="rect">
+            <a:avLst/>
+          </a:prstGeom>
+        </p:spPr>
+      </p:pic>
+      <p:pic>
+        <p:nvPicPr>
+          <p:cNvPr id="16" name="Imagem 15">
+            <a:extLst>
+              <a:ext uri="{FF2B5EF4-FFF2-40B4-BE49-F238E27FC236}">
+                <a16:creationId xmlns:a16="http://schemas.microsoft.com/office/drawing/2014/main" id="{3DE1A6E5-E8F1-4E31-8FB7-BB224156613D}"/>
+              </a:ext>
+            </a:extLst>
+          </p:cNvPr>
+          <p:cNvPicPr>
+            <a:picLocks noChangeAspect="1"/>
+          </p:cNvPicPr>
+          <p:nvPr/>
+        </p:nvPicPr>
+        <p:blipFill>
+          <a:blip r:embed="rId9"/>
+          <a:stretch>
+            <a:fillRect/>
+          </a:stretch>
+        </p:blipFill>
+        <p:spPr>
+          <a:xfrm>
+            <a:off x="8829040" y="2794000"/>
+            <a:ext cx="1849120" cy="2875280"/>
+          </a:xfrm>
+          <a:prstGeom prst="rect">
+            <a:avLst/>
+          </a:prstGeom>
+        </p:spPr>
+      </p:pic>
+    </p:spTree>
+    <p:extLst>
+      <p:ext uri="{BB962C8B-B14F-4D97-AF65-F5344CB8AC3E}">
+        <p14:creationId xmlns:p14="http://schemas.microsoft.com/office/powerpoint/2010/main" val="1482414827"/>
+      </p:ext>
+    </p:extLst>
+  </p:cSld>
+  <p:clrMapOvr>
+    <a:masterClrMapping/>
+  </p:clrMapOvr>
+</p:sld>
+</file>
+
+<file path=ppt/slides/slide13.xml><?xml version="1.0" encoding="utf-8"?>
+<p:sld xmlns:a="http://schemas.openxmlformats.org/drawingml/2006/main" xmlns:r="http://schemas.openxmlformats.org/officeDocument/2006/relationships" xmlns:p="http://schemas.openxmlformats.org/presentationml/2006/main">
+  <p:cSld>
+    <p:bg>
+      <p:bgPr>
+        <a:blipFill dpi="0" rotWithShape="1">
+          <a:blip r:embed="rId3">
+            <a:lum/>
+          </a:blip>
+          <a:srcRect/>
+          <a:stretch>
+            <a:fillRect/>
+          </a:stretch>
+        </a:blipFill>
+        <a:effectLst/>
+      </p:bgPr>
+    </p:bg>
+    <p:spTree>
+      <p:nvGrpSpPr>
+        <p:cNvPr id="1" name=""/>
+        <p:cNvGrpSpPr/>
+        <p:nvPr/>
+      </p:nvGrpSpPr>
+      <p:grpSpPr>
+        <a:xfrm>
+          <a:off x="0" y="0"/>
+          <a:ext cx="0" cy="0"/>
+          <a:chOff x="0" y="0"/>
+          <a:chExt cx="0" cy="0"/>
+        </a:xfrm>
+      </p:grpSpPr>
+      <p:pic>
+        <p:nvPicPr>
+          <p:cNvPr id="5" name="Gráfico 4" descr="Monitor">
+            <a:extLst>
+              <a:ext uri="{FF2B5EF4-FFF2-40B4-BE49-F238E27FC236}">
+                <a16:creationId xmlns:a16="http://schemas.microsoft.com/office/drawing/2014/main" id="{3D6076BD-7599-4054-92EF-B8CF379202CE}"/>
+              </a:ext>
+            </a:extLst>
+          </p:cNvPr>
+          <p:cNvPicPr>
+            <a:picLocks noChangeAspect="1"/>
+          </p:cNvPicPr>
+          <p:nvPr/>
+        </p:nvPicPr>
+        <p:blipFill>
+          <a:blip r:embed="rId4">
+            <a:extLst>
+              <a:ext uri="{28A0092B-C50C-407E-A947-70E740481C1C}">
+                <a14:useLocalDpi xmlns:a14="http://schemas.microsoft.com/office/drawing/2010/main" val="0"/>
+              </a:ext>
+              <a:ext uri="{96DAC541-7B7A-43D3-8B79-37D633B846F1}">
+                <asvg:svgBlip xmlns:asvg="http://schemas.microsoft.com/office/drawing/2016/SVG/main" r:embed="rId5"/>
+              </a:ext>
+            </a:extLst>
+          </a:blip>
+          <a:stretch>
+            <a:fillRect/>
+          </a:stretch>
+        </p:blipFill>
+        <p:spPr>
+          <a:xfrm>
+            <a:off x="2414588" y="1047750"/>
+            <a:ext cx="7362824" cy="6307785"/>
+          </a:xfrm>
+          <a:prstGeom prst="rect">
+            <a:avLst/>
+          </a:prstGeom>
+        </p:spPr>
+      </p:pic>
+      <p:pic>
+        <p:nvPicPr>
+          <p:cNvPr id="7" name="Imagem 6" descr="Uma imagem contendo screenshot, texto&#10;&#10;Descrição gerada automaticamente">
+            <a:extLst>
+              <a:ext uri="{FF2B5EF4-FFF2-40B4-BE49-F238E27FC236}">
+                <a16:creationId xmlns:a16="http://schemas.microsoft.com/office/drawing/2014/main" id="{54BBB138-64DB-4703-980A-777DDABA4449}"/>
+              </a:ext>
+            </a:extLst>
+          </p:cNvPr>
+          <p:cNvPicPr>
+            <a:picLocks noChangeAspect="1"/>
+          </p:cNvPicPr>
+          <p:nvPr/>
+        </p:nvPicPr>
+        <p:blipFill>
+          <a:blip r:embed="rId6">
+            <a:extLst>
+              <a:ext uri="{28A0092B-C50C-407E-A947-70E740481C1C}">
+                <a14:useLocalDpi xmlns:a14="http://schemas.microsoft.com/office/drawing/2010/main" val="0"/>
+              </a:ext>
+            </a:extLst>
+          </a:blip>
+          <a:stretch>
+            <a:fillRect/>
+          </a:stretch>
+        </p:blipFill>
+        <p:spPr>
+          <a:xfrm>
+            <a:off x="3441844" y="2363056"/>
+            <a:ext cx="5280916" cy="2894744"/>
+          </a:xfrm>
+          <a:prstGeom prst="rect">
+            <a:avLst/>
+          </a:prstGeom>
+        </p:spPr>
+      </p:pic>
+    </p:spTree>
+    <p:extLst>
+      <p:ext uri="{BB962C8B-B14F-4D97-AF65-F5344CB8AC3E}">
+        <p14:creationId xmlns:p14="http://schemas.microsoft.com/office/powerpoint/2010/main" val="3278195266"/>
+      </p:ext>
+    </p:extLst>
+  </p:cSld>
+  <p:clrMapOvr>
+    <a:masterClrMapping/>
+  </p:clrMapOvr>
+</p:sld>
+</file>
+
+<file path=ppt/slides/slide14.xml><?xml version="1.0" encoding="utf-8"?>
+<p:sld xmlns:a="http://schemas.openxmlformats.org/drawingml/2006/main" xmlns:r="http://schemas.openxmlformats.org/officeDocument/2006/relationships" xmlns:p="http://schemas.openxmlformats.org/presentationml/2006/main">
+  <p:cSld>
+    <p:bg>
+      <p:bgPr>
+        <a:blipFill dpi="0" rotWithShape="1">
+          <a:blip r:embed="rId3">
+            <a:lum/>
+          </a:blip>
+          <a:srcRect/>
+          <a:stretch>
+            <a:fillRect/>
+          </a:stretch>
+        </a:blipFill>
+        <a:effectLst/>
+      </p:bgPr>
+    </p:bg>
+    <p:spTree>
+      <p:nvGrpSpPr>
+        <p:cNvPr id="1" name=""/>
+        <p:cNvGrpSpPr/>
+        <p:nvPr/>
+      </p:nvGrpSpPr>
+      <p:grpSpPr>
+        <a:xfrm>
+          <a:off x="0" y="0"/>
+          <a:ext cx="0" cy="0"/>
+          <a:chOff x="0" y="0"/>
+          <a:chExt cx="0" cy="0"/>
+        </a:xfrm>
+      </p:grpSpPr>
+      <p:sp>
+        <p:nvSpPr>
+          <p:cNvPr id="3" name="CaixaDeTexto 2">
+            <a:extLst>
+              <a:ext uri="{FF2B5EF4-FFF2-40B4-BE49-F238E27FC236}">
+                <a16:creationId xmlns:a16="http://schemas.microsoft.com/office/drawing/2014/main" id="{4BB34E27-3E77-4B4D-9740-D01054A0E0F0}"/>
+              </a:ext>
+            </a:extLst>
+          </p:cNvPr>
+          <p:cNvSpPr txBox="1"/>
+          <p:nvPr/>
+        </p:nvSpPr>
+        <p:spPr>
+          <a:xfrm>
+            <a:off x="719191" y="2547991"/>
+            <a:ext cx="5167901" cy="1015663"/>
+          </a:xfrm>
+          <a:prstGeom prst="rect">
+            <a:avLst/>
+          </a:prstGeom>
+          <a:noFill/>
+        </p:spPr>
+        <p:txBody>
+          <a:bodyPr wrap="square" rtlCol="0">
+            <a:spAutoFit/>
+          </a:bodyPr>
+          <a:lstStyle/>
+          <a:p>
+            <a:r>
+              <a:rPr lang="pt-BR" sz="2000" dirty="0">
+                <a:latin typeface="Arial" panose="020B0604020202020204" pitchFamily="34" charset="0"/>
+                <a:cs typeface="Arial" panose="020B0604020202020204" pitchFamily="34" charset="0"/>
+              </a:rPr>
+              <a:t>É a API que vamos utilizar para visualizar os dados de CPU,MEMORY E DISK de cada Totem.</a:t>
+            </a:r>
+          </a:p>
+        </p:txBody>
+      </p:sp>
+    </p:spTree>
+    <p:extLst>
+      <p:ext uri="{BB962C8B-B14F-4D97-AF65-F5344CB8AC3E}">
+        <p14:creationId xmlns:p14="http://schemas.microsoft.com/office/powerpoint/2010/main" val="4011704979"/>
+      </p:ext>
+    </p:extLst>
+  </p:cSld>
+  <p:clrMapOvr>
+    <a:masterClrMapping/>
+  </p:clrMapOvr>
+</p:sld>
+</file>
+
+<file path=ppt/slides/slide15.xml><?xml version="1.0" encoding="utf-8"?>
+<p:sld xmlns:a="http://schemas.openxmlformats.org/drawingml/2006/main" xmlns:r="http://schemas.openxmlformats.org/officeDocument/2006/relationships" xmlns:p="http://schemas.openxmlformats.org/presentationml/2006/main">
+  <p:cSld>
+    <p:bg>
+      <p:bgPr>
+        <a:solidFill>
+          <a:schemeClr val="bg1"/>
+        </a:solidFill>
+        <a:effectLst/>
+      </p:bgPr>
+    </p:bg>
+    <p:spTree>
+      <p:nvGrpSpPr>
+        <p:cNvPr id="1" name=""/>
+        <p:cNvGrpSpPr/>
+        <p:nvPr/>
+      </p:nvGrpSpPr>
+      <p:grpSpPr>
+        <a:xfrm>
+          <a:off x="0" y="0"/>
+          <a:ext cx="0" cy="0"/>
+          <a:chOff x="0" y="0"/>
+          <a:chExt cx="0" cy="0"/>
+        </a:xfrm>
+      </p:grpSpPr>
+      <p:pic>
+        <p:nvPicPr>
+          <p:cNvPr id="9" name="Imagem 8" descr="Tela de computador com texto preto sobre fundo branco&#10;&#10;Descrição gerada automaticamente">
+            <a:extLst>
+              <a:ext uri="{FF2B5EF4-FFF2-40B4-BE49-F238E27FC236}">
+                <a16:creationId xmlns:a16="http://schemas.microsoft.com/office/drawing/2014/main" id="{6A5E4B47-BB07-472B-B6F5-B7BE9C35697A}"/>
+              </a:ext>
+            </a:extLst>
+          </p:cNvPr>
+          <p:cNvPicPr>
+            <a:picLocks noChangeAspect="1"/>
+          </p:cNvPicPr>
+          <p:nvPr/>
+        </p:nvPicPr>
+        <p:blipFill>
+          <a:blip r:embed="rId3">
             <a:extLst>
               <a:ext uri="{28A0092B-C50C-407E-A947-70E740481C1C}">
                 <a14:useLocalDpi xmlns:a14="http://schemas.microsoft.com/office/drawing/2010/main" val="0"/>
@@ -3420,7 +6971,7 @@
     </p:spTree>
     <p:extLst>
       <p:ext uri="{BB962C8B-B14F-4D97-AF65-F5344CB8AC3E}">
-        <p14:creationId xmlns:p14="http://schemas.microsoft.com/office/powerpoint/2010/main" val="4029740191"/>
+        <p14:creationId xmlns:p14="http://schemas.microsoft.com/office/powerpoint/2010/main" val="493075164"/>
       </p:ext>
     </p:extLst>
   </p:cSld>
@@ -3430,7 +6981,7 @@
 </p:sld>
 </file>
 
-<file path=ppt/slides/slide2.xml><?xml version="1.0" encoding="utf-8"?>
+<file path=ppt/slides/slide16.xml><?xml version="1.0" encoding="utf-8"?>
 <p:sld xmlns:a="http://schemas.openxmlformats.org/drawingml/2006/main" xmlns:r="http://schemas.openxmlformats.org/officeDocument/2006/relationships" xmlns:p="http://schemas.openxmlformats.org/presentationml/2006/main">
   <p:cSld>
     <p:spTree>
@@ -3447,49 +6998,22 @@
           <a:chExt cx="0" cy="0"/>
         </a:xfrm>
       </p:grpSpPr>
-      <p:sp>
-        <p:nvSpPr>
-          <p:cNvPr id="2" name="Título 1">
-            <a:extLst>
-              <a:ext uri="{FF2B5EF4-FFF2-40B4-BE49-F238E27FC236}">
-                <a16:creationId xmlns:a16="http://schemas.microsoft.com/office/drawing/2014/main" id="{502D3D7F-2A55-4FA2-BE8E-A2FEC63962B4}"/>
-              </a:ext>
-            </a:extLst>
-          </p:cNvPr>
-          <p:cNvSpPr>
-            <a:spLocks noGrp="1"/>
-          </p:cNvSpPr>
-          <p:nvPr>
-            <p:ph type="title"/>
-          </p:nvPr>
-        </p:nvSpPr>
-        <p:spPr/>
-        <p:txBody>
-          <a:bodyPr/>
-          <a:lstStyle/>
-          <a:p>
-            <a:endParaRPr lang="pt-BR"/>
-          </a:p>
-        </p:txBody>
-      </p:sp>
       <p:pic>
         <p:nvPicPr>
-          <p:cNvPr id="5" name="Espaço Reservado para Conteúdo 4" descr="Tela de celular com texto preto sobre fundo branco&#10;&#10;Descrição gerada automaticamente">
-            <a:extLst>
-              <a:ext uri="{FF2B5EF4-FFF2-40B4-BE49-F238E27FC236}">
-                <a16:creationId xmlns:a16="http://schemas.microsoft.com/office/drawing/2014/main" id="{CBE64B8B-B6E5-43D9-8C10-C28878E7054F}"/>
+          <p:cNvPr id="5" name="Imagem 4">
+            <a:extLst>
+              <a:ext uri="{FF2B5EF4-FFF2-40B4-BE49-F238E27FC236}">
+                <a16:creationId xmlns:a16="http://schemas.microsoft.com/office/drawing/2014/main" id="{D328E547-008F-4D1F-865F-C8A0062C9730}"/>
               </a:ext>
             </a:extLst>
           </p:cNvPr>
           <p:cNvPicPr>
-            <a:picLocks noGrp="1" noChangeAspect="1"/>
+            <a:picLocks noChangeAspect="1"/>
           </p:cNvPicPr>
-          <p:nvPr>
-            <p:ph idx="1"/>
-          </p:nvPr>
+          <p:nvPr/>
         </p:nvPicPr>
         <p:blipFill>
-          <a:blip r:embed="rId2">
+          <a:blip r:embed="rId3">
             <a:extLst>
               <a:ext uri="{28A0092B-C50C-407E-A947-70E740481C1C}">
                 <a14:useLocalDpi xmlns:a14="http://schemas.microsoft.com/office/drawing/2010/main" val="0"/>
@@ -3505,8 +7029,93 @@
             <a:off x="0" y="0"/>
             <a:ext cx="12192000" cy="6858000"/>
           </a:xfrm>
+          <a:prstGeom prst="rect">
+            <a:avLst/>
+          </a:prstGeom>
         </p:spPr>
       </p:pic>
+    </p:spTree>
+    <p:extLst>
+      <p:ext uri="{BB962C8B-B14F-4D97-AF65-F5344CB8AC3E}">
+        <p14:creationId xmlns:p14="http://schemas.microsoft.com/office/powerpoint/2010/main" val="1297417069"/>
+      </p:ext>
+    </p:extLst>
+  </p:cSld>
+  <p:clrMapOvr>
+    <a:masterClrMapping/>
+  </p:clrMapOvr>
+</p:sld>
+</file>
+
+<file path=ppt/slides/slide2.xml><?xml version="1.0" encoding="utf-8"?>
+<p:sld xmlns:a="http://schemas.openxmlformats.org/drawingml/2006/main" xmlns:r="http://schemas.openxmlformats.org/officeDocument/2006/relationships" xmlns:p="http://schemas.openxmlformats.org/presentationml/2006/main">
+  <p:cSld>
+    <p:bg>
+      <p:bgPr>
+        <a:blipFill dpi="0" rotWithShape="1">
+          <a:blip r:embed="rId3">
+            <a:lum/>
+          </a:blip>
+          <a:srcRect/>
+          <a:stretch>
+            <a:fillRect/>
+          </a:stretch>
+        </a:blipFill>
+        <a:effectLst/>
+      </p:bgPr>
+    </p:bg>
+    <p:spTree>
+      <p:nvGrpSpPr>
+        <p:cNvPr id="1" name=""/>
+        <p:cNvGrpSpPr/>
+        <p:nvPr/>
+      </p:nvGrpSpPr>
+      <p:grpSpPr>
+        <a:xfrm>
+          <a:off x="0" y="0"/>
+          <a:ext cx="0" cy="0"/>
+          <a:chOff x="0" y="0"/>
+          <a:chExt cx="0" cy="0"/>
+        </a:xfrm>
+      </p:grpSpPr>
+      <p:sp>
+        <p:nvSpPr>
+          <p:cNvPr id="2" name="CaixaDeTexto 1">
+            <a:extLst>
+              <a:ext uri="{FF2B5EF4-FFF2-40B4-BE49-F238E27FC236}">
+                <a16:creationId xmlns:a16="http://schemas.microsoft.com/office/drawing/2014/main" id="{B49D3F17-7D72-4CD5-AEA4-FBC746101B24}"/>
+              </a:ext>
+            </a:extLst>
+          </p:cNvPr>
+          <p:cNvSpPr txBox="1"/>
+          <p:nvPr/>
+        </p:nvSpPr>
+        <p:spPr>
+          <a:xfrm>
+            <a:off x="685801" y="3075057"/>
+            <a:ext cx="5572124" cy="707886"/>
+          </a:xfrm>
+          <a:prstGeom prst="rect">
+            <a:avLst/>
+          </a:prstGeom>
+          <a:noFill/>
+        </p:spPr>
+        <p:txBody>
+          <a:bodyPr wrap="square" rtlCol="0">
+            <a:spAutoFit/>
+          </a:bodyPr>
+          <a:lstStyle/>
+          <a:p>
+            <a:r>
+              <a:rPr lang="pt-BR" sz="2000" dirty="0">
+                <a:latin typeface="Arial" panose="020B0604020202020204" pitchFamily="34" charset="0"/>
+                <a:cs typeface="Arial" panose="020B0604020202020204" pitchFamily="34" charset="0"/>
+              </a:rPr>
+              <a:t>O problema em si nos totens é que eles não são monitorados de forma eficaz.</a:t>
+            </a:r>
+          </a:p>
+        </p:txBody>
+      </p:sp>
     </p:spTree>
     <p:extLst>
       <p:ext uri="{BB962C8B-B14F-4D97-AF65-F5344CB8AC3E}">
@@ -3523,6 +7132,17 @@
 <file path=ppt/slides/slide3.xml><?xml version="1.0" encoding="utf-8"?>
 <p:sld xmlns:a="http://schemas.openxmlformats.org/drawingml/2006/main" xmlns:r="http://schemas.openxmlformats.org/officeDocument/2006/relationships" xmlns:p="http://schemas.openxmlformats.org/presentationml/2006/main">
   <p:cSld>
+    <p:bg>
+      <p:bgPr>
+        <a:blipFill>
+          <a:blip r:embed="rId3"/>
+          <a:stretch>
+            <a:fillRect/>
+          </a:stretch>
+        </a:blipFill>
+        <a:effectLst/>
+      </p:bgPr>
+    </p:bg>
     <p:spTree>
       <p:nvGrpSpPr>
         <p:cNvPr id="1" name=""/>
@@ -3539,64 +7159,163 @@
       </p:grpSpPr>
       <p:sp>
         <p:nvSpPr>
-          <p:cNvPr id="2" name="Título 1">
-            <a:extLst>
-              <a:ext uri="{FF2B5EF4-FFF2-40B4-BE49-F238E27FC236}">
-                <a16:creationId xmlns:a16="http://schemas.microsoft.com/office/drawing/2014/main" id="{40CDB7E0-75EA-4374-B818-0D51D2F94D3C}"/>
-              </a:ext>
-            </a:extLst>
-          </p:cNvPr>
-          <p:cNvSpPr>
-            <a:spLocks noGrp="1"/>
-          </p:cNvSpPr>
-          <p:nvPr>
-            <p:ph type="title"/>
-          </p:nvPr>
-        </p:nvSpPr>
-        <p:spPr/>
-        <p:txBody>
-          <a:bodyPr/>
-          <a:lstStyle/>
-          <a:p>
-            <a:endParaRPr lang="pt-BR"/>
-          </a:p>
-        </p:txBody>
-      </p:sp>
-      <p:pic>
-        <p:nvPicPr>
-          <p:cNvPr id="5" name="Espaço Reservado para Conteúdo 4" descr="Uma imagem contendo desenho&#10;&#10;Descrição gerada automaticamente">
-            <a:extLst>
-              <a:ext uri="{FF2B5EF4-FFF2-40B4-BE49-F238E27FC236}">
-                <a16:creationId xmlns:a16="http://schemas.microsoft.com/office/drawing/2014/main" id="{372F6C7F-04CF-4344-ACAD-D0C95A81819B}"/>
-              </a:ext>
-            </a:extLst>
-          </p:cNvPr>
-          <p:cNvPicPr>
-            <a:picLocks noGrp="1" noChangeAspect="1"/>
-          </p:cNvPicPr>
-          <p:nvPr>
-            <p:ph idx="1"/>
-          </p:nvPr>
-        </p:nvPicPr>
-        <p:blipFill>
-          <a:blip r:embed="rId2">
-            <a:extLst>
-              <a:ext uri="{28A0092B-C50C-407E-A947-70E740481C1C}">
-                <a14:useLocalDpi xmlns:a14="http://schemas.microsoft.com/office/drawing/2010/main" val="0"/>
-              </a:ext>
-            </a:extLst>
-          </a:blip>
-          <a:stretch>
-            <a:fillRect/>
-          </a:stretch>
-        </p:blipFill>
+          <p:cNvPr id="4" name="CaixaDeTexto 3">
+            <a:extLst>
+              <a:ext uri="{FF2B5EF4-FFF2-40B4-BE49-F238E27FC236}">
+                <a16:creationId xmlns:a16="http://schemas.microsoft.com/office/drawing/2014/main" id="{FFC5BF3E-728F-41E1-B12F-9492A45F67EA}"/>
+              </a:ext>
+            </a:extLst>
+          </p:cNvPr>
+          <p:cNvSpPr txBox="1"/>
+          <p:nvPr/>
+        </p:nvSpPr>
         <p:spPr>
           <a:xfrm>
-            <a:off x="0" y="0"/>
-            <a:ext cx="12192000" cy="6858000"/>
+            <a:off x="8448675" y="3028890"/>
+            <a:ext cx="1028700" cy="400110"/>
           </a:xfrm>
+          <a:prstGeom prst="rect">
+            <a:avLst/>
+          </a:prstGeom>
+          <a:noFill/>
         </p:spPr>
-      </p:pic>
+        <p:txBody>
+          <a:bodyPr wrap="square" rtlCol="0">
+            <a:spAutoFit/>
+          </a:bodyPr>
+          <a:lstStyle/>
+          <a:p>
+            <a:r>
+              <a:rPr lang="pt-BR" sz="2000" b="1" dirty="0">
+                <a:latin typeface="Arial Black" panose="020B0A04020102020204" pitchFamily="34" charset="0"/>
+              </a:rPr>
+              <a:t>BPMN</a:t>
+            </a:r>
+          </a:p>
+        </p:txBody>
+      </p:sp>
+      <p:sp>
+        <p:nvSpPr>
+          <p:cNvPr id="6" name="CaixaDeTexto 5">
+            <a:extLst>
+              <a:ext uri="{FF2B5EF4-FFF2-40B4-BE49-F238E27FC236}">
+                <a16:creationId xmlns:a16="http://schemas.microsoft.com/office/drawing/2014/main" id="{47681194-B5C5-479D-9AE7-10AD2A5EFAFA}"/>
+              </a:ext>
+            </a:extLst>
+          </p:cNvPr>
+          <p:cNvSpPr txBox="1"/>
+          <p:nvPr/>
+        </p:nvSpPr>
+        <p:spPr>
+          <a:xfrm>
+            <a:off x="781049" y="3028890"/>
+            <a:ext cx="4371975" cy="400110"/>
+          </a:xfrm>
+          <a:prstGeom prst="rect">
+            <a:avLst/>
+          </a:prstGeom>
+          <a:noFill/>
+        </p:spPr>
+        <p:txBody>
+          <a:bodyPr wrap="square" rtlCol="0">
+            <a:spAutoFit/>
+          </a:bodyPr>
+          <a:lstStyle/>
+          <a:p>
+            <a:r>
+              <a:rPr lang="pt-BR" sz="2000" b="1" dirty="0">
+                <a:latin typeface="Arial Black" panose="020B0A04020102020204" pitchFamily="34" charset="0"/>
+              </a:rPr>
+              <a:t>DESENHO DE SOLUÇÃO</a:t>
+            </a:r>
+          </a:p>
+        </p:txBody>
+      </p:sp>
+      <p:sp>
+        <p:nvSpPr>
+          <p:cNvPr id="5" name="CaixaDeTexto 4">
+            <a:extLst>
+              <a:ext uri="{FF2B5EF4-FFF2-40B4-BE49-F238E27FC236}">
+                <a16:creationId xmlns:a16="http://schemas.microsoft.com/office/drawing/2014/main" id="{6A20F6BC-742D-4679-9D3C-D6B4EF4D6F17}"/>
+              </a:ext>
+            </a:extLst>
+          </p:cNvPr>
+          <p:cNvSpPr txBox="1"/>
+          <p:nvPr/>
+        </p:nvSpPr>
+        <p:spPr>
+          <a:xfrm>
+            <a:off x="6875145" y="4635160"/>
+            <a:ext cx="3779520" cy="738664"/>
+          </a:xfrm>
+          <a:prstGeom prst="rect">
+            <a:avLst/>
+          </a:prstGeom>
+          <a:noFill/>
+        </p:spPr>
+        <p:txBody>
+          <a:bodyPr wrap="square" rtlCol="0">
+            <a:spAutoFit/>
+          </a:bodyPr>
+          <a:lstStyle/>
+          <a:p>
+            <a:pPr algn="ctr"/>
+            <a:r>
+              <a:rPr lang="pt-BR" sz="1400" spc="300" dirty="0">
+                <a:latin typeface="Arial" panose="020B0604020202020204" pitchFamily="34" charset="0"/>
+                <a:cs typeface="Arial" panose="020B0604020202020204" pitchFamily="34" charset="0"/>
+              </a:rPr>
+              <a:t>Notação da metodologia de gerenciamento de processos de negócio</a:t>
+            </a:r>
+          </a:p>
+        </p:txBody>
+      </p:sp>
+      <p:sp>
+        <p:nvSpPr>
+          <p:cNvPr id="8" name="CaixaDeTexto 7">
+            <a:extLst>
+              <a:ext uri="{FF2B5EF4-FFF2-40B4-BE49-F238E27FC236}">
+                <a16:creationId xmlns:a16="http://schemas.microsoft.com/office/drawing/2014/main" id="{ED56A277-D611-49B2-BE98-9680516F8C3F}"/>
+              </a:ext>
+            </a:extLst>
+          </p:cNvPr>
+          <p:cNvSpPr txBox="1"/>
+          <p:nvPr/>
+        </p:nvSpPr>
+        <p:spPr>
+          <a:xfrm>
+            <a:off x="1038225" y="4419716"/>
+            <a:ext cx="3042764" cy="1169551"/>
+          </a:xfrm>
+          <a:prstGeom prst="rect">
+            <a:avLst/>
+          </a:prstGeom>
+          <a:noFill/>
+        </p:spPr>
+        <p:txBody>
+          <a:bodyPr wrap="square" rtlCol="0">
+            <a:spAutoFit/>
+          </a:bodyPr>
+          <a:lstStyle/>
+          <a:p>
+            <a:pPr algn="ctr"/>
+            <a:r>
+              <a:rPr lang="pt-BR" sz="1400" spc="300" dirty="0">
+                <a:effectLst>
+                  <a:outerShdw blurRad="38100" dist="38100" dir="2700000" algn="tl">
+                    <a:srgbClr val="000000">
+                      <a:alpha val="43137"/>
+                    </a:srgbClr>
+                  </a:outerShdw>
+                </a:effectLst>
+                <a:latin typeface="Arial" panose="020B0604020202020204" pitchFamily="34" charset="0"/>
+                <a:cs typeface="Arial" panose="020B0604020202020204" pitchFamily="34" charset="0"/>
+              </a:rPr>
+              <a:t>Soluções baseadas nas necessidades do negócio, fazendo uso dos serviços e recursos tecnológicos</a:t>
+            </a:r>
+          </a:p>
+        </p:txBody>
+      </p:sp>
     </p:spTree>
     <p:extLst>
       <p:ext uri="{BB962C8B-B14F-4D97-AF65-F5344CB8AC3E}">
@@ -3613,6 +7332,14 @@
 <file path=ppt/slides/slide4.xml><?xml version="1.0" encoding="utf-8"?>
 <p:sld xmlns:a="http://schemas.openxmlformats.org/drawingml/2006/main" xmlns:r="http://schemas.openxmlformats.org/officeDocument/2006/relationships" xmlns:p="http://schemas.openxmlformats.org/presentationml/2006/main">
   <p:cSld>
+    <p:bg>
+      <p:bgPr>
+        <a:solidFill>
+          <a:schemeClr val="bg1"/>
+        </a:solidFill>
+        <a:effectLst/>
+      </p:bgPr>
+    </p:bg>
     <p:spTree>
       <p:nvGrpSpPr>
         <p:cNvPr id="1" name=""/>
@@ -3627,37 +7354,12 @@
           <a:chExt cx="0" cy="0"/>
         </a:xfrm>
       </p:grpSpPr>
-      <p:sp>
-        <p:nvSpPr>
-          <p:cNvPr id="2" name="Título 1">
-            <a:extLst>
-              <a:ext uri="{FF2B5EF4-FFF2-40B4-BE49-F238E27FC236}">
-                <a16:creationId xmlns:a16="http://schemas.microsoft.com/office/drawing/2014/main" id="{968F4891-549E-46D4-AEE5-9A954FD7CA1F}"/>
-              </a:ext>
-            </a:extLst>
-          </p:cNvPr>
-          <p:cNvSpPr>
-            <a:spLocks noGrp="1"/>
-          </p:cNvSpPr>
-          <p:nvPr>
-            <p:ph type="title"/>
-          </p:nvPr>
-        </p:nvSpPr>
-        <p:spPr/>
-        <p:txBody>
-          <a:bodyPr/>
-          <a:lstStyle/>
-          <a:p>
-            <a:endParaRPr lang="pt-BR"/>
-          </a:p>
-        </p:txBody>
-      </p:sp>
       <p:pic>
         <p:nvPicPr>
-          <p:cNvPr id="5" name="Espaço Reservado para Conteúdo 4" descr="Uma imagem contendo texto, screenshot&#10;&#10;Descrição gerada automaticamente">
-            <a:extLst>
-              <a:ext uri="{FF2B5EF4-FFF2-40B4-BE49-F238E27FC236}">
-                <a16:creationId xmlns:a16="http://schemas.microsoft.com/office/drawing/2014/main" id="{11A04A72-59EF-4167-B362-314E68698006}"/>
+          <p:cNvPr id="4" name="Espaço Reservado para Conteúdo 3" descr="Tela de celular com texto preto sobre fundo branco&#10;&#10;Descrição gerada automaticamente">
+            <a:extLst>
+              <a:ext uri="{FF2B5EF4-FFF2-40B4-BE49-F238E27FC236}">
+                <a16:creationId xmlns:a16="http://schemas.microsoft.com/office/drawing/2014/main" id="{C26088D0-8E6D-4A5A-8F6A-D78449D0C782}"/>
               </a:ext>
             </a:extLst>
           </p:cNvPr>
@@ -3668,35 +7370,100 @@
             <p:ph idx="1"/>
           </p:nvPr>
         </p:nvPicPr>
-        <p:blipFill>
-          <a:blip r:embed="rId2">
-            <a:extLst>
-              <a:ext uri="{28A0092B-C50C-407E-A947-70E740481C1C}">
-                <a14:useLocalDpi xmlns:a14="http://schemas.microsoft.com/office/drawing/2010/main" val="0"/>
-              </a:ext>
-            </a:extLst>
-          </a:blip>
-          <a:stretch>
-            <a:fillRect/>
-          </a:stretch>
+        <p:blipFill rotWithShape="1">
+          <a:blip r:embed="rId3"/>
+          <a:srcRect/>
+          <a:stretch/>
         </p:blipFill>
         <p:spPr>
           <a:xfrm>
             <a:off x="0" y="0"/>
-            <a:ext cx="12192000" cy="6858000"/>
+            <a:ext cx="12191980" cy="5934075"/>
           </a:xfrm>
+          <a:prstGeom prst="rect">
+            <a:avLst/>
+          </a:prstGeom>
         </p:spPr>
       </p:pic>
+      <p:sp>
+        <p:nvSpPr>
+          <p:cNvPr id="6" name="Retângulo 5">
+            <a:extLst>
+              <a:ext uri="{FF2B5EF4-FFF2-40B4-BE49-F238E27FC236}">
+                <a16:creationId xmlns:a16="http://schemas.microsoft.com/office/drawing/2014/main" id="{12612001-0EF6-46F9-BD71-550668A4A4B7}"/>
+              </a:ext>
+            </a:extLst>
+          </p:cNvPr>
+          <p:cNvSpPr/>
+          <p:nvPr/>
+        </p:nvSpPr>
+        <p:spPr>
+          <a:xfrm>
+            <a:off x="0" y="6014720"/>
+            <a:ext cx="12192000" cy="843280"/>
+          </a:xfrm>
+          <a:prstGeom prst="rect">
+            <a:avLst/>
+          </a:prstGeom>
+          <a:ln>
+            <a:solidFill>
+              <a:srgbClr val="455CA8"/>
+            </a:solidFill>
+          </a:ln>
+        </p:spPr>
+        <p:style>
+          <a:lnRef idx="2">
+            <a:schemeClr val="accent1">
+              <a:shade val="50000"/>
+            </a:schemeClr>
+          </a:lnRef>
+          <a:fillRef idx="1">
+            <a:schemeClr val="accent1"/>
+          </a:fillRef>
+          <a:effectRef idx="0">
+            <a:schemeClr val="accent1"/>
+          </a:effectRef>
+          <a:fontRef idx="minor">
+            <a:schemeClr val="lt1"/>
+          </a:fontRef>
+        </p:style>
+        <p:txBody>
+          <a:bodyPr rtlCol="0" anchor="ctr"/>
+          <a:lstStyle/>
+          <a:p>
+            <a:pPr algn="r">
+              <a:spcAft>
+                <a:spcPts val="600"/>
+              </a:spcAft>
+            </a:pPr>
+            <a:r>
+              <a:rPr lang="pt-BR" sz="2800" b="1" dirty="0">
+                <a:solidFill>
+                  <a:schemeClr val="bg1"/>
+                </a:solidFill>
+                <a:latin typeface="Agency FB" panose="020B0503020202020204" pitchFamily="34" charset="0"/>
+              </a:rPr>
+              <a:t>SingleTec</a:t>
+            </a:r>
+            <a:endParaRPr lang="pt-BR" sz="2800" dirty="0">
+              <a:latin typeface="Agency FB" panose="020B0503020202020204" pitchFamily="34" charset="0"/>
+            </a:endParaRPr>
+          </a:p>
+        </p:txBody>
+      </p:sp>
     </p:spTree>
     <p:extLst>
       <p:ext uri="{BB962C8B-B14F-4D97-AF65-F5344CB8AC3E}">
-        <p14:creationId xmlns:p14="http://schemas.microsoft.com/office/powerpoint/2010/main" val="1514318731"/>
+        <p14:creationId xmlns:p14="http://schemas.microsoft.com/office/powerpoint/2010/main" val="3928494625"/>
       </p:ext>
     </p:extLst>
   </p:cSld>
   <p:clrMapOvr>
     <a:masterClrMapping/>
   </p:clrMapOvr>
+  <p:transition spd="slow">
+    <p:push dir="u"/>
+  </p:transition>
 </p:sld>
 </file>
 
@@ -3717,37 +7484,12 @@
           <a:chExt cx="0" cy="0"/>
         </a:xfrm>
       </p:grpSpPr>
-      <p:sp>
-        <p:nvSpPr>
-          <p:cNvPr id="2" name="Título 1">
-            <a:extLst>
-              <a:ext uri="{FF2B5EF4-FFF2-40B4-BE49-F238E27FC236}">
-                <a16:creationId xmlns:a16="http://schemas.microsoft.com/office/drawing/2014/main" id="{64A2D89F-B6BF-4FD7-972E-E34AD6E97DEF}"/>
-              </a:ext>
-            </a:extLst>
-          </p:cNvPr>
-          <p:cNvSpPr>
-            <a:spLocks noGrp="1"/>
-          </p:cNvSpPr>
-          <p:nvPr>
-            <p:ph type="title"/>
-          </p:nvPr>
-        </p:nvSpPr>
-        <p:spPr/>
-        <p:txBody>
-          <a:bodyPr/>
-          <a:lstStyle/>
-          <a:p>
-            <a:endParaRPr lang="pt-BR"/>
-          </a:p>
-        </p:txBody>
-      </p:sp>
       <p:pic>
         <p:nvPicPr>
-          <p:cNvPr id="5" name="Espaço Reservado para Conteúdo 4" descr="Uma imagem contendo desenho&#10;&#10;Descrição gerada automaticamente">
-            <a:extLst>
-              <a:ext uri="{FF2B5EF4-FFF2-40B4-BE49-F238E27FC236}">
-                <a16:creationId xmlns:a16="http://schemas.microsoft.com/office/drawing/2014/main" id="{C8FEE307-5F0D-40FE-97F8-B2584A66EF83}"/>
+          <p:cNvPr id="5" name="Espaço Reservado para Conteúdo 4" descr="Tela de celular com texto preto sobre fundo branco&#10;&#10;Descrição gerada automaticamente">
+            <a:extLst>
+              <a:ext uri="{FF2B5EF4-FFF2-40B4-BE49-F238E27FC236}">
+                <a16:creationId xmlns:a16="http://schemas.microsoft.com/office/drawing/2014/main" id="{3AA3847B-84BE-4C10-A492-DF6E626F0B88}"/>
               </a:ext>
             </a:extLst>
           </p:cNvPr>
@@ -3759,7 +7501,7 @@
           </p:nvPr>
         </p:nvPicPr>
         <p:blipFill>
-          <a:blip r:embed="rId2">
+          <a:blip r:embed="rId3">
             <a:extLst>
               <a:ext uri="{28A0092B-C50C-407E-A947-70E740481C1C}">
                 <a14:useLocalDpi xmlns:a14="http://schemas.microsoft.com/office/drawing/2010/main" val="0"/>
@@ -3772,21 +7514,86 @@
         </p:blipFill>
         <p:spPr>
           <a:xfrm>
-            <a:off x="0" y="0"/>
-            <a:ext cx="12192000" cy="6858000"/>
+            <a:off x="-1" y="0"/>
+            <a:ext cx="12192001" cy="6014720"/>
           </a:xfrm>
         </p:spPr>
       </p:pic>
+      <p:sp>
+        <p:nvSpPr>
+          <p:cNvPr id="6" name="Retângulo 5">
+            <a:extLst>
+              <a:ext uri="{FF2B5EF4-FFF2-40B4-BE49-F238E27FC236}">
+                <a16:creationId xmlns:a16="http://schemas.microsoft.com/office/drawing/2014/main" id="{12612001-0EF6-46F9-BD71-550668A4A4B7}"/>
+              </a:ext>
+            </a:extLst>
+          </p:cNvPr>
+          <p:cNvSpPr/>
+          <p:nvPr/>
+        </p:nvSpPr>
+        <p:spPr>
+          <a:xfrm>
+            <a:off x="0" y="6014720"/>
+            <a:ext cx="12192000" cy="843280"/>
+          </a:xfrm>
+          <a:prstGeom prst="rect">
+            <a:avLst/>
+          </a:prstGeom>
+          <a:ln>
+            <a:solidFill>
+              <a:srgbClr val="455CA8"/>
+            </a:solidFill>
+          </a:ln>
+        </p:spPr>
+        <p:style>
+          <a:lnRef idx="2">
+            <a:schemeClr val="accent1">
+              <a:shade val="50000"/>
+            </a:schemeClr>
+          </a:lnRef>
+          <a:fillRef idx="1">
+            <a:schemeClr val="accent1"/>
+          </a:fillRef>
+          <a:effectRef idx="0">
+            <a:schemeClr val="accent1"/>
+          </a:effectRef>
+          <a:fontRef idx="minor">
+            <a:schemeClr val="lt1"/>
+          </a:fontRef>
+        </p:style>
+        <p:txBody>
+          <a:bodyPr rtlCol="0" anchor="ctr"/>
+          <a:lstStyle/>
+          <a:p>
+            <a:pPr algn="r"/>
+            <a:r>
+              <a:rPr lang="pt-BR" sz="2800" b="1" dirty="0">
+                <a:solidFill>
+                  <a:schemeClr val="bg1"/>
+                </a:solidFill>
+                <a:latin typeface="Agency FB" panose="020B0503020202020204" pitchFamily="34" charset="0"/>
+              </a:rPr>
+              <a:t>SingleTec</a:t>
+            </a:r>
+            <a:endParaRPr lang="pt-BR" sz="2800" dirty="0">
+              <a:latin typeface="Agency FB" panose="020B0503020202020204" pitchFamily="34" charset="0"/>
+            </a:endParaRPr>
+          </a:p>
+        </p:txBody>
+      </p:sp>
     </p:spTree>
     <p:extLst>
       <p:ext uri="{BB962C8B-B14F-4D97-AF65-F5344CB8AC3E}">
-        <p14:creationId xmlns:p14="http://schemas.microsoft.com/office/powerpoint/2010/main" val="1482414827"/>
+        <p14:creationId xmlns:p14="http://schemas.microsoft.com/office/powerpoint/2010/main" val="4084878758"/>
       </p:ext>
     </p:extLst>
   </p:cSld>
   <p:clrMapOvr>
     <a:masterClrMapping/>
   </p:clrMapOvr>
+  <p:transition spd="slow">
+    <p:push dir="u"/>
+  </p:transition>
 </p:sld>
 </file>
 
@@ -3809,35 +7616,72 @@
       </p:grpSpPr>
       <p:sp>
         <p:nvSpPr>
-          <p:cNvPr id="2" name="Título 1">
-            <a:extLst>
-              <a:ext uri="{FF2B5EF4-FFF2-40B4-BE49-F238E27FC236}">
-                <a16:creationId xmlns:a16="http://schemas.microsoft.com/office/drawing/2014/main" id="{1C691534-79A3-45C5-8509-B1F2E06D5A55}"/>
-              </a:ext>
-            </a:extLst>
-          </p:cNvPr>
-          <p:cNvSpPr>
-            <a:spLocks noGrp="1"/>
-          </p:cNvSpPr>
-          <p:nvPr>
-            <p:ph type="title"/>
-          </p:nvPr>
-        </p:nvSpPr>
-        <p:spPr/>
-        <p:txBody>
-          <a:bodyPr/>
-          <a:lstStyle/>
-          <a:p>
-            <a:endParaRPr lang="pt-BR"/>
+          <p:cNvPr id="6" name="Retângulo 5">
+            <a:extLst>
+              <a:ext uri="{FF2B5EF4-FFF2-40B4-BE49-F238E27FC236}">
+                <a16:creationId xmlns:a16="http://schemas.microsoft.com/office/drawing/2014/main" id="{12612001-0EF6-46F9-BD71-550668A4A4B7}"/>
+              </a:ext>
+            </a:extLst>
+          </p:cNvPr>
+          <p:cNvSpPr/>
+          <p:nvPr/>
+        </p:nvSpPr>
+        <p:spPr>
+          <a:xfrm>
+            <a:off x="0" y="6014720"/>
+            <a:ext cx="12192000" cy="843280"/>
+          </a:xfrm>
+          <a:prstGeom prst="rect">
+            <a:avLst/>
+          </a:prstGeom>
+          <a:ln>
+            <a:solidFill>
+              <a:srgbClr val="455CA8"/>
+            </a:solidFill>
+          </a:ln>
+        </p:spPr>
+        <p:style>
+          <a:lnRef idx="2">
+            <a:schemeClr val="accent1">
+              <a:shade val="50000"/>
+            </a:schemeClr>
+          </a:lnRef>
+          <a:fillRef idx="1">
+            <a:schemeClr val="accent1"/>
+          </a:fillRef>
+          <a:effectRef idx="0">
+            <a:schemeClr val="accent1"/>
+          </a:effectRef>
+          <a:fontRef idx="minor">
+            <a:schemeClr val="lt1"/>
+          </a:fontRef>
+        </p:style>
+        <p:txBody>
+          <a:bodyPr rtlCol="0" anchor="ctr"/>
+          <a:lstStyle/>
+          <a:p>
+            <a:pPr algn="r"/>
+            <a:r>
+              <a:rPr lang="pt-BR" sz="2800" b="1" dirty="0">
+                <a:solidFill>
+                  <a:schemeClr val="bg1"/>
+                </a:solidFill>
+                <a:latin typeface="Agency FB" panose="020B0503020202020204" pitchFamily="34" charset="0"/>
+              </a:rPr>
+              <a:t>SingleTec</a:t>
+            </a:r>
+            <a:endParaRPr lang="pt-BR" sz="2800" dirty="0">
+              <a:latin typeface="Agency FB" panose="020B0503020202020204" pitchFamily="34" charset="0"/>
+            </a:endParaRPr>
           </a:p>
         </p:txBody>
       </p:sp>
       <p:pic>
         <p:nvPicPr>
-          <p:cNvPr id="5" name="Espaço Reservado para Conteúdo 4" descr="Uma imagem contendo desenho&#10;&#10;Descrição gerada automaticamente">
-            <a:extLst>
-              <a:ext uri="{FF2B5EF4-FFF2-40B4-BE49-F238E27FC236}">
-                <a16:creationId xmlns:a16="http://schemas.microsoft.com/office/drawing/2014/main" id="{9A76597F-ABEE-4889-A3C1-B5BA2D07DACA}"/>
+          <p:cNvPr id="7" name="Espaço Reservado para Conteúdo 6" descr="Uma imagem contendo texto, mapa&#10;&#10;Descrição gerada automaticamente">
+            <a:extLst>
+              <a:ext uri="{FF2B5EF4-FFF2-40B4-BE49-F238E27FC236}">
+                <a16:creationId xmlns:a16="http://schemas.microsoft.com/office/drawing/2014/main" id="{7EE4E9EC-CB3C-4324-A223-9F18D72E26C5}"/>
               </a:ext>
             </a:extLst>
           </p:cNvPr>
@@ -3849,7 +7693,7 @@
           </p:nvPr>
         </p:nvPicPr>
         <p:blipFill>
-          <a:blip r:embed="rId2">
+          <a:blip r:embed="rId3">
             <a:extLst>
               <a:ext uri="{28A0092B-C50C-407E-A947-70E740481C1C}">
                 <a14:useLocalDpi xmlns:a14="http://schemas.microsoft.com/office/drawing/2010/main" val="0"/>
@@ -3863,20 +7707,377 @@
         <p:spPr>
           <a:xfrm>
             <a:off x="0" y="0"/>
-            <a:ext cx="12192000" cy="6858000"/>
+            <a:ext cx="12192000" cy="6002106"/>
           </a:xfrm>
         </p:spPr>
       </p:pic>
     </p:spTree>
     <p:extLst>
       <p:ext uri="{BB962C8B-B14F-4D97-AF65-F5344CB8AC3E}">
-        <p14:creationId xmlns:p14="http://schemas.microsoft.com/office/powerpoint/2010/main" val="2206771781"/>
+        <p14:creationId xmlns:p14="http://schemas.microsoft.com/office/powerpoint/2010/main" val="113210675"/>
       </p:ext>
     </p:extLst>
   </p:cSld>
   <p:clrMapOvr>
     <a:masterClrMapping/>
   </p:clrMapOvr>
+  <p:transition spd="slow">
+    <p:wipe/>
+  </p:transition>
+</p:sld>
+</file>
+
+<file path=ppt/slides/slide7.xml><?xml version="1.0" encoding="utf-8"?>
+<p:sld xmlns:a="http://schemas.openxmlformats.org/drawingml/2006/main" xmlns:r="http://schemas.openxmlformats.org/officeDocument/2006/relationships" xmlns:p="http://schemas.openxmlformats.org/presentationml/2006/main">
+  <p:cSld>
+    <p:spTree>
+      <p:nvGrpSpPr>
+        <p:cNvPr id="1" name=""/>
+        <p:cNvGrpSpPr/>
+        <p:nvPr/>
+      </p:nvGrpSpPr>
+      <p:grpSpPr>
+        <a:xfrm>
+          <a:off x="0" y="0"/>
+          <a:ext cx="0" cy="0"/>
+          <a:chOff x="0" y="0"/>
+          <a:chExt cx="0" cy="0"/>
+        </a:xfrm>
+      </p:grpSpPr>
+      <p:sp>
+        <p:nvSpPr>
+          <p:cNvPr id="6" name="Retângulo 5">
+            <a:extLst>
+              <a:ext uri="{FF2B5EF4-FFF2-40B4-BE49-F238E27FC236}">
+                <a16:creationId xmlns:a16="http://schemas.microsoft.com/office/drawing/2014/main" id="{12612001-0EF6-46F9-BD71-550668A4A4B7}"/>
+              </a:ext>
+            </a:extLst>
+          </p:cNvPr>
+          <p:cNvSpPr/>
+          <p:nvPr/>
+        </p:nvSpPr>
+        <p:spPr>
+          <a:xfrm>
+            <a:off x="0" y="6014720"/>
+            <a:ext cx="12192000" cy="843280"/>
+          </a:xfrm>
+          <a:prstGeom prst="rect">
+            <a:avLst/>
+          </a:prstGeom>
+          <a:ln>
+            <a:solidFill>
+              <a:srgbClr val="455CA8"/>
+            </a:solidFill>
+          </a:ln>
+        </p:spPr>
+        <p:style>
+          <a:lnRef idx="2">
+            <a:schemeClr val="accent1">
+              <a:shade val="50000"/>
+            </a:schemeClr>
+          </a:lnRef>
+          <a:fillRef idx="1">
+            <a:schemeClr val="accent1"/>
+          </a:fillRef>
+          <a:effectRef idx="0">
+            <a:schemeClr val="accent1"/>
+          </a:effectRef>
+          <a:fontRef idx="minor">
+            <a:schemeClr val="lt1"/>
+          </a:fontRef>
+        </p:style>
+        <p:txBody>
+          <a:bodyPr rtlCol="0" anchor="ctr"/>
+          <a:lstStyle/>
+          <a:p>
+            <a:pPr algn="r"/>
+            <a:r>
+              <a:rPr lang="pt-BR" sz="2800" b="1" dirty="0">
+                <a:solidFill>
+                  <a:schemeClr val="bg1"/>
+                </a:solidFill>
+                <a:latin typeface="Agency FB" panose="020B0503020202020204" pitchFamily="34" charset="0"/>
+              </a:rPr>
+              <a:t>SingleTec</a:t>
+            </a:r>
+            <a:endParaRPr lang="pt-BR" sz="2800" dirty="0">
+              <a:latin typeface="Agency FB" panose="020B0503020202020204" pitchFamily="34" charset="0"/>
+            </a:endParaRPr>
+          </a:p>
+        </p:txBody>
+      </p:sp>
+      <p:pic>
+        <p:nvPicPr>
+          <p:cNvPr id="5" name="Espaço Reservado para Conteúdo 4" descr="Mapa com linhas pretas em fundo branco&#10;&#10;Descrição gerada automaticamente">
+            <a:extLst>
+              <a:ext uri="{FF2B5EF4-FFF2-40B4-BE49-F238E27FC236}">
+                <a16:creationId xmlns:a16="http://schemas.microsoft.com/office/drawing/2014/main" id="{962411B2-83FF-432D-82A5-9AB52B813DC1}"/>
+              </a:ext>
+            </a:extLst>
+          </p:cNvPr>
+          <p:cNvPicPr>
+            <a:picLocks noGrp="1" noChangeAspect="1"/>
+          </p:cNvPicPr>
+          <p:nvPr>
+            <p:ph idx="1"/>
+          </p:nvPr>
+        </p:nvPicPr>
+        <p:blipFill>
+          <a:blip r:embed="rId3">
+            <a:extLst>
+              <a:ext uri="{28A0092B-C50C-407E-A947-70E740481C1C}">
+                <a14:useLocalDpi xmlns:a14="http://schemas.microsoft.com/office/drawing/2010/main" val="0"/>
+              </a:ext>
+            </a:extLst>
+          </a:blip>
+          <a:stretch>
+            <a:fillRect/>
+          </a:stretch>
+        </p:blipFill>
+        <p:spPr>
+          <a:xfrm>
+            <a:off x="0" y="0"/>
+            <a:ext cx="12192000" cy="5947758"/>
+          </a:xfrm>
+        </p:spPr>
+      </p:pic>
+    </p:spTree>
+    <p:extLst>
+      <p:ext uri="{BB962C8B-B14F-4D97-AF65-F5344CB8AC3E}">
+        <p14:creationId xmlns:p14="http://schemas.microsoft.com/office/powerpoint/2010/main" val="109840994"/>
+      </p:ext>
+    </p:extLst>
+  </p:cSld>
+  <p:clrMapOvr>
+    <a:masterClrMapping/>
+  </p:clrMapOvr>
+  <p:transition spd="slow">
+    <p:wipe/>
+  </p:transition>
+</p:sld>
+</file>
+
+<file path=ppt/slides/slide8.xml><?xml version="1.0" encoding="utf-8"?>
+<p:sld xmlns:a="http://schemas.openxmlformats.org/drawingml/2006/main" xmlns:r="http://schemas.openxmlformats.org/officeDocument/2006/relationships" xmlns:p="http://schemas.openxmlformats.org/presentationml/2006/main">
+  <p:cSld>
+    <p:bg>
+      <p:bgPr>
+        <a:blipFill dpi="0" rotWithShape="1">
+          <a:blip r:embed="rId3">
+            <a:lum/>
+          </a:blip>
+          <a:srcRect/>
+          <a:stretch>
+            <a:fillRect/>
+          </a:stretch>
+        </a:blipFill>
+        <a:effectLst/>
+      </p:bgPr>
+    </p:bg>
+    <p:spTree>
+      <p:nvGrpSpPr>
+        <p:cNvPr id="1" name=""/>
+        <p:cNvGrpSpPr/>
+        <p:nvPr/>
+      </p:nvGrpSpPr>
+      <p:grpSpPr>
+        <a:xfrm>
+          <a:off x="0" y="0"/>
+          <a:ext cx="0" cy="0"/>
+          <a:chOff x="0" y="0"/>
+          <a:chExt cx="0" cy="0"/>
+        </a:xfrm>
+      </p:grpSpPr>
+      <p:sp>
+        <p:nvSpPr>
+          <p:cNvPr id="2" name="CaixaDeTexto 1">
+            <a:extLst>
+              <a:ext uri="{FF2B5EF4-FFF2-40B4-BE49-F238E27FC236}">
+                <a16:creationId xmlns:a16="http://schemas.microsoft.com/office/drawing/2014/main" id="{53B510A4-6426-479F-A38A-D9421D7F7F43}"/>
+              </a:ext>
+            </a:extLst>
+          </p:cNvPr>
+          <p:cNvSpPr txBox="1"/>
+          <p:nvPr/>
+        </p:nvSpPr>
+        <p:spPr>
+          <a:xfrm>
+            <a:off x="499856" y="3041374"/>
+            <a:ext cx="6636440" cy="1631216"/>
+          </a:xfrm>
+          <a:prstGeom prst="rect">
+            <a:avLst/>
+          </a:prstGeom>
+          <a:noFill/>
+        </p:spPr>
+        <p:txBody>
+          <a:bodyPr wrap="square" rtlCol="0">
+            <a:spAutoFit/>
+          </a:bodyPr>
+          <a:lstStyle/>
+          <a:p>
+            <a:r>
+              <a:rPr lang="pt-BR" sz="2000" dirty="0">
+                <a:latin typeface="Arial" panose="020B0604020202020204" pitchFamily="34" charset="0"/>
+                <a:cs typeface="Arial" panose="020B0604020202020204" pitchFamily="34" charset="0"/>
+              </a:rPr>
+              <a:t>Explicaremos características do funcionamento e comportamento do nosso software, facilitando seu entendimento sobre o projeto, através das características principais que evitarão erros de programação, projeto e funcionamento.</a:t>
+            </a:r>
+          </a:p>
+        </p:txBody>
+      </p:sp>
+    </p:spTree>
+    <p:extLst>
+      <p:ext uri="{BB962C8B-B14F-4D97-AF65-F5344CB8AC3E}">
+        <p14:creationId xmlns:p14="http://schemas.microsoft.com/office/powerpoint/2010/main" val="1514318731"/>
+      </p:ext>
+    </p:extLst>
+  </p:cSld>
+  <p:clrMapOvr>
+    <a:masterClrMapping/>
+  </p:clrMapOvr>
+</p:sld>
+</file>
+
+<file path=ppt/slides/slide9.xml><?xml version="1.0" encoding="utf-8"?>
+<p:sld xmlns:a="http://schemas.openxmlformats.org/drawingml/2006/main" xmlns:r="http://schemas.openxmlformats.org/officeDocument/2006/relationships" xmlns:p="http://schemas.openxmlformats.org/presentationml/2006/main">
+  <p:cSld>
+    <p:bg>
+      <p:bgPr>
+        <a:solidFill>
+          <a:schemeClr val="bg1"/>
+        </a:solidFill>
+        <a:effectLst/>
+      </p:bgPr>
+    </p:bg>
+    <p:spTree>
+      <p:nvGrpSpPr>
+        <p:cNvPr id="1" name=""/>
+        <p:cNvGrpSpPr/>
+        <p:nvPr/>
+      </p:nvGrpSpPr>
+      <p:grpSpPr>
+        <a:xfrm>
+          <a:off x="0" y="0"/>
+          <a:ext cx="0" cy="0"/>
+          <a:chOff x="0" y="0"/>
+          <a:chExt cx="0" cy="0"/>
+        </a:xfrm>
+      </p:grpSpPr>
+      <p:sp>
+        <p:nvSpPr>
+          <p:cNvPr id="6" name="Retângulo 5">
+            <a:extLst>
+              <a:ext uri="{FF2B5EF4-FFF2-40B4-BE49-F238E27FC236}">
+                <a16:creationId xmlns:a16="http://schemas.microsoft.com/office/drawing/2014/main" id="{12612001-0EF6-46F9-BD71-550668A4A4B7}"/>
+              </a:ext>
+            </a:extLst>
+          </p:cNvPr>
+          <p:cNvSpPr/>
+          <p:nvPr/>
+        </p:nvSpPr>
+        <p:spPr>
+          <a:xfrm>
+            <a:off x="0" y="6014720"/>
+            <a:ext cx="12192000" cy="843280"/>
+          </a:xfrm>
+          <a:prstGeom prst="rect">
+            <a:avLst/>
+          </a:prstGeom>
+          <a:ln>
+            <a:solidFill>
+              <a:srgbClr val="455CA8"/>
+            </a:solidFill>
+          </a:ln>
+        </p:spPr>
+        <p:style>
+          <a:lnRef idx="2">
+            <a:schemeClr val="accent1">
+              <a:shade val="50000"/>
+            </a:schemeClr>
+          </a:lnRef>
+          <a:fillRef idx="1">
+            <a:schemeClr val="accent1"/>
+          </a:fillRef>
+          <a:effectRef idx="0">
+            <a:schemeClr val="accent1"/>
+          </a:effectRef>
+          <a:fontRef idx="minor">
+            <a:schemeClr val="lt1"/>
+          </a:fontRef>
+        </p:style>
+        <p:txBody>
+          <a:bodyPr rtlCol="0" anchor="ctr"/>
+          <a:lstStyle/>
+          <a:p>
+            <a:pPr algn="r">
+              <a:spcAft>
+                <a:spcPts val="600"/>
+              </a:spcAft>
+            </a:pPr>
+            <a:r>
+              <a:rPr lang="pt-BR" sz="2800" b="1" dirty="0">
+                <a:solidFill>
+                  <a:schemeClr val="bg1"/>
+                </a:solidFill>
+                <a:latin typeface="Agency FB" panose="020B0503020202020204" pitchFamily="34" charset="0"/>
+              </a:rPr>
+              <a:t>SingleTec</a:t>
+            </a:r>
+            <a:endParaRPr lang="pt-BR" sz="2800" dirty="0">
+              <a:latin typeface="Agency FB" panose="020B0503020202020204" pitchFamily="34" charset="0"/>
+            </a:endParaRPr>
+          </a:p>
+        </p:txBody>
+      </p:sp>
+      <p:pic>
+        <p:nvPicPr>
+          <p:cNvPr id="7" name="Espaço Reservado para Conteúdo 6" descr="Mapa na tela de computador com texto preto sobre fundo branco&#10;&#10;Descrição gerada automaticamente">
+            <a:extLst>
+              <a:ext uri="{FF2B5EF4-FFF2-40B4-BE49-F238E27FC236}">
+                <a16:creationId xmlns:a16="http://schemas.microsoft.com/office/drawing/2014/main" id="{FC94C460-97DB-468F-9119-A4C0290C31FD}"/>
+              </a:ext>
+            </a:extLst>
+          </p:cNvPr>
+          <p:cNvPicPr>
+            <a:picLocks noGrp="1" noChangeAspect="1"/>
+          </p:cNvPicPr>
+          <p:nvPr>
+            <p:ph idx="1"/>
+          </p:nvPr>
+        </p:nvPicPr>
+        <p:blipFill>
+          <a:blip r:embed="rId3">
+            <a:extLst>
+              <a:ext uri="{28A0092B-C50C-407E-A947-70E740481C1C}">
+                <a14:useLocalDpi xmlns:a14="http://schemas.microsoft.com/office/drawing/2010/main" val="0"/>
+              </a:ext>
+            </a:extLst>
+          </a:blip>
+          <a:stretch>
+            <a:fillRect/>
+          </a:stretch>
+        </p:blipFill>
+        <p:spPr>
+          <a:xfrm>
+            <a:off x="71543" y="0"/>
+            <a:ext cx="12120457" cy="6014720"/>
+          </a:xfrm>
+        </p:spPr>
+      </p:pic>
+    </p:spTree>
+    <p:extLst>
+      <p:ext uri="{BB962C8B-B14F-4D97-AF65-F5344CB8AC3E}">
+        <p14:creationId xmlns:p14="http://schemas.microsoft.com/office/powerpoint/2010/main" val="1549713693"/>
+      </p:ext>
+    </p:extLst>
+  </p:cSld>
+  <p:clrMapOvr>
+    <a:masterClrMapping/>
+  </p:clrMapOvr>
+  <p:transition spd="slow">
+    <p:push dir="u"/>
+  </p:transition>
 </p:sld>
 </file>
 
@@ -4173,4 +8374,299 @@
     </a:ext>
   </a:extLst>
 </a:theme>
+</file>
+
+<file path=ppt/theme/theme2.xml><?xml version="1.0" encoding="utf-8"?>
+<a:theme xmlns:a="http://schemas.openxmlformats.org/drawingml/2006/main" name="Tema do Office">
+  <a:themeElements>
+    <a:clrScheme name="Office">
+      <a:dk1>
+        <a:sysClr val="windowText" lastClr="000000"/>
+      </a:dk1>
+      <a:lt1>
+        <a:sysClr val="window" lastClr="FFFFFF"/>
+      </a:lt1>
+      <a:dk2>
+        <a:srgbClr val="44546A"/>
+      </a:dk2>
+      <a:lt2>
+        <a:srgbClr val="E7E6E6"/>
+      </a:lt2>
+      <a:accent1>
+        <a:srgbClr val="4472C4"/>
+      </a:accent1>
+      <a:accent2>
+        <a:srgbClr val="ED7D31"/>
+      </a:accent2>
+      <a:accent3>
+        <a:srgbClr val="A5A5A5"/>
+      </a:accent3>
+      <a:accent4>
+        <a:srgbClr val="FFC000"/>
+      </a:accent4>
+      <a:accent5>
+        <a:srgbClr val="5B9BD5"/>
+      </a:accent5>
+      <a:accent6>
+        <a:srgbClr val="70AD47"/>
+      </a:accent6>
+      <a:hlink>
+        <a:srgbClr val="0563C1"/>
+      </a:hlink>
+      <a:folHlink>
+        <a:srgbClr val="954F72"/>
+      </a:folHlink>
+    </a:clrScheme>
+    <a:fontScheme name="Office">
+      <a:majorFont>
+        <a:latin typeface="Calibri Light" panose="020F0302020204030204"/>
+        <a:ea typeface=""/>
+        <a:cs typeface=""/>
+        <a:font script="Jpan" typeface="游ゴシック Light"/>
+        <a:font script="Hang" typeface="맑은 고딕"/>
+        <a:font script="Hans" typeface="等线 Light"/>
+        <a:font script="Hant" typeface="新細明體"/>
+        <a:font script="Arab" typeface="Times New Roman"/>
+        <a:font script="Hebr" typeface="Times New Roman"/>
+        <a:font script="Thai" typeface="Angsana New"/>
+        <a:font script="Ethi" typeface="Nyala"/>
+        <a:font script="Beng" typeface="Vrinda"/>
+        <a:font script="Gujr" typeface="Shruti"/>
+        <a:font script="Khmr" typeface="MoolBoran"/>
+        <a:font script="Knda" typeface="Tunga"/>
+        <a:font script="Guru" typeface="Raavi"/>
+        <a:font script="Cans" typeface="Euphemia"/>
+        <a:font script="Cher" typeface="Plantagenet Cherokee"/>
+        <a:font script="Yiii" typeface="Microsoft Yi Baiti"/>
+        <a:font script="Tibt" typeface="Microsoft Himalaya"/>
+        <a:font script="Thaa" typeface="MV Boli"/>
+        <a:font script="Deva" typeface="Mangal"/>
+        <a:font script="Telu" typeface="Gautami"/>
+        <a:font script="Taml" typeface="Latha"/>
+        <a:font script="Syrc" typeface="Estrangelo Edessa"/>
+        <a:font script="Orya" typeface="Kalinga"/>
+        <a:font script="Mlym" typeface="Kartika"/>
+        <a:font script="Laoo" typeface="DokChampa"/>
+        <a:font script="Sinh" typeface="Iskoola Pota"/>
+        <a:font script="Mong" typeface="Mongolian Baiti"/>
+        <a:font script="Viet" typeface="Times New Roman"/>
+        <a:font script="Uigh" typeface="Microsoft Uighur"/>
+        <a:font script="Geor" typeface="Sylfaen"/>
+        <a:font script="Armn" typeface="Arial"/>
+        <a:font script="Bugi" typeface="Leelawadee UI"/>
+        <a:font script="Bopo" typeface="Microsoft JhengHei"/>
+        <a:font script="Java" typeface="Javanese Text"/>
+        <a:font script="Lisu" typeface="Segoe UI"/>
+        <a:font script="Mymr" typeface="Myanmar Text"/>
+        <a:font script="Nkoo" typeface="Ebrima"/>
+        <a:font script="Olck" typeface="Nirmala UI"/>
+        <a:font script="Osma" typeface="Ebrima"/>
+        <a:font script="Phag" typeface="Phagspa"/>
+        <a:font script="Syrn" typeface="Estrangelo Edessa"/>
+        <a:font script="Syrj" typeface="Estrangelo Edessa"/>
+        <a:font script="Syre" typeface="Estrangelo Edessa"/>
+        <a:font script="Sora" typeface="Nirmala UI"/>
+        <a:font script="Tale" typeface="Microsoft Tai Le"/>
+        <a:font script="Talu" typeface="Microsoft New Tai Lue"/>
+        <a:font script="Tfng" typeface="Ebrima"/>
+      </a:majorFont>
+      <a:minorFont>
+        <a:latin typeface="Calibri" panose="020F0502020204030204"/>
+        <a:ea typeface=""/>
+        <a:cs typeface=""/>
+        <a:font script="Jpan" typeface="游ゴシック"/>
+        <a:font script="Hang" typeface="맑은 고딕"/>
+        <a:font script="Hans" typeface="等线"/>
+        <a:font script="Hant" typeface="新細明體"/>
+        <a:font script="Arab" typeface="Arial"/>
+        <a:font script="Hebr" typeface="Arial"/>
+        <a:font script="Thai" typeface="Cordia New"/>
+        <a:font script="Ethi" typeface="Nyala"/>
+        <a:font script="Beng" typeface="Vrinda"/>
+        <a:font script="Gujr" typeface="Shruti"/>
+        <a:font script="Khmr" typeface="DaunPenh"/>
+        <a:font script="Knda" typeface="Tunga"/>
+        <a:font script="Guru" typeface="Raavi"/>
+        <a:font script="Cans" typeface="Euphemia"/>
+        <a:font script="Cher" typeface="Plantagenet Cherokee"/>
+        <a:font script="Yiii" typeface="Microsoft Yi Baiti"/>
+        <a:font script="Tibt" typeface="Microsoft Himalaya"/>
+        <a:font script="Thaa" typeface="MV Boli"/>
+        <a:font script="Deva" typeface="Mangal"/>
+        <a:font script="Telu" typeface="Gautami"/>
+        <a:font script="Taml" typeface="Latha"/>
+        <a:font script="Syrc" typeface="Estrangelo Edessa"/>
+        <a:font script="Orya" typeface="Kalinga"/>
+        <a:font script="Mlym" typeface="Kartika"/>
+        <a:font script="Laoo" typeface="DokChampa"/>
+        <a:font script="Sinh" typeface="Iskoola Pota"/>
+        <a:font script="Mong" typeface="Mongolian Baiti"/>
+        <a:font script="Viet" typeface="Arial"/>
+        <a:font script="Uigh" typeface="Microsoft Uighur"/>
+        <a:font script="Geor" typeface="Sylfaen"/>
+        <a:font script="Armn" typeface="Arial"/>
+        <a:font script="Bugi" typeface="Leelawadee UI"/>
+        <a:font script="Bopo" typeface="Microsoft JhengHei"/>
+        <a:font script="Java" typeface="Javanese Text"/>
+        <a:font script="Lisu" typeface="Segoe UI"/>
+        <a:font script="Mymr" typeface="Myanmar Text"/>
+        <a:font script="Nkoo" typeface="Ebrima"/>
+        <a:font script="Olck" typeface="Nirmala UI"/>
+        <a:font script="Osma" typeface="Ebrima"/>
+        <a:font script="Phag" typeface="Phagspa"/>
+        <a:font script="Syrn" typeface="Estrangelo Edessa"/>
+        <a:font script="Syrj" typeface="Estrangelo Edessa"/>
+        <a:font script="Syre" typeface="Estrangelo Edessa"/>
+        <a:font script="Sora" typeface="Nirmala UI"/>
+        <a:font script="Tale" typeface="Microsoft Tai Le"/>
+        <a:font script="Talu" typeface="Microsoft New Tai Lue"/>
+        <a:font script="Tfng" typeface="Ebrima"/>
+      </a:minorFont>
+    </a:fontScheme>
+    <a:fmtScheme name="Office">
+      <a:fillStyleLst>
+        <a:solidFill>
+          <a:schemeClr val="phClr"/>
+        </a:solidFill>
+        <a:gradFill rotWithShape="1">
+          <a:gsLst>
+            <a:gs pos="0">
+              <a:schemeClr val="phClr">
+                <a:lumMod val="110000"/>
+                <a:satMod val="105000"/>
+                <a:tint val="67000"/>
+              </a:schemeClr>
+            </a:gs>
+            <a:gs pos="50000">
+              <a:schemeClr val="phClr">
+                <a:lumMod val="105000"/>
+                <a:satMod val="103000"/>
+                <a:tint val="73000"/>
+              </a:schemeClr>
+            </a:gs>
+            <a:gs pos="100000">
+              <a:schemeClr val="phClr">
+                <a:lumMod val="105000"/>
+                <a:satMod val="109000"/>
+                <a:tint val="81000"/>
+              </a:schemeClr>
+            </a:gs>
+          </a:gsLst>
+          <a:lin ang="5400000" scaled="0"/>
+        </a:gradFill>
+        <a:gradFill rotWithShape="1">
+          <a:gsLst>
+            <a:gs pos="0">
+              <a:schemeClr val="phClr">
+                <a:satMod val="103000"/>
+                <a:lumMod val="102000"/>
+                <a:tint val="94000"/>
+              </a:schemeClr>
+            </a:gs>
+            <a:gs pos="50000">
+              <a:schemeClr val="phClr">
+                <a:satMod val="110000"/>
+                <a:lumMod val="100000"/>
+                <a:shade val="100000"/>
+              </a:schemeClr>
+            </a:gs>
+            <a:gs pos="100000">
+              <a:schemeClr val="phClr">
+                <a:lumMod val="99000"/>
+                <a:satMod val="120000"/>
+                <a:shade val="78000"/>
+              </a:schemeClr>
+            </a:gs>
+          </a:gsLst>
+          <a:lin ang="5400000" scaled="0"/>
+        </a:gradFill>
+      </a:fillStyleLst>
+      <a:lnStyleLst>
+        <a:ln w="6350" cap="flat" cmpd="sng" algn="ctr">
+          <a:solidFill>
+            <a:schemeClr val="phClr"/>
+          </a:solidFill>
+          <a:prstDash val="solid"/>
+          <a:miter lim="800000"/>
+        </a:ln>
+        <a:ln w="12700" cap="flat" cmpd="sng" algn="ctr">
+          <a:solidFill>
+            <a:schemeClr val="phClr"/>
+          </a:solidFill>
+          <a:prstDash val="solid"/>
+          <a:miter lim="800000"/>
+        </a:ln>
+        <a:ln w="19050" cap="flat" cmpd="sng" algn="ctr">
+          <a:solidFill>
+            <a:schemeClr val="phClr"/>
+          </a:solidFill>
+          <a:prstDash val="solid"/>
+          <a:miter lim="800000"/>
+        </a:ln>
+      </a:lnStyleLst>
+      <a:effectStyleLst>
+        <a:effectStyle>
+          <a:effectLst/>
+        </a:effectStyle>
+        <a:effectStyle>
+          <a:effectLst/>
+        </a:effectStyle>
+        <a:effectStyle>
+          <a:effectLst>
+            <a:outerShdw blurRad="57150" dist="19050" dir="5400000" algn="ctr" rotWithShape="0">
+              <a:srgbClr val="000000">
+                <a:alpha val="63000"/>
+              </a:srgbClr>
+            </a:outerShdw>
+          </a:effectLst>
+        </a:effectStyle>
+      </a:effectStyleLst>
+      <a:bgFillStyleLst>
+        <a:solidFill>
+          <a:schemeClr val="phClr"/>
+        </a:solidFill>
+        <a:solidFill>
+          <a:schemeClr val="phClr">
+            <a:tint val="95000"/>
+            <a:satMod val="170000"/>
+          </a:schemeClr>
+        </a:solidFill>
+        <a:gradFill rotWithShape="1">
+          <a:gsLst>
+            <a:gs pos="0">
+              <a:schemeClr val="phClr">
+                <a:tint val="93000"/>
+                <a:satMod val="150000"/>
+                <a:shade val="98000"/>
+                <a:lumMod val="102000"/>
+              </a:schemeClr>
+            </a:gs>
+            <a:gs pos="50000">
+              <a:schemeClr val="phClr">
+                <a:tint val="98000"/>
+                <a:satMod val="130000"/>
+                <a:shade val="90000"/>
+                <a:lumMod val="103000"/>
+              </a:schemeClr>
+            </a:gs>
+            <a:gs pos="100000">
+              <a:schemeClr val="phClr">
+                <a:shade val="63000"/>
+                <a:satMod val="120000"/>
+              </a:schemeClr>
+            </a:gs>
+          </a:gsLst>
+          <a:lin ang="5400000" scaled="0"/>
+        </a:gradFill>
+      </a:bgFillStyleLst>
+    </a:fmtScheme>
+  </a:themeElements>
+  <a:objectDefaults/>
+  <a:extraClrSchemeLst/>
+  <a:extLst>
+    <a:ext uri="{05A4C25C-085E-4340-85A3-A5531E510DB2}">
+      <thm15:themeFamily xmlns:thm15="http://schemas.microsoft.com/office/thememl/2012/main" name="Office Theme" id="{62F939B6-93AF-4DB8-9C6B-D6C7DFDC589F}" vid="{4A3C46E8-61CC-4603-A589-7422A47A8E4A}"/>
+    </a:ext>
+  </a:extLst>
+</a:theme>
 </file>